--- a/Project Documentation/Demos/Demo 03/Demo 03.pptx
+++ b/Project Documentation/Demos/Demo 03/Demo 03.pptx
@@ -1420,8 +1420,8 @@
     <dgm:cxn modelId="{1D3CF703-E501-4E1C-A175-0ABEA86722C9}" type="presOf" srcId="{F47371DB-8BEA-432B-ADA0-92D74E0702F9}" destId="{B0AFBA69-F6EE-4B41-94B1-52466432E21A}" srcOrd="0" destOrd="0" presId="urn:microsoft.com/office/officeart/2005/8/layout/process2"/>
     <dgm:cxn modelId="{AA3694B8-C57A-41A5-8AF9-EE6EA4412041}" type="presOf" srcId="{AAD92323-C489-44B1-AC4F-BF3E44649CD1}" destId="{77250FC4-3CD4-4BD3-83CF-DF8D02B9DCB1}" srcOrd="0" destOrd="0" presId="urn:microsoft.com/office/officeart/2005/8/layout/process2"/>
     <dgm:cxn modelId="{9ED44448-A612-415B-9510-0317A3DF62CA}" type="presOf" srcId="{2D947E25-C16B-42FD-80F9-097235D840FE}" destId="{E4E9F33E-FEB6-4B1D-B1CA-32DE732DD70F}" srcOrd="1" destOrd="0" presId="urn:microsoft.com/office/officeart/2005/8/layout/process2"/>
+    <dgm:cxn modelId="{D115FF46-9CA3-4137-A994-3C5C36CCAF32}" type="presOf" srcId="{CBE68F96-89C8-4389-B3B0-A60C07AFA6E6}" destId="{BBD1517F-8595-43FF-B8A2-BFDF5EABC173}" srcOrd="0" destOrd="0" presId="urn:microsoft.com/office/officeart/2005/8/layout/process2"/>
     <dgm:cxn modelId="{87527954-69AA-4C26-8DC2-0CA36D5FE8EA}" srcId="{CBE68F96-89C8-4389-B3B0-A60C07AFA6E6}" destId="{B6B66AB5-6C31-4B5F-93E1-8F76E49BB650}" srcOrd="1" destOrd="0" parTransId="{1D8308EB-D457-4B19-9144-B6BDC74BBD90}" sibTransId="{A45D5F63-C5E3-47F8-AB0E-319C4686FB99}"/>
-    <dgm:cxn modelId="{D115FF46-9CA3-4137-A994-3C5C36CCAF32}" type="presOf" srcId="{CBE68F96-89C8-4389-B3B0-A60C07AFA6E6}" destId="{BBD1517F-8595-43FF-B8A2-BFDF5EABC173}" srcOrd="0" destOrd="0" presId="urn:microsoft.com/office/officeart/2005/8/layout/process2"/>
     <dgm:cxn modelId="{1B729D1A-218D-441F-8AE4-C30C351F3568}" type="presOf" srcId="{1A75F6BB-B0E0-4EE8-9800-137D7E40F05F}" destId="{2AA5EB6B-6F84-481E-A18B-83054F65A1F2}" srcOrd="0" destOrd="0" presId="urn:microsoft.com/office/officeart/2005/8/layout/process2"/>
     <dgm:cxn modelId="{D1E7BF08-1A44-4E9F-944A-F615278ED7DC}" type="presOf" srcId="{D729FD14-48D0-4CC4-9926-F3919B7E762C}" destId="{C6F8793C-44C2-4F66-9B04-8FD07C3AE97D}" srcOrd="1" destOrd="0" presId="urn:microsoft.com/office/officeart/2005/8/layout/process2"/>
     <dgm:cxn modelId="{D74F3D68-B0C7-46F7-8DA0-E768035919B4}" type="presParOf" srcId="{BBD1517F-8595-43FF-B8A2-BFDF5EABC173}" destId="{77250FC4-3CD4-4BD3-83CF-DF8D02B9DCB1}" srcOrd="0" destOrd="0" presId="urn:microsoft.com/office/officeart/2005/8/layout/process2"/>
@@ -1466,8 +1466,8 @@
       </dsp:nvSpPr>
       <dsp:spPr>
         <a:xfrm>
-          <a:off x="101089" y="16023"/>
-          <a:ext cx="1936799" cy="492667"/>
+          <a:off x="107990" y="16023"/>
+          <a:ext cx="1932565" cy="492667"/>
         </a:xfrm>
         <a:prstGeom prst="roundRect">
           <a:avLst>
@@ -1535,8 +1535,8 @@
         </a:p>
       </dsp:txBody>
       <dsp:txXfrm>
-        <a:off x="115519" y="30453"/>
-        <a:ext cx="1907939" cy="463807"/>
+        <a:off x="122420" y="30453"/>
+        <a:ext cx="1903705" cy="463807"/>
       </dsp:txXfrm>
     </dsp:sp>
     <dsp:sp modelId="{0FA3274E-7887-46B3-8442-535265B3BE97}">
@@ -1546,7 +1546,7 @@
       </dsp:nvSpPr>
       <dsp:spPr>
         <a:xfrm rot="5400000">
-          <a:off x="977113" y="521008"/>
+          <a:off x="981898" y="521008"/>
           <a:ext cx="184750" cy="221700"/>
         </a:xfrm>
         <a:prstGeom prst="rightArrow">
@@ -1604,7 +1604,7 @@
         </a:p>
       </dsp:txBody>
       <dsp:txXfrm rot="-5400000">
-        <a:off x="1002979" y="539483"/>
+        <a:off x="1007764" y="539483"/>
         <a:ext cx="133020" cy="129325"/>
       </dsp:txXfrm>
     </dsp:sp>
@@ -1615,8 +1615,8 @@
       </dsp:nvSpPr>
       <dsp:spPr>
         <a:xfrm>
-          <a:off x="101089" y="755025"/>
-          <a:ext cx="1936799" cy="492667"/>
+          <a:off x="107990" y="755025"/>
+          <a:ext cx="1932565" cy="492667"/>
         </a:xfrm>
         <a:prstGeom prst="roundRect">
           <a:avLst>
@@ -1684,8 +1684,8 @@
         </a:p>
       </dsp:txBody>
       <dsp:txXfrm>
-        <a:off x="115519" y="769455"/>
-        <a:ext cx="1907939" cy="463807"/>
+        <a:off x="122420" y="769455"/>
+        <a:ext cx="1903705" cy="463807"/>
       </dsp:txXfrm>
     </dsp:sp>
     <dsp:sp modelId="{CD4CD681-E631-4A2A-8903-86E13A46DBBC}">
@@ -1695,7 +1695,7 @@
       </dsp:nvSpPr>
       <dsp:spPr>
         <a:xfrm rot="5400000">
-          <a:off x="977113" y="1260009"/>
+          <a:off x="981898" y="1260009"/>
           <a:ext cx="184750" cy="221700"/>
         </a:xfrm>
         <a:prstGeom prst="rightArrow">
@@ -1753,7 +1753,7 @@
         </a:p>
       </dsp:txBody>
       <dsp:txXfrm rot="-5400000">
-        <a:off x="1002979" y="1278484"/>
+        <a:off x="1007764" y="1278484"/>
         <a:ext cx="133020" cy="129325"/>
       </dsp:txXfrm>
     </dsp:sp>
@@ -1764,8 +1764,8 @@
       </dsp:nvSpPr>
       <dsp:spPr>
         <a:xfrm>
-          <a:off x="101089" y="1494026"/>
-          <a:ext cx="1936799" cy="492667"/>
+          <a:off x="107990" y="1494026"/>
+          <a:ext cx="1932565" cy="492667"/>
         </a:xfrm>
         <a:prstGeom prst="roundRect">
           <a:avLst>
@@ -1833,8 +1833,8 @@
         </a:p>
       </dsp:txBody>
       <dsp:txXfrm>
-        <a:off x="115519" y="1508456"/>
-        <a:ext cx="1907939" cy="463807"/>
+        <a:off x="122420" y="1508456"/>
+        <a:ext cx="1903705" cy="463807"/>
       </dsp:txXfrm>
     </dsp:sp>
     <dsp:sp modelId="{6BA4E6BB-2803-441C-AFDF-3F1A3E073117}">
@@ -1844,7 +1844,7 @@
       </dsp:nvSpPr>
       <dsp:spPr>
         <a:xfrm rot="5400000">
-          <a:off x="977113" y="1999011"/>
+          <a:off x="981898" y="1999011"/>
           <a:ext cx="184750" cy="221700"/>
         </a:xfrm>
         <a:prstGeom prst="rightArrow">
@@ -1902,7 +1902,7 @@
         </a:p>
       </dsp:txBody>
       <dsp:txXfrm rot="-5400000">
-        <a:off x="1002979" y="2017486"/>
+        <a:off x="1007764" y="2017486"/>
         <a:ext cx="133020" cy="129325"/>
       </dsp:txXfrm>
     </dsp:sp>
@@ -1913,8 +1913,8 @@
       </dsp:nvSpPr>
       <dsp:spPr>
         <a:xfrm>
-          <a:off x="101089" y="2233028"/>
-          <a:ext cx="1936799" cy="492667"/>
+          <a:off x="107990" y="2233028"/>
+          <a:ext cx="1932565" cy="492667"/>
         </a:xfrm>
         <a:prstGeom prst="roundRect">
           <a:avLst>
@@ -1981,8 +1981,8 @@
         </a:p>
       </dsp:txBody>
       <dsp:txXfrm>
-        <a:off x="115519" y="2247458"/>
-        <a:ext cx="1907939" cy="463807"/>
+        <a:off x="122420" y="2247458"/>
+        <a:ext cx="1903705" cy="463807"/>
       </dsp:txXfrm>
     </dsp:sp>
     <dsp:sp modelId="{2354E252-F4A1-4619-87D5-32227FCB99F2}">
@@ -1992,7 +1992,7 @@
       </dsp:nvSpPr>
       <dsp:spPr>
         <a:xfrm rot="5400000">
-          <a:off x="977113" y="2738012"/>
+          <a:off x="981898" y="2738012"/>
           <a:ext cx="184750" cy="221700"/>
         </a:xfrm>
         <a:prstGeom prst="rightArrow">
@@ -2050,7 +2050,7 @@
         </a:p>
       </dsp:txBody>
       <dsp:txXfrm rot="-5400000">
-        <a:off x="1002979" y="2756487"/>
+        <a:off x="1007764" y="2756487"/>
         <a:ext cx="133020" cy="129325"/>
       </dsp:txXfrm>
     </dsp:sp>
@@ -2061,8 +2061,8 @@
       </dsp:nvSpPr>
       <dsp:spPr>
         <a:xfrm>
-          <a:off x="101089" y="2972029"/>
-          <a:ext cx="1936799" cy="492667"/>
+          <a:off x="107990" y="2972029"/>
+          <a:ext cx="1932565" cy="492667"/>
         </a:xfrm>
         <a:prstGeom prst="roundRect">
           <a:avLst>
@@ -2130,8 +2130,8 @@
         </a:p>
       </dsp:txBody>
       <dsp:txXfrm>
-        <a:off x="115519" y="2986459"/>
-        <a:ext cx="1907939" cy="463807"/>
+        <a:off x="122420" y="2986459"/>
+        <a:ext cx="1903705" cy="463807"/>
       </dsp:txXfrm>
     </dsp:sp>
     <dsp:sp modelId="{AD0CCC23-1F57-49C7-B76F-B4723BE73D69}">
@@ -2141,7 +2141,7 @@
       </dsp:nvSpPr>
       <dsp:spPr>
         <a:xfrm rot="5400000">
-          <a:off x="1000404" y="3445959"/>
+          <a:off x="1005189" y="3445959"/>
           <a:ext cx="138169" cy="221700"/>
         </a:xfrm>
         <a:prstGeom prst="rightArrow">
@@ -2199,7 +2199,7 @@
         </a:p>
       </dsp:txBody>
       <dsp:txXfrm rot="-5400000">
-        <a:off x="1002979" y="3487725"/>
+        <a:off x="1007764" y="3487725"/>
         <a:ext cx="133020" cy="96718"/>
       </dsp:txXfrm>
     </dsp:sp>
@@ -2210,8 +2210,8 @@
       </dsp:nvSpPr>
       <dsp:spPr>
         <a:xfrm>
-          <a:off x="101089" y="3648922"/>
-          <a:ext cx="1936799" cy="492667"/>
+          <a:off x="107990" y="3648922"/>
+          <a:ext cx="1932565" cy="492667"/>
         </a:xfrm>
         <a:prstGeom prst="roundRect">
           <a:avLst>
@@ -2279,8 +2279,8 @@
         </a:p>
       </dsp:txBody>
       <dsp:txXfrm>
-        <a:off x="115519" y="3663352"/>
-        <a:ext cx="1907939" cy="463807"/>
+        <a:off x="122420" y="3663352"/>
+        <a:ext cx="1903705" cy="463807"/>
       </dsp:txXfrm>
     </dsp:sp>
   </dsp:spTree>
@@ -8124,7 +8124,7 @@
           <a:p>
             <a:r>
               <a:rPr lang="en-US" dirty="0" smtClean="0"/>
-              <a:t>Who Did What?</a:t>
+              <a:t>Work Division</a:t>
             </a:r>
             <a:endParaRPr lang="en-US" dirty="0"/>
           </a:p>
@@ -8440,9 +8440,6 @@
               </a:rPr>
               <a:t>David’s slide</a:t>
             </a:r>
-            <a:endParaRPr lang="en-ZA" sz="2400" dirty="0" smtClean="0">
-              <a:latin typeface="+mj-lt"/>
-            </a:endParaRPr>
           </a:p>
         </p:txBody>
       </p:sp>
@@ -8569,9 +8566,6 @@
               </a:rPr>
               <a:t>Paul’s  slide</a:t>
             </a:r>
-            <a:endParaRPr lang="en-ZA" sz="2400" dirty="0" smtClean="0">
-              <a:latin typeface="+mj-lt"/>
-            </a:endParaRPr>
           </a:p>
         </p:txBody>
       </p:sp>
@@ -8585,13 +8579,13 @@
   <p:clrMapOvr>
     <a:masterClrMapping/>
   </p:clrMapOvr>
-  <mc:AlternateContent xmlns:mc="http://schemas.openxmlformats.org/markup-compatibility/2006">
-    <mc:Choice xmlns:p14="http://schemas.microsoft.com/office/powerpoint/2010/main" Requires="p14">
+  <mc:AlternateContent xmlns:mc="http://schemas.openxmlformats.org/markup-compatibility/2006" xmlns:p14="http://schemas.microsoft.com/office/powerpoint/2010/main">
+    <mc:Choice Requires="p14">
       <p:transition spd="med" p14:dur="700">
         <p:fade/>
       </p:transition>
     </mc:Choice>
-    <mc:Fallback>
+    <mc:Fallback xmlns="">
       <p:transition spd="med">
         <p:fade/>
       </p:transition>
@@ -8696,9 +8690,6 @@
               </a:rPr>
               <a:t>P-man’s slide</a:t>
             </a:r>
-            <a:endParaRPr lang="en-ZA" sz="2400" dirty="0" smtClean="0">
-              <a:latin typeface="+mj-lt"/>
-            </a:endParaRPr>
           </a:p>
         </p:txBody>
       </p:sp>
@@ -8712,13 +8703,13 @@
   <p:clrMapOvr>
     <a:masterClrMapping/>
   </p:clrMapOvr>
-  <mc:AlternateContent xmlns:mc="http://schemas.openxmlformats.org/markup-compatibility/2006">
-    <mc:Choice xmlns:p14="http://schemas.microsoft.com/office/powerpoint/2010/main" Requires="p14">
+  <mc:AlternateContent xmlns:mc="http://schemas.openxmlformats.org/markup-compatibility/2006" xmlns:p14="http://schemas.microsoft.com/office/powerpoint/2010/main">
+    <mc:Choice Requires="p14">
       <p:transition spd="med" p14:dur="700">
         <p:fade/>
       </p:transition>
     </mc:Choice>
-    <mc:Fallback>
+    <mc:Fallback xmlns="">
       <p:transition spd="med">
         <p:fade/>
       </p:transition>
@@ -8830,9 +8821,6 @@
               </a:rPr>
               <a:t> UI slide</a:t>
             </a:r>
-            <a:endParaRPr lang="en-ZA" sz="2400" dirty="0" smtClean="0">
-              <a:latin typeface="+mj-lt"/>
-            </a:endParaRPr>
           </a:p>
         </p:txBody>
       </p:sp>
@@ -8965,9 +8953,6 @@
               </a:rPr>
               <a:t>Jess’ UI Slide</a:t>
             </a:r>
-            <a:endParaRPr lang="en-ZA" sz="2400" dirty="0" smtClean="0">
-              <a:latin typeface="+mj-lt"/>
-            </a:endParaRPr>
           </a:p>
         </p:txBody>
       </p:sp>
@@ -9175,7 +9160,6 @@
               <a:rPr lang="en-ZA" dirty="0" smtClean="0"/>
               <a:t>Current Phase</a:t>
             </a:r>
-            <a:endParaRPr lang="en-ZA" dirty="0" smtClean="0"/>
           </a:p>
         </p:txBody>
       </p:sp>
@@ -9208,7 +9192,6 @@
               <a:rPr lang="en-ZA" dirty="0" smtClean="0"/>
               <a:t>End of September</a:t>
             </a:r>
-            <a:endParaRPr lang="en-ZA" dirty="0" smtClean="0"/>
           </a:p>
         </p:txBody>
       </p:sp>
@@ -9239,11 +9222,7 @@
           <a:p>
             <a:r>
               <a:rPr lang="en-ZA" dirty="0" smtClean="0"/>
-              <a:t>End of September </a:t>
-            </a:r>
-            <a:r>
-              <a:rPr lang="en-ZA" dirty="0" smtClean="0"/>
-              <a:t>(after product finalization)</a:t>
+              <a:t>End of September (after product finalization)</a:t>
             </a:r>
           </a:p>
         </p:txBody>

--- a/Project Documentation/Demos/Demo 03/Demo 03.pptx
+++ b/Project Documentation/Demos/Demo 03/Demo 03.pptx
@@ -122,7 +122,7 @@
   </p:defaultTextStyle>
   <p:extLst>
     <p:ext uri="{EFAFB233-063F-42B5-8137-9DF3F51BA10A}">
-      <p15:sldGuideLst xmlns:p15="http://schemas.microsoft.com/office/powerpoint/2012/main">
+      <p15:sldGuideLst xmlns:p15="http://schemas.microsoft.com/office/powerpoint/2012/main" xmlns="">
         <p15:guide id="1" orient="horz" pos="2160" userDrawn="1">
           <p15:clr>
             <a:srgbClr val="A4A3A4"/>
@@ -196,7 +196,7 @@
       </p15:sldGuideLst>
     </p:ext>
     <p:ext uri="{2D200454-40CA-4A62-9FC3-DE9A4176ACB9}">
-      <p15:notesGuideLst xmlns:p15="http://schemas.microsoft.com/office/powerpoint/2012/main"/>
+      <p15:notesGuideLst xmlns:p15="http://schemas.microsoft.com/office/powerpoint/2012/main" xmlns=""/>
     </p:ext>
   </p:extLst>
 </p:presentation>
@@ -1420,8 +1420,8 @@
     <dgm:cxn modelId="{1D3CF703-E501-4E1C-A175-0ABEA86722C9}" type="presOf" srcId="{F47371DB-8BEA-432B-ADA0-92D74E0702F9}" destId="{B0AFBA69-F6EE-4B41-94B1-52466432E21A}" srcOrd="0" destOrd="0" presId="urn:microsoft.com/office/officeart/2005/8/layout/process2"/>
     <dgm:cxn modelId="{AA3694B8-C57A-41A5-8AF9-EE6EA4412041}" type="presOf" srcId="{AAD92323-C489-44B1-AC4F-BF3E44649CD1}" destId="{77250FC4-3CD4-4BD3-83CF-DF8D02B9DCB1}" srcOrd="0" destOrd="0" presId="urn:microsoft.com/office/officeart/2005/8/layout/process2"/>
     <dgm:cxn modelId="{9ED44448-A612-415B-9510-0317A3DF62CA}" type="presOf" srcId="{2D947E25-C16B-42FD-80F9-097235D840FE}" destId="{E4E9F33E-FEB6-4B1D-B1CA-32DE732DD70F}" srcOrd="1" destOrd="0" presId="urn:microsoft.com/office/officeart/2005/8/layout/process2"/>
+    <dgm:cxn modelId="{D115FF46-9CA3-4137-A994-3C5C36CCAF32}" type="presOf" srcId="{CBE68F96-89C8-4389-B3B0-A60C07AFA6E6}" destId="{BBD1517F-8595-43FF-B8A2-BFDF5EABC173}" srcOrd="0" destOrd="0" presId="urn:microsoft.com/office/officeart/2005/8/layout/process2"/>
     <dgm:cxn modelId="{87527954-69AA-4C26-8DC2-0CA36D5FE8EA}" srcId="{CBE68F96-89C8-4389-B3B0-A60C07AFA6E6}" destId="{B6B66AB5-6C31-4B5F-93E1-8F76E49BB650}" srcOrd="1" destOrd="0" parTransId="{1D8308EB-D457-4B19-9144-B6BDC74BBD90}" sibTransId="{A45D5F63-C5E3-47F8-AB0E-319C4686FB99}"/>
-    <dgm:cxn modelId="{D115FF46-9CA3-4137-A994-3C5C36CCAF32}" type="presOf" srcId="{CBE68F96-89C8-4389-B3B0-A60C07AFA6E6}" destId="{BBD1517F-8595-43FF-B8A2-BFDF5EABC173}" srcOrd="0" destOrd="0" presId="urn:microsoft.com/office/officeart/2005/8/layout/process2"/>
     <dgm:cxn modelId="{1B729D1A-218D-441F-8AE4-C30C351F3568}" type="presOf" srcId="{1A75F6BB-B0E0-4EE8-9800-137D7E40F05F}" destId="{2AA5EB6B-6F84-481E-A18B-83054F65A1F2}" srcOrd="0" destOrd="0" presId="urn:microsoft.com/office/officeart/2005/8/layout/process2"/>
     <dgm:cxn modelId="{D1E7BF08-1A44-4E9F-944A-F615278ED7DC}" type="presOf" srcId="{D729FD14-48D0-4CC4-9926-F3919B7E762C}" destId="{C6F8793C-44C2-4F66-9B04-8FD07C3AE97D}" srcOrd="1" destOrd="0" presId="urn:microsoft.com/office/officeart/2005/8/layout/process2"/>
     <dgm:cxn modelId="{D74F3D68-B0C7-46F7-8DA0-E768035919B4}" type="presParOf" srcId="{BBD1517F-8595-43FF-B8A2-BFDF5EABC173}" destId="{77250FC4-3CD4-4BD3-83CF-DF8D02B9DCB1}" srcOrd="0" destOrd="0" presId="urn:microsoft.com/office/officeart/2005/8/layout/process2"/>
@@ -1466,8 +1466,8 @@
       </dsp:nvSpPr>
       <dsp:spPr>
         <a:xfrm>
-          <a:off x="101089" y="16023"/>
-          <a:ext cx="1936799" cy="492667"/>
+          <a:off x="107990" y="16023"/>
+          <a:ext cx="1932565" cy="492667"/>
         </a:xfrm>
         <a:prstGeom prst="roundRect">
           <a:avLst>
@@ -1535,8 +1535,8 @@
         </a:p>
       </dsp:txBody>
       <dsp:txXfrm>
-        <a:off x="115519" y="30453"/>
-        <a:ext cx="1907939" cy="463807"/>
+        <a:off x="122420" y="30453"/>
+        <a:ext cx="1903705" cy="463807"/>
       </dsp:txXfrm>
     </dsp:sp>
     <dsp:sp modelId="{0FA3274E-7887-46B3-8442-535265B3BE97}">
@@ -1546,7 +1546,7 @@
       </dsp:nvSpPr>
       <dsp:spPr>
         <a:xfrm rot="5400000">
-          <a:off x="977113" y="521008"/>
+          <a:off x="981898" y="521008"/>
           <a:ext cx="184750" cy="221700"/>
         </a:xfrm>
         <a:prstGeom prst="rightArrow">
@@ -1604,7 +1604,7 @@
         </a:p>
       </dsp:txBody>
       <dsp:txXfrm rot="-5400000">
-        <a:off x="1002979" y="539483"/>
+        <a:off x="1007764" y="539483"/>
         <a:ext cx="133020" cy="129325"/>
       </dsp:txXfrm>
     </dsp:sp>
@@ -1615,8 +1615,8 @@
       </dsp:nvSpPr>
       <dsp:spPr>
         <a:xfrm>
-          <a:off x="101089" y="755025"/>
-          <a:ext cx="1936799" cy="492667"/>
+          <a:off x="107990" y="755025"/>
+          <a:ext cx="1932565" cy="492667"/>
         </a:xfrm>
         <a:prstGeom prst="roundRect">
           <a:avLst>
@@ -1684,8 +1684,8 @@
         </a:p>
       </dsp:txBody>
       <dsp:txXfrm>
-        <a:off x="115519" y="769455"/>
-        <a:ext cx="1907939" cy="463807"/>
+        <a:off x="122420" y="769455"/>
+        <a:ext cx="1903705" cy="463807"/>
       </dsp:txXfrm>
     </dsp:sp>
     <dsp:sp modelId="{CD4CD681-E631-4A2A-8903-86E13A46DBBC}">
@@ -1695,7 +1695,7 @@
       </dsp:nvSpPr>
       <dsp:spPr>
         <a:xfrm rot="5400000">
-          <a:off x="977113" y="1260009"/>
+          <a:off x="981898" y="1260009"/>
           <a:ext cx="184750" cy="221700"/>
         </a:xfrm>
         <a:prstGeom prst="rightArrow">
@@ -1753,7 +1753,7 @@
         </a:p>
       </dsp:txBody>
       <dsp:txXfrm rot="-5400000">
-        <a:off x="1002979" y="1278484"/>
+        <a:off x="1007764" y="1278484"/>
         <a:ext cx="133020" cy="129325"/>
       </dsp:txXfrm>
     </dsp:sp>
@@ -1764,8 +1764,8 @@
       </dsp:nvSpPr>
       <dsp:spPr>
         <a:xfrm>
-          <a:off x="101089" y="1494026"/>
-          <a:ext cx="1936799" cy="492667"/>
+          <a:off x="107990" y="1494026"/>
+          <a:ext cx="1932565" cy="492667"/>
         </a:xfrm>
         <a:prstGeom prst="roundRect">
           <a:avLst>
@@ -1833,8 +1833,8 @@
         </a:p>
       </dsp:txBody>
       <dsp:txXfrm>
-        <a:off x="115519" y="1508456"/>
-        <a:ext cx="1907939" cy="463807"/>
+        <a:off x="122420" y="1508456"/>
+        <a:ext cx="1903705" cy="463807"/>
       </dsp:txXfrm>
     </dsp:sp>
     <dsp:sp modelId="{6BA4E6BB-2803-441C-AFDF-3F1A3E073117}">
@@ -1844,7 +1844,7 @@
       </dsp:nvSpPr>
       <dsp:spPr>
         <a:xfrm rot="5400000">
-          <a:off x="977113" y="1999011"/>
+          <a:off x="981898" y="1999011"/>
           <a:ext cx="184750" cy="221700"/>
         </a:xfrm>
         <a:prstGeom prst="rightArrow">
@@ -1902,7 +1902,7 @@
         </a:p>
       </dsp:txBody>
       <dsp:txXfrm rot="-5400000">
-        <a:off x="1002979" y="2017486"/>
+        <a:off x="1007764" y="2017486"/>
         <a:ext cx="133020" cy="129325"/>
       </dsp:txXfrm>
     </dsp:sp>
@@ -1913,8 +1913,8 @@
       </dsp:nvSpPr>
       <dsp:spPr>
         <a:xfrm>
-          <a:off x="101089" y="2233028"/>
-          <a:ext cx="1936799" cy="492667"/>
+          <a:off x="107990" y="2233028"/>
+          <a:ext cx="1932565" cy="492667"/>
         </a:xfrm>
         <a:prstGeom prst="roundRect">
           <a:avLst>
@@ -1981,8 +1981,8 @@
         </a:p>
       </dsp:txBody>
       <dsp:txXfrm>
-        <a:off x="115519" y="2247458"/>
-        <a:ext cx="1907939" cy="463807"/>
+        <a:off x="122420" y="2247458"/>
+        <a:ext cx="1903705" cy="463807"/>
       </dsp:txXfrm>
     </dsp:sp>
     <dsp:sp modelId="{2354E252-F4A1-4619-87D5-32227FCB99F2}">
@@ -1992,7 +1992,7 @@
       </dsp:nvSpPr>
       <dsp:spPr>
         <a:xfrm rot="5400000">
-          <a:off x="977113" y="2738012"/>
+          <a:off x="981898" y="2738012"/>
           <a:ext cx="184750" cy="221700"/>
         </a:xfrm>
         <a:prstGeom prst="rightArrow">
@@ -2050,7 +2050,7 @@
         </a:p>
       </dsp:txBody>
       <dsp:txXfrm rot="-5400000">
-        <a:off x="1002979" y="2756487"/>
+        <a:off x="1007764" y="2756487"/>
         <a:ext cx="133020" cy="129325"/>
       </dsp:txXfrm>
     </dsp:sp>
@@ -2061,8 +2061,8 @@
       </dsp:nvSpPr>
       <dsp:spPr>
         <a:xfrm>
-          <a:off x="101089" y="2972029"/>
-          <a:ext cx="1936799" cy="492667"/>
+          <a:off x="107990" y="2972029"/>
+          <a:ext cx="1932565" cy="492667"/>
         </a:xfrm>
         <a:prstGeom prst="roundRect">
           <a:avLst>
@@ -2130,8 +2130,8 @@
         </a:p>
       </dsp:txBody>
       <dsp:txXfrm>
-        <a:off x="115519" y="2986459"/>
-        <a:ext cx="1907939" cy="463807"/>
+        <a:off x="122420" y="2986459"/>
+        <a:ext cx="1903705" cy="463807"/>
       </dsp:txXfrm>
     </dsp:sp>
     <dsp:sp modelId="{AD0CCC23-1F57-49C7-B76F-B4723BE73D69}">
@@ -2141,7 +2141,7 @@
       </dsp:nvSpPr>
       <dsp:spPr>
         <a:xfrm rot="5400000">
-          <a:off x="1000404" y="3445959"/>
+          <a:off x="1005189" y="3445959"/>
           <a:ext cx="138169" cy="221700"/>
         </a:xfrm>
         <a:prstGeom prst="rightArrow">
@@ -2199,7 +2199,7 @@
         </a:p>
       </dsp:txBody>
       <dsp:txXfrm rot="-5400000">
-        <a:off x="1002979" y="3487725"/>
+        <a:off x="1007764" y="3487725"/>
         <a:ext cx="133020" cy="96718"/>
       </dsp:txXfrm>
     </dsp:sp>
@@ -2210,8 +2210,8 @@
       </dsp:nvSpPr>
       <dsp:spPr>
         <a:xfrm>
-          <a:off x="101089" y="3648922"/>
-          <a:ext cx="1936799" cy="492667"/>
+          <a:off x="107990" y="3648922"/>
+          <a:ext cx="1932565" cy="492667"/>
         </a:xfrm>
         <a:prstGeom prst="roundRect">
           <a:avLst>
@@ -2279,8 +2279,8 @@
         </a:p>
       </dsp:txBody>
       <dsp:txXfrm>
-        <a:off x="115519" y="3663352"/>
-        <a:ext cx="1907939" cy="463807"/>
+        <a:off x="122420" y="3663352"/>
+        <a:ext cx="1903705" cy="463807"/>
       </dsp:txXfrm>
     </dsp:sp>
   </dsp:spTree>
@@ -8440,9 +8440,6 @@
               </a:rPr>
               <a:t>David’s slide</a:t>
             </a:r>
-            <a:endParaRPr lang="en-ZA" sz="2400" dirty="0" smtClean="0">
-              <a:latin typeface="+mj-lt"/>
-            </a:endParaRPr>
           </a:p>
         </p:txBody>
       </p:sp>
@@ -8569,9 +8566,6 @@
               </a:rPr>
               <a:t>Paul’s  slide</a:t>
             </a:r>
-            <a:endParaRPr lang="en-ZA" sz="2400" dirty="0" smtClean="0">
-              <a:latin typeface="+mj-lt"/>
-            </a:endParaRPr>
           </a:p>
         </p:txBody>
       </p:sp>
@@ -8585,13 +8579,13 @@
   <p:clrMapOvr>
     <a:masterClrMapping/>
   </p:clrMapOvr>
-  <mc:AlternateContent xmlns:mc="http://schemas.openxmlformats.org/markup-compatibility/2006">
-    <mc:Choice xmlns:p14="http://schemas.microsoft.com/office/powerpoint/2010/main" Requires="p14">
+  <mc:AlternateContent xmlns:mc="http://schemas.openxmlformats.org/markup-compatibility/2006" xmlns:p14="http://schemas.microsoft.com/office/powerpoint/2010/main">
+    <mc:Choice Requires="p14">
       <p:transition spd="med" p14:dur="700">
         <p:fade/>
       </p:transition>
     </mc:Choice>
-    <mc:Fallback>
+    <mc:Fallback xmlns="">
       <p:transition spd="med">
         <p:fade/>
       </p:transition>
@@ -8655,7 +8649,7 @@
         </p:nvSpPr>
         <p:spPr bwMode="auto">
           <a:xfrm>
-            <a:off x="899592" y="2780928"/>
+            <a:off x="881501" y="908720"/>
             <a:ext cx="6516798" cy="1872208"/>
           </a:xfrm>
           <a:prstGeom prst="rect">
@@ -8694,7 +8688,39 @@
               <a:rPr lang="en-ZA" sz="2400" dirty="0" smtClean="0">
                 <a:latin typeface="+mj-lt"/>
               </a:rPr>
-              <a:t>P-man’s slide</a:t>
+              <a:t>AES256 (Asymmetric vs</a:t>
+            </a:r>
+            <a:r>
+              <a:rPr lang="en-ZA" sz="2400" dirty="0"/>
+              <a:t>.</a:t>
+            </a:r>
+            <a:r>
+              <a:rPr lang="en-ZA" sz="2400" dirty="0" smtClean="0">
+                <a:latin typeface="+mj-lt"/>
+              </a:rPr>
+              <a:t> Symmetric)</a:t>
+            </a:r>
+          </a:p>
+          <a:p>
+            <a:pPr marL="571500" indent="-571500">
+              <a:buFont typeface="Arial" pitchFamily="34" charset="0"/>
+              <a:buChar char="•"/>
+            </a:pPr>
+            <a:r>
+              <a:rPr lang="en-ZA" sz="2400" dirty="0" smtClean="0"/>
+              <a:t>Key Exchange (DH vs. RSA)</a:t>
+            </a:r>
+          </a:p>
+          <a:p>
+            <a:pPr marL="571500" indent="-571500">
+              <a:buFont typeface="Arial" pitchFamily="34" charset="0"/>
+              <a:buChar char="•"/>
+            </a:pPr>
+            <a:r>
+              <a:rPr lang="en-ZA" sz="2400" dirty="0" smtClean="0">
+                <a:latin typeface="+mj-lt"/>
+              </a:rPr>
+              <a:t>SHA256</a:t>
             </a:r>
             <a:endParaRPr lang="en-ZA" sz="2400" dirty="0" smtClean="0">
               <a:latin typeface="+mj-lt"/>
@@ -8712,13 +8738,13 @@
   <p:clrMapOvr>
     <a:masterClrMapping/>
   </p:clrMapOvr>
-  <mc:AlternateContent xmlns:mc="http://schemas.openxmlformats.org/markup-compatibility/2006">
-    <mc:Choice xmlns:p14="http://schemas.microsoft.com/office/powerpoint/2010/main" Requires="p14">
+  <mc:AlternateContent xmlns:mc="http://schemas.openxmlformats.org/markup-compatibility/2006" xmlns:p14="http://schemas.microsoft.com/office/powerpoint/2010/main">
+    <mc:Choice Requires="p14">
       <p:transition spd="med" p14:dur="700">
         <p:fade/>
       </p:transition>
     </mc:Choice>
-    <mc:Fallback>
+    <mc:Fallback xmlns="">
       <p:transition spd="med">
         <p:fade/>
       </p:transition>
@@ -8830,9 +8856,6 @@
               </a:rPr>
               <a:t> UI slide</a:t>
             </a:r>
-            <a:endParaRPr lang="en-ZA" sz="2400" dirty="0" smtClean="0">
-              <a:latin typeface="+mj-lt"/>
-            </a:endParaRPr>
           </a:p>
         </p:txBody>
       </p:sp>
@@ -8965,9 +8988,6 @@
               </a:rPr>
               <a:t>Jess’ UI Slide</a:t>
             </a:r>
-            <a:endParaRPr lang="en-ZA" sz="2400" dirty="0" smtClean="0">
-              <a:latin typeface="+mj-lt"/>
-            </a:endParaRPr>
           </a:p>
         </p:txBody>
       </p:sp>
@@ -9175,7 +9195,6 @@
               <a:rPr lang="en-ZA" dirty="0" smtClean="0"/>
               <a:t>Current Phase</a:t>
             </a:r>
-            <a:endParaRPr lang="en-ZA" dirty="0" smtClean="0"/>
           </a:p>
         </p:txBody>
       </p:sp>
@@ -9208,7 +9227,6 @@
               <a:rPr lang="en-ZA" dirty="0" smtClean="0"/>
               <a:t>End of September</a:t>
             </a:r>
-            <a:endParaRPr lang="en-ZA" dirty="0" smtClean="0"/>
           </a:p>
         </p:txBody>
       </p:sp>
@@ -9239,11 +9257,7 @@
           <a:p>
             <a:r>
               <a:rPr lang="en-ZA" dirty="0" smtClean="0"/>
-              <a:t>End of September </a:t>
-            </a:r>
-            <a:r>
-              <a:rPr lang="en-ZA" dirty="0" smtClean="0"/>
-              <a:t>(after product finalization)</a:t>
+              <a:t>End of September (after product finalization)</a:t>
             </a:r>
           </a:p>
         </p:txBody>
@@ -9715,7 +9729,7 @@
   <a:extraClrSchemeLst/>
   <a:extLst>
     <a:ext uri="{05A4C25C-085E-4340-85A3-A5531E510DB2}">
-      <thm15:themeFamily xmlns:thm15="http://schemas.microsoft.com/office/thememl/2012/main" name="Business strategy presentation" id="{8652783A-F43B-4C47-8F3C-48F967BE0382}" vid="{232EED29-0899-40B2-8969-E379F11A5395}"/>
+      <thm15:themeFamily xmlns:thm15="http://schemas.microsoft.com/office/thememl/2012/main" xmlns="" name="Business strategy presentation" id="{8652783A-F43B-4C47-8F3C-48F967BE0382}" vid="{232EED29-0899-40B2-8969-E379F11A5395}"/>
     </a:ext>
   </a:extLst>
 </a:theme>

--- a/Project Documentation/Demos/Demo 03/Demo 03.pptx
+++ b/Project Documentation/Demos/Demo 03/Demo 03.pptx
@@ -122,7 +122,7 @@
   </p:defaultTextStyle>
   <p:extLst>
     <p:ext uri="{EFAFB233-063F-42B5-8137-9DF3F51BA10A}">
-      <p15:sldGuideLst xmlns:p15="http://schemas.microsoft.com/office/powerpoint/2012/main">
+      <p15:sldGuideLst xmlns:p15="http://schemas.microsoft.com/office/powerpoint/2012/main" xmlns="">
         <p15:guide id="1" orient="horz" pos="2160" userDrawn="1">
           <p15:clr>
             <a:srgbClr val="A4A3A4"/>
@@ -196,7 +196,7 @@
       </p15:sldGuideLst>
     </p:ext>
     <p:ext uri="{2D200454-40CA-4A62-9FC3-DE9A4176ACB9}">
-      <p15:notesGuideLst xmlns:p15="http://schemas.microsoft.com/office/powerpoint/2012/main"/>
+      <p15:notesGuideLst xmlns:p15="http://schemas.microsoft.com/office/powerpoint/2012/main" xmlns=""/>
     </p:ext>
   </p:extLst>
 </p:presentation>
@@ -1466,8 +1466,8 @@
       </dsp:nvSpPr>
       <dsp:spPr>
         <a:xfrm>
-          <a:off x="101089" y="16023"/>
-          <a:ext cx="1936799" cy="492667"/>
+          <a:off x="107990" y="16023"/>
+          <a:ext cx="1932565" cy="492667"/>
         </a:xfrm>
         <a:prstGeom prst="roundRect">
           <a:avLst>
@@ -1535,8 +1535,8 @@
         </a:p>
       </dsp:txBody>
       <dsp:txXfrm>
-        <a:off x="115519" y="30453"/>
-        <a:ext cx="1907939" cy="463807"/>
+        <a:off x="122420" y="30453"/>
+        <a:ext cx="1903705" cy="463807"/>
       </dsp:txXfrm>
     </dsp:sp>
     <dsp:sp modelId="{0FA3274E-7887-46B3-8442-535265B3BE97}">
@@ -1546,7 +1546,7 @@
       </dsp:nvSpPr>
       <dsp:spPr>
         <a:xfrm rot="5400000">
-          <a:off x="977113" y="521008"/>
+          <a:off x="981898" y="521008"/>
           <a:ext cx="184750" cy="221700"/>
         </a:xfrm>
         <a:prstGeom prst="rightArrow">
@@ -1604,7 +1604,7 @@
         </a:p>
       </dsp:txBody>
       <dsp:txXfrm rot="-5400000">
-        <a:off x="1002979" y="539483"/>
+        <a:off x="1007764" y="539483"/>
         <a:ext cx="133020" cy="129325"/>
       </dsp:txXfrm>
     </dsp:sp>
@@ -1615,8 +1615,8 @@
       </dsp:nvSpPr>
       <dsp:spPr>
         <a:xfrm>
-          <a:off x="101089" y="755025"/>
-          <a:ext cx="1936799" cy="492667"/>
+          <a:off x="107990" y="755025"/>
+          <a:ext cx="1932565" cy="492667"/>
         </a:xfrm>
         <a:prstGeom prst="roundRect">
           <a:avLst>
@@ -1684,8 +1684,8 @@
         </a:p>
       </dsp:txBody>
       <dsp:txXfrm>
-        <a:off x="115519" y="769455"/>
-        <a:ext cx="1907939" cy="463807"/>
+        <a:off x="122420" y="769455"/>
+        <a:ext cx="1903705" cy="463807"/>
       </dsp:txXfrm>
     </dsp:sp>
     <dsp:sp modelId="{CD4CD681-E631-4A2A-8903-86E13A46DBBC}">
@@ -1695,7 +1695,7 @@
       </dsp:nvSpPr>
       <dsp:spPr>
         <a:xfrm rot="5400000">
-          <a:off x="977113" y="1260009"/>
+          <a:off x="981898" y="1260009"/>
           <a:ext cx="184750" cy="221700"/>
         </a:xfrm>
         <a:prstGeom prst="rightArrow">
@@ -1753,7 +1753,7 @@
         </a:p>
       </dsp:txBody>
       <dsp:txXfrm rot="-5400000">
-        <a:off x="1002979" y="1278484"/>
+        <a:off x="1007764" y="1278484"/>
         <a:ext cx="133020" cy="129325"/>
       </dsp:txXfrm>
     </dsp:sp>
@@ -1764,8 +1764,8 @@
       </dsp:nvSpPr>
       <dsp:spPr>
         <a:xfrm>
-          <a:off x="101089" y="1494026"/>
-          <a:ext cx="1936799" cy="492667"/>
+          <a:off x="107990" y="1494026"/>
+          <a:ext cx="1932565" cy="492667"/>
         </a:xfrm>
         <a:prstGeom prst="roundRect">
           <a:avLst>
@@ -1833,8 +1833,8 @@
         </a:p>
       </dsp:txBody>
       <dsp:txXfrm>
-        <a:off x="115519" y="1508456"/>
-        <a:ext cx="1907939" cy="463807"/>
+        <a:off x="122420" y="1508456"/>
+        <a:ext cx="1903705" cy="463807"/>
       </dsp:txXfrm>
     </dsp:sp>
     <dsp:sp modelId="{6BA4E6BB-2803-441C-AFDF-3F1A3E073117}">
@@ -1844,7 +1844,7 @@
       </dsp:nvSpPr>
       <dsp:spPr>
         <a:xfrm rot="5400000">
-          <a:off x="977113" y="1999011"/>
+          <a:off x="981898" y="1999011"/>
           <a:ext cx="184750" cy="221700"/>
         </a:xfrm>
         <a:prstGeom prst="rightArrow">
@@ -1902,7 +1902,7 @@
         </a:p>
       </dsp:txBody>
       <dsp:txXfrm rot="-5400000">
-        <a:off x="1002979" y="2017486"/>
+        <a:off x="1007764" y="2017486"/>
         <a:ext cx="133020" cy="129325"/>
       </dsp:txXfrm>
     </dsp:sp>
@@ -1913,8 +1913,8 @@
       </dsp:nvSpPr>
       <dsp:spPr>
         <a:xfrm>
-          <a:off x="101089" y="2233028"/>
-          <a:ext cx="1936799" cy="492667"/>
+          <a:off x="107990" y="2233028"/>
+          <a:ext cx="1932565" cy="492667"/>
         </a:xfrm>
         <a:prstGeom prst="roundRect">
           <a:avLst>
@@ -1981,8 +1981,8 @@
         </a:p>
       </dsp:txBody>
       <dsp:txXfrm>
-        <a:off x="115519" y="2247458"/>
-        <a:ext cx="1907939" cy="463807"/>
+        <a:off x="122420" y="2247458"/>
+        <a:ext cx="1903705" cy="463807"/>
       </dsp:txXfrm>
     </dsp:sp>
     <dsp:sp modelId="{2354E252-F4A1-4619-87D5-32227FCB99F2}">
@@ -1992,7 +1992,7 @@
       </dsp:nvSpPr>
       <dsp:spPr>
         <a:xfrm rot="5400000">
-          <a:off x="977113" y="2738012"/>
+          <a:off x="981898" y="2738012"/>
           <a:ext cx="184750" cy="221700"/>
         </a:xfrm>
         <a:prstGeom prst="rightArrow">
@@ -2050,7 +2050,7 @@
         </a:p>
       </dsp:txBody>
       <dsp:txXfrm rot="-5400000">
-        <a:off x="1002979" y="2756487"/>
+        <a:off x="1007764" y="2756487"/>
         <a:ext cx="133020" cy="129325"/>
       </dsp:txXfrm>
     </dsp:sp>
@@ -2061,8 +2061,8 @@
       </dsp:nvSpPr>
       <dsp:spPr>
         <a:xfrm>
-          <a:off x="101089" y="2972029"/>
-          <a:ext cx="1936799" cy="492667"/>
+          <a:off x="107990" y="2972029"/>
+          <a:ext cx="1932565" cy="492667"/>
         </a:xfrm>
         <a:prstGeom prst="roundRect">
           <a:avLst>
@@ -2130,8 +2130,8 @@
         </a:p>
       </dsp:txBody>
       <dsp:txXfrm>
-        <a:off x="115519" y="2986459"/>
-        <a:ext cx="1907939" cy="463807"/>
+        <a:off x="122420" y="2986459"/>
+        <a:ext cx="1903705" cy="463807"/>
       </dsp:txXfrm>
     </dsp:sp>
     <dsp:sp modelId="{AD0CCC23-1F57-49C7-B76F-B4723BE73D69}">
@@ -2141,7 +2141,7 @@
       </dsp:nvSpPr>
       <dsp:spPr>
         <a:xfrm rot="5400000">
-          <a:off x="1000404" y="3445959"/>
+          <a:off x="1005189" y="3445959"/>
           <a:ext cx="138169" cy="221700"/>
         </a:xfrm>
         <a:prstGeom prst="rightArrow">
@@ -2199,7 +2199,7 @@
         </a:p>
       </dsp:txBody>
       <dsp:txXfrm rot="-5400000">
-        <a:off x="1002979" y="3487725"/>
+        <a:off x="1007764" y="3487725"/>
         <a:ext cx="133020" cy="96718"/>
       </dsp:txXfrm>
     </dsp:sp>
@@ -2210,8 +2210,8 @@
       </dsp:nvSpPr>
       <dsp:spPr>
         <a:xfrm>
-          <a:off x="101089" y="3648922"/>
-          <a:ext cx="1936799" cy="492667"/>
+          <a:off x="107990" y="3648922"/>
+          <a:ext cx="1932565" cy="492667"/>
         </a:xfrm>
         <a:prstGeom prst="roundRect">
           <a:avLst>
@@ -2279,8 +2279,8 @@
         </a:p>
       </dsp:txBody>
       <dsp:txXfrm>
-        <a:off x="115519" y="3663352"/>
-        <a:ext cx="1907939" cy="463807"/>
+        <a:off x="122420" y="3663352"/>
+        <a:ext cx="1903705" cy="463807"/>
       </dsp:txXfrm>
     </dsp:sp>
   </dsp:spTree>
@@ -8124,7 +8124,7 @@
           <a:p>
             <a:r>
               <a:rPr lang="en-US" dirty="0" smtClean="0"/>
-              <a:t>Who Did What?</a:t>
+              <a:t>Work Division</a:t>
             </a:r>
             <a:endParaRPr lang="en-US" dirty="0"/>
           </a:p>
@@ -8440,9 +8440,6 @@
               </a:rPr>
               <a:t>David’s slide</a:t>
             </a:r>
-            <a:endParaRPr lang="en-ZA" sz="2400" dirty="0" smtClean="0">
-              <a:latin typeface="+mj-lt"/>
-            </a:endParaRPr>
           </a:p>
         </p:txBody>
       </p:sp>
@@ -8569,9 +8566,6 @@
               </a:rPr>
               <a:t>Paul’s  slide</a:t>
             </a:r>
-            <a:endParaRPr lang="en-ZA" sz="2400" dirty="0" smtClean="0">
-              <a:latin typeface="+mj-lt"/>
-            </a:endParaRPr>
           </a:p>
         </p:txBody>
       </p:sp>
@@ -8585,13 +8579,13 @@
   <p:clrMapOvr>
     <a:masterClrMapping/>
   </p:clrMapOvr>
-  <mc:AlternateContent xmlns:mc="http://schemas.openxmlformats.org/markup-compatibility/2006">
-    <mc:Choice xmlns:p14="http://schemas.microsoft.com/office/powerpoint/2010/main" Requires="p14">
+  <mc:AlternateContent xmlns:mc="http://schemas.openxmlformats.org/markup-compatibility/2006" xmlns:p14="http://schemas.microsoft.com/office/powerpoint/2010/main">
+    <mc:Choice Requires="p14">
       <p:transition spd="med" p14:dur="700">
         <p:fade/>
       </p:transition>
     </mc:Choice>
-    <mc:Fallback>
+    <mc:Fallback xmlns="">
       <p:transition spd="med">
         <p:fade/>
       </p:transition>
@@ -8655,7 +8649,7 @@
         </p:nvSpPr>
         <p:spPr bwMode="auto">
           <a:xfrm>
-            <a:off x="899592" y="2780928"/>
+            <a:off x="899592" y="946448"/>
             <a:ext cx="6516798" cy="1872208"/>
           </a:xfrm>
           <a:prstGeom prst="rect">
@@ -8691,14 +8685,29 @@
               <a:buChar char="•"/>
             </a:pPr>
             <a:r>
-              <a:rPr lang="en-ZA" sz="2400" dirty="0" smtClean="0">
-                <a:latin typeface="+mj-lt"/>
-              </a:rPr>
-              <a:t>P-man’s slide</a:t>
-            </a:r>
-            <a:endParaRPr lang="en-ZA" sz="2400" dirty="0" smtClean="0">
-              <a:latin typeface="+mj-lt"/>
-            </a:endParaRPr>
+              <a:rPr lang="en-ZA" sz="2400" dirty="0"/>
+              <a:t>AES256 (Asymmetric vs. Symmetric)</a:t>
+            </a:r>
+          </a:p>
+          <a:p>
+            <a:pPr marL="571500" indent="-571500">
+              <a:buFont typeface="Arial" pitchFamily="34" charset="0"/>
+              <a:buChar char="•"/>
+            </a:pPr>
+            <a:r>
+              <a:rPr lang="en-ZA" sz="2400" dirty="0"/>
+              <a:t>Key Exchange (DH vs. RSA)</a:t>
+            </a:r>
+          </a:p>
+          <a:p>
+            <a:pPr marL="571500" indent="-571500">
+              <a:buFont typeface="Arial" pitchFamily="34" charset="0"/>
+              <a:buChar char="•"/>
+            </a:pPr>
+            <a:r>
+              <a:rPr lang="en-ZA" sz="2400" dirty="0"/>
+              <a:t>SHA256</a:t>
+            </a:r>
           </a:p>
         </p:txBody>
       </p:sp>
@@ -8712,13 +8721,13 @@
   <p:clrMapOvr>
     <a:masterClrMapping/>
   </p:clrMapOvr>
-  <mc:AlternateContent xmlns:mc="http://schemas.openxmlformats.org/markup-compatibility/2006">
-    <mc:Choice xmlns:p14="http://schemas.microsoft.com/office/powerpoint/2010/main" Requires="p14">
+  <mc:AlternateContent xmlns:mc="http://schemas.openxmlformats.org/markup-compatibility/2006" xmlns:p14="http://schemas.microsoft.com/office/powerpoint/2010/main">
+    <mc:Choice Requires="p14">
       <p:transition spd="med" p14:dur="700">
         <p:fade/>
       </p:transition>
     </mc:Choice>
-    <mc:Fallback>
+    <mc:Fallback xmlns="">
       <p:transition spd="med">
         <p:fade/>
       </p:transition>
@@ -8830,9 +8839,6 @@
               </a:rPr>
               <a:t> UI slide</a:t>
             </a:r>
-            <a:endParaRPr lang="en-ZA" sz="2400" dirty="0" smtClean="0">
-              <a:latin typeface="+mj-lt"/>
-            </a:endParaRPr>
           </a:p>
         </p:txBody>
       </p:sp>
@@ -8965,9 +8971,6 @@
               </a:rPr>
               <a:t>Jess’ UI Slide</a:t>
             </a:r>
-            <a:endParaRPr lang="en-ZA" sz="2400" dirty="0" smtClean="0">
-              <a:latin typeface="+mj-lt"/>
-            </a:endParaRPr>
           </a:p>
         </p:txBody>
       </p:sp>
@@ -9175,7 +9178,6 @@
               <a:rPr lang="en-ZA" dirty="0" smtClean="0"/>
               <a:t>Current Phase</a:t>
             </a:r>
-            <a:endParaRPr lang="en-ZA" dirty="0" smtClean="0"/>
           </a:p>
         </p:txBody>
       </p:sp>
@@ -9208,7 +9210,6 @@
               <a:rPr lang="en-ZA" dirty="0" smtClean="0"/>
               <a:t>End of September</a:t>
             </a:r>
-            <a:endParaRPr lang="en-ZA" dirty="0" smtClean="0"/>
           </a:p>
         </p:txBody>
       </p:sp>
@@ -9239,11 +9240,7 @@
           <a:p>
             <a:r>
               <a:rPr lang="en-ZA" dirty="0" smtClean="0"/>
-              <a:t>End of September </a:t>
-            </a:r>
-            <a:r>
-              <a:rPr lang="en-ZA" dirty="0" smtClean="0"/>
-              <a:t>(after product finalization)</a:t>
+              <a:t>End of September (after product finalization)</a:t>
             </a:r>
           </a:p>
         </p:txBody>
@@ -9715,7 +9712,7 @@
   <a:extraClrSchemeLst/>
   <a:extLst>
     <a:ext uri="{05A4C25C-085E-4340-85A3-A5531E510DB2}">
-      <thm15:themeFamily xmlns:thm15="http://schemas.microsoft.com/office/thememl/2012/main" name="Business strategy presentation" id="{8652783A-F43B-4C47-8F3C-48F967BE0382}" vid="{232EED29-0899-40B2-8969-E379F11A5395}"/>
+      <thm15:themeFamily xmlns:thm15="http://schemas.microsoft.com/office/thememl/2012/main" xmlns="" name="Business strategy presentation" id="{8652783A-F43B-4C47-8F3C-48F967BE0382}" vid="{232EED29-0899-40B2-8969-E379F11A5395}"/>
     </a:ext>
   </a:extLst>
 </a:theme>

--- a/Project Documentation/Demos/Demo 03/Demo 03.pptx
+++ b/Project Documentation/Demos/Demo 03/Demo 03.pptx
@@ -122,7 +122,7 @@
   </p:defaultTextStyle>
   <p:extLst>
     <p:ext uri="{EFAFB233-063F-42B5-8137-9DF3F51BA10A}">
-      <p15:sldGuideLst xmlns:p15="http://schemas.microsoft.com/office/powerpoint/2012/main" xmlns="">
+      <p15:sldGuideLst xmlns="" xmlns:p15="http://schemas.microsoft.com/office/powerpoint/2012/main">
         <p15:guide id="1" orient="horz" pos="2160" userDrawn="1">
           <p15:clr>
             <a:srgbClr val="A4A3A4"/>
@@ -196,7 +196,7 @@
       </p15:sldGuideLst>
     </p:ext>
     <p:ext uri="{2D200454-40CA-4A62-9FC3-DE9A4176ACB9}">
-      <p15:notesGuideLst xmlns:p15="http://schemas.microsoft.com/office/powerpoint/2012/main" xmlns=""/>
+      <p15:notesGuideLst xmlns="" xmlns:p15="http://schemas.microsoft.com/office/powerpoint/2012/main"/>
     </p:ext>
   </p:extLst>
 </p:presentation>
@@ -1420,8 +1420,8 @@
     <dgm:cxn modelId="{1D3CF703-E501-4E1C-A175-0ABEA86722C9}" type="presOf" srcId="{F47371DB-8BEA-432B-ADA0-92D74E0702F9}" destId="{B0AFBA69-F6EE-4B41-94B1-52466432E21A}" srcOrd="0" destOrd="0" presId="urn:microsoft.com/office/officeart/2005/8/layout/process2"/>
     <dgm:cxn modelId="{AA3694B8-C57A-41A5-8AF9-EE6EA4412041}" type="presOf" srcId="{AAD92323-C489-44B1-AC4F-BF3E44649CD1}" destId="{77250FC4-3CD4-4BD3-83CF-DF8D02B9DCB1}" srcOrd="0" destOrd="0" presId="urn:microsoft.com/office/officeart/2005/8/layout/process2"/>
     <dgm:cxn modelId="{9ED44448-A612-415B-9510-0317A3DF62CA}" type="presOf" srcId="{2D947E25-C16B-42FD-80F9-097235D840FE}" destId="{E4E9F33E-FEB6-4B1D-B1CA-32DE732DD70F}" srcOrd="1" destOrd="0" presId="urn:microsoft.com/office/officeart/2005/8/layout/process2"/>
+    <dgm:cxn modelId="{D115FF46-9CA3-4137-A994-3C5C36CCAF32}" type="presOf" srcId="{CBE68F96-89C8-4389-B3B0-A60C07AFA6E6}" destId="{BBD1517F-8595-43FF-B8A2-BFDF5EABC173}" srcOrd="0" destOrd="0" presId="urn:microsoft.com/office/officeart/2005/8/layout/process2"/>
     <dgm:cxn modelId="{87527954-69AA-4C26-8DC2-0CA36D5FE8EA}" srcId="{CBE68F96-89C8-4389-B3B0-A60C07AFA6E6}" destId="{B6B66AB5-6C31-4B5F-93E1-8F76E49BB650}" srcOrd="1" destOrd="0" parTransId="{1D8308EB-D457-4B19-9144-B6BDC74BBD90}" sibTransId="{A45D5F63-C5E3-47F8-AB0E-319C4686FB99}"/>
-    <dgm:cxn modelId="{D115FF46-9CA3-4137-A994-3C5C36CCAF32}" type="presOf" srcId="{CBE68F96-89C8-4389-B3B0-A60C07AFA6E6}" destId="{BBD1517F-8595-43FF-B8A2-BFDF5EABC173}" srcOrd="0" destOrd="0" presId="urn:microsoft.com/office/officeart/2005/8/layout/process2"/>
     <dgm:cxn modelId="{1B729D1A-218D-441F-8AE4-C30C351F3568}" type="presOf" srcId="{1A75F6BB-B0E0-4EE8-9800-137D7E40F05F}" destId="{2AA5EB6B-6F84-481E-A18B-83054F65A1F2}" srcOrd="0" destOrd="0" presId="urn:microsoft.com/office/officeart/2005/8/layout/process2"/>
     <dgm:cxn modelId="{D1E7BF08-1A44-4E9F-944A-F615278ED7DC}" type="presOf" srcId="{D729FD14-48D0-4CC4-9926-F3919B7E762C}" destId="{C6F8793C-44C2-4F66-9B04-8FD07C3AE97D}" srcOrd="1" destOrd="0" presId="urn:microsoft.com/office/officeart/2005/8/layout/process2"/>
     <dgm:cxn modelId="{D74F3D68-B0C7-46F7-8DA0-E768035919B4}" type="presParOf" srcId="{BBD1517F-8595-43FF-B8A2-BFDF5EABC173}" destId="{77250FC4-3CD4-4BD3-83CF-DF8D02B9DCB1}" srcOrd="0" destOrd="0" presId="urn:microsoft.com/office/officeart/2005/8/layout/process2"/>
@@ -8891,6 +8891,70 @@
           <a:chExt cx="0" cy="0"/>
         </a:xfrm>
       </p:grpSpPr>
+      <p:pic>
+        <p:nvPicPr>
+          <p:cNvPr id="7" name="Picture 2"/>
+          <p:cNvPicPr>
+            <a:picLocks noChangeAspect="1" noChangeArrowheads="1"/>
+          </p:cNvPicPr>
+          <p:nvPr/>
+        </p:nvPicPr>
+        <p:blipFill>
+          <a:blip r:embed="rId2">
+            <a:extLst>
+              <a:ext uri="{28A0092B-C50C-407E-A947-70E740481C1C}">
+                <a14:useLocalDpi xmlns:a14="http://schemas.microsoft.com/office/drawing/2010/main" val="0"/>
+              </a:ext>
+            </a:extLst>
+          </a:blip>
+          <a:srcRect/>
+          <a:stretch>
+            <a:fillRect/>
+          </a:stretch>
+        </p:blipFill>
+        <p:spPr bwMode="auto">
+          <a:xfrm>
+            <a:off x="1063321" y="1597996"/>
+            <a:ext cx="6368646" cy="5046083"/>
+          </a:xfrm>
+          <a:prstGeom prst="rect">
+            <a:avLst/>
+          </a:prstGeom>
+          <a:noFill/>
+          <a:ln>
+            <a:noFill/>
+          </a:ln>
+          <a:effectLst/>
+          <a:extLst>
+            <a:ext uri="{909E8E84-426E-40DD-AFC4-6F175D3DCCD1}">
+              <a14:hiddenFill xmlns:a14="http://schemas.microsoft.com/office/drawing/2010/main">
+                <a:solidFill>
+                  <a:schemeClr val="accent1"/>
+                </a:solidFill>
+              </a14:hiddenFill>
+            </a:ext>
+            <a:ext uri="{91240B29-F687-4F45-9708-019B960494DF}">
+              <a14:hiddenLine xmlns:a14="http://schemas.microsoft.com/office/drawing/2010/main" w="9525">
+                <a:solidFill>
+                  <a:schemeClr val="tx1"/>
+                </a:solidFill>
+                <a:miter lim="800000"/>
+                <a:headEnd/>
+                <a:tailEnd/>
+              </a14:hiddenLine>
+            </a:ext>
+            <a:ext uri="{AF507438-7753-43E0-B8FC-AC1667EBCBE1}">
+              <a14:hiddenEffects xmlns:a14="http://schemas.microsoft.com/office/drawing/2010/main">
+                <a:effectLst>
+                  <a:outerShdw dist="35921" dir="2700000" algn="ctr" rotWithShape="0">
+                    <a:schemeClr val="bg2"/>
+                  </a:outerShdw>
+                </a:effectLst>
+              </a14:hiddenEffects>
+            </a:ext>
+          </a:extLst>
+        </p:spPr>
+      </p:pic>
       <p:sp>
         <p:nvSpPr>
           <p:cNvPr id="3" name="Title 2"/>
@@ -8904,11 +8968,13 @@
         <p:spPr>
           <a:xfrm>
             <a:off x="1115616" y="332656"/>
-            <a:ext cx="6516798" cy="778768"/>
+            <a:ext cx="6516798" cy="504056"/>
           </a:xfrm>
         </p:spPr>
         <p:txBody>
-          <a:bodyPr/>
+          <a:bodyPr anchor="t">
+            <a:normAutofit fontScale="90000"/>
+          </a:bodyPr>
           <a:lstStyle/>
           <a:p>
             <a:pPr algn="ctr"/>
@@ -8920,60 +8986,237 @@
           </a:p>
         </p:txBody>
       </p:sp>
-      <p:sp>
-        <p:nvSpPr>
-          <p:cNvPr id="6" name="Title 1"/>
-          <p:cNvSpPr txBox="1">
-            <a:spLocks/>
-          </p:cNvSpPr>
+      <p:grpSp>
+        <p:nvGrpSpPr>
+          <p:cNvPr id="5" name="Group 4"/>
+          <p:cNvGrpSpPr/>
           <p:nvPr/>
-        </p:nvSpPr>
-        <p:spPr bwMode="auto">
+        </p:nvGrpSpPr>
+        <p:grpSpPr>
           <a:xfrm>
-            <a:off x="899592" y="2780928"/>
+            <a:off x="323528" y="836712"/>
             <a:ext cx="6516798" cy="1872208"/>
+            <a:chOff x="917645" y="1410220"/>
+            <a:chExt cx="6516798" cy="1872208"/>
           </a:xfrm>
-          <a:prstGeom prst="rect">
-            <a:avLst/>
-          </a:prstGeom>
-        </p:spPr>
-        <p:txBody>
-          <a:bodyPr vert="horz" lIns="91440" tIns="45720" rIns="91440" bIns="45720" rtlCol="0" anchor="b">
-            <a:noAutofit/>
-          </a:bodyPr>
-          <a:lstStyle>
-            <a:lvl1pPr algn="l" defTabSz="914400" rtl="0" eaLnBrk="1" latinLnBrk="0" hangingPunct="1">
-              <a:lnSpc>
-                <a:spcPct val="80000"/>
-              </a:lnSpc>
-              <a:spcBef>
-                <a:spcPct val="0"/>
-              </a:spcBef>
-              <a:buNone/>
-              <a:defRPr sz="3600" b="1" kern="1200">
+        </p:grpSpPr>
+        <p:sp>
+          <p:nvSpPr>
+            <p:cNvPr id="6" name="Title 1"/>
+            <p:cNvSpPr txBox="1">
+              <a:spLocks/>
+            </p:cNvSpPr>
+            <p:nvPr/>
+          </p:nvSpPr>
+          <p:spPr bwMode="auto">
+            <a:xfrm>
+              <a:off x="917645" y="1410220"/>
+              <a:ext cx="6516798" cy="1872208"/>
+            </a:xfrm>
+            <a:prstGeom prst="rect">
+              <a:avLst/>
+            </a:prstGeom>
+          </p:spPr>
+          <p:txBody>
+            <a:bodyPr vert="horz" lIns="91440" tIns="45720" rIns="91440" bIns="45720" rtlCol="0" anchor="t">
+              <a:noAutofit/>
+            </a:bodyPr>
+            <a:lstStyle>
+              <a:lvl1pPr algn="l" defTabSz="914400" rtl="0" eaLnBrk="1" latinLnBrk="0" hangingPunct="1">
+                <a:lnSpc>
+                  <a:spcPct val="80000"/>
+                </a:lnSpc>
+                <a:spcBef>
+                  <a:spcPct val="0"/>
+                </a:spcBef>
+                <a:buNone/>
+                <a:defRPr sz="3600" b="1" kern="1200">
+                  <a:solidFill>
+                    <a:schemeClr val="accent1"/>
+                  </a:solidFill>
+                  <a:latin typeface="+mj-lt"/>
+                  <a:ea typeface="+mj-ea"/>
+                  <a:cs typeface="+mj-cs"/>
+                </a:defRPr>
+              </a:lvl1pPr>
+            </a:lstStyle>
+            <a:p>
+              <a:pPr marL="571500" indent="-571500">
+                <a:buFont typeface="Arial" pitchFamily="34" charset="0"/>
+                <a:buChar char="•"/>
+              </a:pPr>
+              <a:r>
+                <a:rPr lang="en-ZA" sz="2400" dirty="0" smtClean="0">
+                  <a:solidFill>
+                    <a:schemeClr val="accent3">
+                      <a:lumMod val="50000"/>
+                    </a:schemeClr>
+                  </a:solidFill>
+                </a:rPr>
+                <a:t>Design</a:t>
+              </a:r>
+            </a:p>
+            <a:p>
+              <a:pPr marL="571500" indent="-571500">
+                <a:buFont typeface="Arial" pitchFamily="34" charset="0"/>
+                <a:buChar char="•"/>
+              </a:pPr>
+              <a:endParaRPr lang="en-ZA" sz="2400" dirty="0" smtClean="0">
                 <a:solidFill>
-                  <a:schemeClr val="accent1"/>
+                  <a:schemeClr val="accent3">
+                    <a:lumMod val="50000"/>
+                  </a:schemeClr>
+                </a:solidFill>
+              </a:endParaRPr>
+            </a:p>
+            <a:p>
+              <a:pPr marL="571500" indent="-571500">
+                <a:buFont typeface="Arial" pitchFamily="34" charset="0"/>
+                <a:buChar char="•"/>
+              </a:pPr>
+              <a:r>
+                <a:rPr lang="en-ZA" sz="2400" dirty="0" smtClean="0">
+                  <a:solidFill>
+                    <a:schemeClr val="accent3">
+                      <a:lumMod val="50000"/>
+                    </a:schemeClr>
+                  </a:solidFill>
+                </a:rPr>
+                <a:t>Layout</a:t>
+              </a:r>
+            </a:p>
+            <a:p>
+              <a:pPr marL="571500" indent="-571500">
+                <a:buFont typeface="Arial" pitchFamily="34" charset="0"/>
+                <a:buChar char="•"/>
+              </a:pPr>
+              <a:endParaRPr lang="en-ZA" sz="2400" dirty="0">
+                <a:solidFill>
+                  <a:schemeClr val="accent3">
+                    <a:lumMod val="50000"/>
+                  </a:schemeClr>
+                </a:solidFill>
+              </a:endParaRPr>
+            </a:p>
+            <a:p>
+              <a:pPr marL="571500" indent="-571500">
+                <a:buFont typeface="Arial" pitchFamily="34" charset="0"/>
+                <a:buChar char="•"/>
+              </a:pPr>
+              <a:r>
+                <a:rPr lang="en-ZA" sz="2400" dirty="0" smtClean="0">
+                  <a:solidFill>
+                    <a:schemeClr val="accent3">
+                      <a:lumMod val="50000"/>
+                    </a:schemeClr>
+                  </a:solidFill>
+                </a:rPr>
+                <a:t>Flow</a:t>
+              </a:r>
+            </a:p>
+            <a:p>
+              <a:pPr marL="571500" indent="-571500">
+                <a:buFont typeface="Arial" pitchFamily="34" charset="0"/>
+                <a:buChar char="•"/>
+              </a:pPr>
+              <a:endParaRPr lang="en-ZA" sz="2400" dirty="0" smtClean="0">
+                <a:solidFill>
+                  <a:schemeClr val="accent3">
+                    <a:lumMod val="50000"/>
+                  </a:schemeClr>
                 </a:solidFill>
                 <a:latin typeface="+mj-lt"/>
-                <a:ea typeface="+mj-ea"/>
-                <a:cs typeface="+mj-cs"/>
-              </a:defRPr>
-            </a:lvl1pPr>
-          </a:lstStyle>
-          <a:p>
-            <a:pPr marL="571500" indent="-571500">
-              <a:buFont typeface="Arial" pitchFamily="34" charset="0"/>
-              <a:buChar char="•"/>
-            </a:pPr>
-            <a:r>
-              <a:rPr lang="en-ZA" sz="2400" dirty="0" smtClean="0">
-                <a:latin typeface="+mj-lt"/>
-              </a:rPr>
-              <a:t>Jess’ UI Slide</a:t>
-            </a:r>
-          </a:p>
-        </p:txBody>
-      </p:sp>
+              </a:endParaRPr>
+            </a:p>
+          </p:txBody>
+        </p:sp>
+        <p:sp>
+          <p:nvSpPr>
+            <p:cNvPr id="2" name="Right Brace 1"/>
+            <p:cNvSpPr/>
+            <p:nvPr/>
+          </p:nvSpPr>
+          <p:spPr>
+            <a:xfrm>
+              <a:off x="2915816" y="1556792"/>
+              <a:ext cx="432048" cy="648072"/>
+            </a:xfrm>
+            <a:prstGeom prst="rightBrace">
+              <a:avLst/>
+            </a:prstGeom>
+            <a:ln w="19050"/>
+          </p:spPr>
+          <p:style>
+            <a:lnRef idx="1">
+              <a:schemeClr val="accent1"/>
+            </a:lnRef>
+            <a:fillRef idx="0">
+              <a:schemeClr val="accent1"/>
+            </a:fillRef>
+            <a:effectRef idx="0">
+              <a:schemeClr val="accent1"/>
+            </a:effectRef>
+            <a:fontRef idx="minor">
+              <a:schemeClr val="tx1"/>
+            </a:fontRef>
+          </p:style>
+          <p:txBody>
+            <a:bodyPr rtlCol="0" anchor="ctr"/>
+            <a:lstStyle/>
+            <a:p>
+              <a:pPr algn="ctr"/>
+              <a:endParaRPr lang="en-ZA">
+                <a:solidFill>
+                  <a:schemeClr val="accent3">
+                    <a:lumMod val="50000"/>
+                  </a:schemeClr>
+                </a:solidFill>
+              </a:endParaRPr>
+            </a:p>
+          </p:txBody>
+        </p:sp>
+        <p:sp>
+          <p:nvSpPr>
+            <p:cNvPr id="4" name="TextBox 3"/>
+            <p:cNvSpPr txBox="1"/>
+            <p:nvPr/>
+          </p:nvSpPr>
+          <p:spPr>
+            <a:xfrm>
+              <a:off x="3428272" y="1620849"/>
+              <a:ext cx="1999265" cy="461665"/>
+            </a:xfrm>
+            <a:prstGeom prst="rect">
+              <a:avLst/>
+            </a:prstGeom>
+            <a:noFill/>
+            <a:ln>
+              <a:noFill/>
+            </a:ln>
+          </p:spPr>
+          <p:txBody>
+            <a:bodyPr wrap="none" rtlCol="0" anchor="ctr" anchorCtr="1">
+              <a:spAutoFit/>
+            </a:bodyPr>
+            <a:lstStyle/>
+            <a:p>
+              <a:r>
+                <a:rPr lang="en-ZA" sz="2400" b="1" dirty="0">
+                  <a:solidFill>
+                    <a:schemeClr val="accent3">
+                      <a:lumMod val="50000"/>
+                    </a:schemeClr>
+                  </a:solidFill>
+                  <a:latin typeface="+mj-lt"/>
+                  <a:ea typeface="+mj-ea"/>
+                  <a:cs typeface="+mj-cs"/>
+                </a:rPr>
+                <a:t>Consistency</a:t>
+              </a:r>
+            </a:p>
+          </p:txBody>
+        </p:sp>
+      </p:grpSp>
     </p:spTree>
   </p:cSld>
   <p:clrMapOvr>
@@ -9712,7 +9955,7 @@
   <a:extraClrSchemeLst/>
   <a:extLst>
     <a:ext uri="{05A4C25C-085E-4340-85A3-A5531E510DB2}">
-      <thm15:themeFamily xmlns:thm15="http://schemas.microsoft.com/office/thememl/2012/main" xmlns="" name="Business strategy presentation" id="{8652783A-F43B-4C47-8F3C-48F967BE0382}" vid="{232EED29-0899-40B2-8969-E379F11A5395}"/>
+      <thm15:themeFamily xmlns="" xmlns:thm15="http://schemas.microsoft.com/office/thememl/2012/main" name="Business strategy presentation" id="{8652783A-F43B-4C47-8F3C-48F967BE0382}" vid="{232EED29-0899-40B2-8969-E379F11A5395}"/>
     </a:ext>
   </a:extLst>
 </a:theme>

--- a/Project Documentation/Demos/Demo 03/Demo 03.pptx
+++ b/Project Documentation/Demos/Demo 03/Demo 03.pptx
@@ -122,7 +122,7 @@
   </p:defaultTextStyle>
   <p:extLst>
     <p:ext uri="{EFAFB233-063F-42B5-8137-9DF3F51BA10A}">
-      <p15:sldGuideLst xmlns="" xmlns:p15="http://schemas.microsoft.com/office/powerpoint/2012/main">
+      <p15:sldGuideLst xmlns:p15="http://schemas.microsoft.com/office/powerpoint/2012/main" xmlns="">
         <p15:guide id="1" orient="horz" pos="2160" userDrawn="1">
           <p15:clr>
             <a:srgbClr val="A4A3A4"/>
@@ -196,7 +196,7 @@
       </p15:sldGuideLst>
     </p:ext>
     <p:ext uri="{2D200454-40CA-4A62-9FC3-DE9A4176ACB9}">
-      <p15:notesGuideLst xmlns="" xmlns:p15="http://schemas.microsoft.com/office/powerpoint/2012/main"/>
+      <p15:notesGuideLst xmlns:p15="http://schemas.microsoft.com/office/powerpoint/2012/main" xmlns=""/>
     </p:ext>
   </p:extLst>
 </p:presentation>
@@ -1420,8 +1420,8 @@
     <dgm:cxn modelId="{1D3CF703-E501-4E1C-A175-0ABEA86722C9}" type="presOf" srcId="{F47371DB-8BEA-432B-ADA0-92D74E0702F9}" destId="{B0AFBA69-F6EE-4B41-94B1-52466432E21A}" srcOrd="0" destOrd="0" presId="urn:microsoft.com/office/officeart/2005/8/layout/process2"/>
     <dgm:cxn modelId="{AA3694B8-C57A-41A5-8AF9-EE6EA4412041}" type="presOf" srcId="{AAD92323-C489-44B1-AC4F-BF3E44649CD1}" destId="{77250FC4-3CD4-4BD3-83CF-DF8D02B9DCB1}" srcOrd="0" destOrd="0" presId="urn:microsoft.com/office/officeart/2005/8/layout/process2"/>
     <dgm:cxn modelId="{9ED44448-A612-415B-9510-0317A3DF62CA}" type="presOf" srcId="{2D947E25-C16B-42FD-80F9-097235D840FE}" destId="{E4E9F33E-FEB6-4B1D-B1CA-32DE732DD70F}" srcOrd="1" destOrd="0" presId="urn:microsoft.com/office/officeart/2005/8/layout/process2"/>
+    <dgm:cxn modelId="{87527954-69AA-4C26-8DC2-0CA36D5FE8EA}" srcId="{CBE68F96-89C8-4389-B3B0-A60C07AFA6E6}" destId="{B6B66AB5-6C31-4B5F-93E1-8F76E49BB650}" srcOrd="1" destOrd="0" parTransId="{1D8308EB-D457-4B19-9144-B6BDC74BBD90}" sibTransId="{A45D5F63-C5E3-47F8-AB0E-319C4686FB99}"/>
     <dgm:cxn modelId="{D115FF46-9CA3-4137-A994-3C5C36CCAF32}" type="presOf" srcId="{CBE68F96-89C8-4389-B3B0-A60C07AFA6E6}" destId="{BBD1517F-8595-43FF-B8A2-BFDF5EABC173}" srcOrd="0" destOrd="0" presId="urn:microsoft.com/office/officeart/2005/8/layout/process2"/>
-    <dgm:cxn modelId="{87527954-69AA-4C26-8DC2-0CA36D5FE8EA}" srcId="{CBE68F96-89C8-4389-B3B0-A60C07AFA6E6}" destId="{B6B66AB5-6C31-4B5F-93E1-8F76E49BB650}" srcOrd="1" destOrd="0" parTransId="{1D8308EB-D457-4B19-9144-B6BDC74BBD90}" sibTransId="{A45D5F63-C5E3-47F8-AB0E-319C4686FB99}"/>
     <dgm:cxn modelId="{1B729D1A-218D-441F-8AE4-C30C351F3568}" type="presOf" srcId="{1A75F6BB-B0E0-4EE8-9800-137D7E40F05F}" destId="{2AA5EB6B-6F84-481E-A18B-83054F65A1F2}" srcOrd="0" destOrd="0" presId="urn:microsoft.com/office/officeart/2005/8/layout/process2"/>
     <dgm:cxn modelId="{D1E7BF08-1A44-4E9F-944A-F615278ED7DC}" type="presOf" srcId="{D729FD14-48D0-4CC4-9926-F3919B7E762C}" destId="{C6F8793C-44C2-4F66-9B04-8FD07C3AE97D}" srcOrd="1" destOrd="0" presId="urn:microsoft.com/office/officeart/2005/8/layout/process2"/>
     <dgm:cxn modelId="{D74F3D68-B0C7-46F7-8DA0-E768035919B4}" type="presParOf" srcId="{BBD1517F-8595-43FF-B8A2-BFDF5EABC173}" destId="{77250FC4-3CD4-4BD3-83CF-DF8D02B9DCB1}" srcOrd="0" destOrd="0" presId="urn:microsoft.com/office/officeart/2005/8/layout/process2"/>
@@ -8591,6 +8591,13 @@
       </p:transition>
     </mc:Fallback>
   </mc:AlternateContent>
+  <p:timing>
+    <p:tnLst>
+      <p:par>
+        <p:cTn id="1" dur="indefinite" restart="never" nodeType="tmRoot"/>
+      </p:par>
+    </p:tnLst>
+  </p:timing>
 </p:sld>
 </file>
 
@@ -8733,6 +8740,13 @@
       </p:transition>
     </mc:Fallback>
   </mc:AlternateContent>
+  <p:timing>
+    <p:tnLst>
+      <p:par>
+        <p:cTn id="1" dur="indefinite" restart="never" nodeType="tmRoot"/>
+      </p:par>
+    </p:tnLst>
+  </p:timing>
 </p:sld>
 </file>
 
@@ -8784,64 +8798,540 @@
       </p:sp>
       <p:sp>
         <p:nvSpPr>
-          <p:cNvPr id="5" name="Title 1"/>
-          <p:cNvSpPr txBox="1">
-            <a:spLocks/>
-          </p:cNvSpPr>
+          <p:cNvPr id="2" name="Rounded Rectangle 1"/>
+          <p:cNvSpPr/>
           <p:nvPr/>
         </p:nvSpPr>
-        <p:spPr bwMode="auto">
+        <p:spPr>
           <a:xfrm>
-            <a:off x="683568" y="2060848"/>
-            <a:ext cx="6516798" cy="1872208"/>
+            <a:off x="611411" y="1376772"/>
+            <a:ext cx="2376264" cy="792088"/>
           </a:xfrm>
-          <a:prstGeom prst="rect">
+          <a:prstGeom prst="roundRect">
             <a:avLst/>
           </a:prstGeom>
+          <a:ln>
+            <a:noFill/>
+          </a:ln>
         </p:spPr>
+        <p:style>
+          <a:lnRef idx="1">
+            <a:schemeClr val="accent2"/>
+          </a:lnRef>
+          <a:fillRef idx="2">
+            <a:schemeClr val="accent2"/>
+          </a:fillRef>
+          <a:effectRef idx="1">
+            <a:schemeClr val="accent2"/>
+          </a:effectRef>
+          <a:fontRef idx="minor">
+            <a:schemeClr val="dk1"/>
+          </a:fontRef>
+        </p:style>
         <p:txBody>
-          <a:bodyPr vert="horz" lIns="91440" tIns="45720" rIns="91440" bIns="45720" rtlCol="0" anchor="b">
-            <a:noAutofit/>
-          </a:bodyPr>
-          <a:lstStyle>
-            <a:lvl1pPr algn="l" defTabSz="914400" rtl="0" eaLnBrk="1" latinLnBrk="0" hangingPunct="1">
-              <a:lnSpc>
-                <a:spcPct val="80000"/>
-              </a:lnSpc>
-              <a:spcBef>
-                <a:spcPct val="0"/>
-              </a:spcBef>
-              <a:buNone/>
-              <a:defRPr sz="3600" b="1" kern="1200">
-                <a:solidFill>
-                  <a:schemeClr val="accent1"/>
-                </a:solidFill>
-                <a:latin typeface="+mj-lt"/>
-                <a:ea typeface="+mj-ea"/>
-                <a:cs typeface="+mj-cs"/>
-              </a:defRPr>
-            </a:lvl1pPr>
-          </a:lstStyle>
-          <a:p>
-            <a:pPr marL="571500" indent="-571500">
-              <a:buFont typeface="Arial" pitchFamily="34" charset="0"/>
-              <a:buChar char="•"/>
-            </a:pPr>
-            <a:r>
-              <a:rPr lang="en-ZA" sz="2400" dirty="0" err="1" smtClean="0">
-                <a:latin typeface="+mj-lt"/>
-              </a:rPr>
-              <a:t>Izak’s</a:t>
-            </a:r>
-            <a:r>
-              <a:rPr lang="en-ZA" sz="2400" dirty="0" smtClean="0">
-                <a:latin typeface="+mj-lt"/>
-              </a:rPr>
-              <a:t> UI slide</a:t>
-            </a:r>
+          <a:bodyPr rtlCol="0" anchor="ctr"/>
+          <a:lstStyle/>
+          <a:p>
+            <a:pPr algn="ctr"/>
+            <a:r>
+              <a:rPr lang="en-ZA" dirty="0" err="1" smtClean="0"/>
+              <a:t>LinphoneActivity</a:t>
+            </a:r>
+            <a:endParaRPr lang="en-ZA" dirty="0" smtClean="0"/>
           </a:p>
         </p:txBody>
       </p:sp>
+      <p:sp>
+        <p:nvSpPr>
+          <p:cNvPr id="3" name="Rounded Rectangle 2"/>
+          <p:cNvSpPr/>
+          <p:nvPr/>
+        </p:nvSpPr>
+        <p:spPr>
+          <a:xfrm>
+            <a:off x="647415" y="2600908"/>
+            <a:ext cx="2304256" cy="792088"/>
+          </a:xfrm>
+          <a:prstGeom prst="roundRect">
+            <a:avLst/>
+          </a:prstGeom>
+          <a:solidFill>
+            <a:srgbClr val="FFC000"/>
+          </a:solidFill>
+          <a:ln>
+            <a:noFill/>
+          </a:ln>
+        </p:spPr>
+        <p:style>
+          <a:lnRef idx="1">
+            <a:schemeClr val="accent2"/>
+          </a:lnRef>
+          <a:fillRef idx="2">
+            <a:schemeClr val="accent2"/>
+          </a:fillRef>
+          <a:effectRef idx="1">
+            <a:schemeClr val="accent2"/>
+          </a:effectRef>
+          <a:fontRef idx="minor">
+            <a:schemeClr val="dk1"/>
+          </a:fontRef>
+        </p:style>
+        <p:txBody>
+          <a:bodyPr rtlCol="0" anchor="ctr"/>
+          <a:lstStyle/>
+          <a:p>
+            <a:pPr algn="ctr"/>
+            <a:r>
+              <a:rPr lang="en-ZA" dirty="0" err="1" smtClean="0"/>
+              <a:t>ChatListFragment</a:t>
+            </a:r>
+            <a:endParaRPr lang="en-ZA" dirty="0" smtClean="0"/>
+          </a:p>
+        </p:txBody>
+      </p:sp>
+      <p:cxnSp>
+        <p:nvCxnSpPr>
+          <p:cNvPr id="10" name="Straight Arrow Connector 9"/>
+          <p:cNvCxnSpPr>
+            <a:stCxn id="2" idx="2"/>
+            <a:endCxn id="3" idx="0"/>
+          </p:cNvCxnSpPr>
+          <p:nvPr/>
+        </p:nvCxnSpPr>
+        <p:spPr>
+          <a:xfrm>
+            <a:off x="1799543" y="2168860"/>
+            <a:ext cx="0" cy="432048"/>
+          </a:xfrm>
+          <a:prstGeom prst="straightConnector1">
+            <a:avLst/>
+          </a:prstGeom>
+          <a:ln>
+            <a:prstDash val="dash"/>
+            <a:tailEnd type="arrow"/>
+          </a:ln>
+        </p:spPr>
+        <p:style>
+          <a:lnRef idx="1">
+            <a:schemeClr val="accent1"/>
+          </a:lnRef>
+          <a:fillRef idx="0">
+            <a:schemeClr val="accent1"/>
+          </a:fillRef>
+          <a:effectRef idx="0">
+            <a:schemeClr val="accent1"/>
+          </a:effectRef>
+          <a:fontRef idx="minor">
+            <a:schemeClr val="tx1"/>
+          </a:fontRef>
+        </p:style>
+      </p:cxnSp>
+      <p:sp>
+        <p:nvSpPr>
+          <p:cNvPr id="17" name="Rounded Rectangle 16"/>
+          <p:cNvSpPr/>
+          <p:nvPr/>
+        </p:nvSpPr>
+        <p:spPr>
+          <a:xfrm>
+            <a:off x="611411" y="4452311"/>
+            <a:ext cx="2376264" cy="792088"/>
+          </a:xfrm>
+          <a:prstGeom prst="roundRect">
+            <a:avLst/>
+          </a:prstGeom>
+          <a:ln w="28575">
+            <a:solidFill>
+              <a:srgbClr val="FF0000"/>
+            </a:solidFill>
+          </a:ln>
+        </p:spPr>
+        <p:style>
+          <a:lnRef idx="1">
+            <a:schemeClr val="accent2"/>
+          </a:lnRef>
+          <a:fillRef idx="2">
+            <a:schemeClr val="accent2"/>
+          </a:fillRef>
+          <a:effectRef idx="1">
+            <a:schemeClr val="accent2"/>
+          </a:effectRef>
+          <a:fontRef idx="minor">
+            <a:schemeClr val="dk1"/>
+          </a:fontRef>
+        </p:style>
+        <p:txBody>
+          <a:bodyPr rtlCol="0" anchor="ctr"/>
+          <a:lstStyle/>
+          <a:p>
+            <a:pPr algn="ctr"/>
+            <a:r>
+              <a:rPr lang="en-ZA" dirty="0" err="1" smtClean="0"/>
+              <a:t>GroupChatActivity</a:t>
+            </a:r>
+            <a:endParaRPr lang="en-ZA" dirty="0" smtClean="0"/>
+          </a:p>
+        </p:txBody>
+      </p:sp>
+      <p:cxnSp>
+        <p:nvCxnSpPr>
+          <p:cNvPr id="24" name="Straight Arrow Connector 23"/>
+          <p:cNvCxnSpPr>
+            <a:stCxn id="3" idx="2"/>
+            <a:endCxn id="17" idx="0"/>
+          </p:cNvCxnSpPr>
+          <p:nvPr/>
+        </p:nvCxnSpPr>
+        <p:spPr>
+          <a:xfrm>
+            <a:off x="1799543" y="3392996"/>
+            <a:ext cx="0" cy="1059315"/>
+          </a:xfrm>
+          <a:prstGeom prst="straightConnector1">
+            <a:avLst/>
+          </a:prstGeom>
+          <a:ln>
+            <a:prstDash val="dash"/>
+            <a:tailEnd type="arrow"/>
+          </a:ln>
+        </p:spPr>
+        <p:style>
+          <a:lnRef idx="1">
+            <a:schemeClr val="accent1"/>
+          </a:lnRef>
+          <a:fillRef idx="0">
+            <a:schemeClr val="accent1"/>
+          </a:fillRef>
+          <a:effectRef idx="0">
+            <a:schemeClr val="accent1"/>
+          </a:effectRef>
+          <a:fontRef idx="minor">
+            <a:schemeClr val="tx1"/>
+          </a:fontRef>
+        </p:style>
+      </p:cxnSp>
+      <p:sp>
+        <p:nvSpPr>
+          <p:cNvPr id="27" name="Rounded Rectangle 26"/>
+          <p:cNvSpPr/>
+          <p:nvPr/>
+        </p:nvSpPr>
+        <p:spPr>
+          <a:xfrm>
+            <a:off x="4660941" y="4932100"/>
+            <a:ext cx="3528392" cy="792088"/>
+          </a:xfrm>
+          <a:prstGeom prst="roundRect">
+            <a:avLst/>
+          </a:prstGeom>
+          <a:solidFill>
+            <a:srgbClr val="FFC000"/>
+          </a:solidFill>
+          <a:ln w="28575">
+            <a:solidFill>
+              <a:srgbClr val="FF0000"/>
+            </a:solidFill>
+          </a:ln>
+        </p:spPr>
+        <p:style>
+          <a:lnRef idx="1">
+            <a:schemeClr val="accent2"/>
+          </a:lnRef>
+          <a:fillRef idx="2">
+            <a:schemeClr val="accent2"/>
+          </a:fillRef>
+          <a:effectRef idx="1">
+            <a:schemeClr val="accent2"/>
+          </a:effectRef>
+          <a:fontRef idx="minor">
+            <a:schemeClr val="dk1"/>
+          </a:fontRef>
+        </p:style>
+        <p:txBody>
+          <a:bodyPr rtlCol="0" anchor="ctr"/>
+          <a:lstStyle/>
+          <a:p>
+            <a:pPr algn="ctr"/>
+            <a:r>
+              <a:rPr lang="en-ZA" dirty="0" err="1" smtClean="0"/>
+              <a:t>GroupChat</a:t>
+            </a:r>
+            <a:r>
+              <a:rPr lang="en-ZA" b="1" dirty="0" err="1" smtClean="0"/>
+              <a:t>Creation</a:t>
+            </a:r>
+            <a:r>
+              <a:rPr lang="en-ZA" dirty="0" err="1" smtClean="0"/>
+              <a:t>Fragment</a:t>
+            </a:r>
+            <a:endParaRPr lang="en-ZA" dirty="0" smtClean="0"/>
+          </a:p>
+        </p:txBody>
+      </p:sp>
+      <p:cxnSp>
+        <p:nvCxnSpPr>
+          <p:cNvPr id="28" name="Straight Arrow Connector 27"/>
+          <p:cNvCxnSpPr>
+            <a:stCxn id="17" idx="3"/>
+            <a:endCxn id="27" idx="1"/>
+          </p:cNvCxnSpPr>
+          <p:nvPr/>
+        </p:nvCxnSpPr>
+        <p:spPr>
+          <a:xfrm>
+            <a:off x="2987675" y="4848355"/>
+            <a:ext cx="1673266" cy="479789"/>
+          </a:xfrm>
+          <a:prstGeom prst="straightConnector1">
+            <a:avLst/>
+          </a:prstGeom>
+          <a:ln>
+            <a:prstDash val="dash"/>
+            <a:tailEnd type="arrow"/>
+          </a:ln>
+        </p:spPr>
+        <p:style>
+          <a:lnRef idx="1">
+            <a:schemeClr val="accent1"/>
+          </a:lnRef>
+          <a:fillRef idx="0">
+            <a:schemeClr val="accent1"/>
+          </a:fillRef>
+          <a:effectRef idx="0">
+            <a:schemeClr val="accent1"/>
+          </a:effectRef>
+          <a:fontRef idx="minor">
+            <a:schemeClr val="tx1"/>
+          </a:fontRef>
+        </p:style>
+      </p:cxnSp>
+      <p:sp>
+        <p:nvSpPr>
+          <p:cNvPr id="35" name="Rounded Rectangle 34"/>
+          <p:cNvSpPr/>
+          <p:nvPr/>
+        </p:nvSpPr>
+        <p:spPr>
+          <a:xfrm>
+            <a:off x="4660941" y="3827713"/>
+            <a:ext cx="3528392" cy="792088"/>
+          </a:xfrm>
+          <a:prstGeom prst="roundRect">
+            <a:avLst/>
+          </a:prstGeom>
+          <a:solidFill>
+            <a:srgbClr val="FFC000"/>
+          </a:solidFill>
+          <a:ln w="28575">
+            <a:solidFill>
+              <a:srgbClr val="FF0000"/>
+            </a:solidFill>
+          </a:ln>
+        </p:spPr>
+        <p:style>
+          <a:lnRef idx="1">
+            <a:schemeClr val="accent2"/>
+          </a:lnRef>
+          <a:fillRef idx="2">
+            <a:schemeClr val="accent2"/>
+          </a:fillRef>
+          <a:effectRef idx="1">
+            <a:schemeClr val="accent2"/>
+          </a:effectRef>
+          <a:fontRef idx="minor">
+            <a:schemeClr val="dk1"/>
+          </a:fontRef>
+        </p:style>
+        <p:txBody>
+          <a:bodyPr rtlCol="0" anchor="ctr"/>
+          <a:lstStyle/>
+          <a:p>
+            <a:pPr algn="ctr"/>
+            <a:r>
+              <a:rPr lang="en-ZA" dirty="0" err="1" smtClean="0"/>
+              <a:t>GroupChat</a:t>
+            </a:r>
+            <a:r>
+              <a:rPr lang="en-ZA" b="1" dirty="0" err="1" smtClean="0"/>
+              <a:t>Messaging</a:t>
+            </a:r>
+            <a:r>
+              <a:rPr lang="en-ZA" dirty="0" err="1" smtClean="0"/>
+              <a:t>Fragment</a:t>
+            </a:r>
+            <a:endParaRPr lang="en-ZA" dirty="0" smtClean="0"/>
+          </a:p>
+        </p:txBody>
+      </p:sp>
+      <p:cxnSp>
+        <p:nvCxnSpPr>
+          <p:cNvPr id="36" name="Straight Arrow Connector 35"/>
+          <p:cNvCxnSpPr>
+            <a:stCxn id="17" idx="3"/>
+            <a:endCxn id="35" idx="1"/>
+          </p:cNvCxnSpPr>
+          <p:nvPr/>
+        </p:nvCxnSpPr>
+        <p:spPr>
+          <a:xfrm flipV="1">
+            <a:off x="2987675" y="4223757"/>
+            <a:ext cx="1673266" cy="624598"/>
+          </a:xfrm>
+          <a:prstGeom prst="straightConnector1">
+            <a:avLst/>
+          </a:prstGeom>
+          <a:ln>
+            <a:prstDash val="dash"/>
+            <a:tailEnd type="arrow"/>
+          </a:ln>
+        </p:spPr>
+        <p:style>
+          <a:lnRef idx="1">
+            <a:schemeClr val="accent1"/>
+          </a:lnRef>
+          <a:fillRef idx="0">
+            <a:schemeClr val="accent1"/>
+          </a:fillRef>
+          <a:effectRef idx="0">
+            <a:schemeClr val="accent1"/>
+          </a:effectRef>
+          <a:fontRef idx="minor">
+            <a:schemeClr val="tx1"/>
+          </a:fontRef>
+        </p:style>
+      </p:cxnSp>
+      <p:sp>
+        <p:nvSpPr>
+          <p:cNvPr id="42" name="Rounded Rectangle 41"/>
+          <p:cNvSpPr/>
+          <p:nvPr/>
+        </p:nvSpPr>
+        <p:spPr>
+          <a:xfrm>
+            <a:off x="4660941" y="2600908"/>
+            <a:ext cx="3528392" cy="792088"/>
+          </a:xfrm>
+          <a:prstGeom prst="roundRect">
+            <a:avLst/>
+          </a:prstGeom>
+          <a:solidFill>
+            <a:srgbClr val="FFC000"/>
+          </a:solidFill>
+          <a:ln w="28575">
+            <a:solidFill>
+              <a:srgbClr val="FF0000"/>
+            </a:solidFill>
+          </a:ln>
+        </p:spPr>
+        <p:style>
+          <a:lnRef idx="1">
+            <a:schemeClr val="accent2"/>
+          </a:lnRef>
+          <a:fillRef idx="2">
+            <a:schemeClr val="accent2"/>
+          </a:fillRef>
+          <a:effectRef idx="1">
+            <a:schemeClr val="accent2"/>
+          </a:effectRef>
+          <a:fontRef idx="minor">
+            <a:schemeClr val="dk1"/>
+          </a:fontRef>
+        </p:style>
+        <p:txBody>
+          <a:bodyPr rtlCol="0" anchor="ctr"/>
+          <a:lstStyle/>
+          <a:p>
+            <a:pPr algn="ctr"/>
+            <a:r>
+              <a:rPr lang="en-ZA" dirty="0" err="1" smtClean="0"/>
+              <a:t>GroupChat</a:t>
+            </a:r>
+            <a:r>
+              <a:rPr lang="en-ZA" b="1" dirty="0" err="1" smtClean="0"/>
+              <a:t>Settings</a:t>
+            </a:r>
+            <a:r>
+              <a:rPr lang="en-ZA" dirty="0" err="1" smtClean="0"/>
+              <a:t>Fragment</a:t>
+            </a:r>
+            <a:endParaRPr lang="en-ZA" dirty="0" smtClean="0"/>
+          </a:p>
+        </p:txBody>
+      </p:sp>
+      <p:cxnSp>
+        <p:nvCxnSpPr>
+          <p:cNvPr id="45" name="Straight Arrow Connector 44"/>
+          <p:cNvCxnSpPr>
+            <a:stCxn id="3" idx="3"/>
+            <a:endCxn id="42" idx="1"/>
+          </p:cNvCxnSpPr>
+          <p:nvPr/>
+        </p:nvCxnSpPr>
+        <p:spPr>
+          <a:xfrm>
+            <a:off x="2951671" y="2996952"/>
+            <a:ext cx="1709270" cy="0"/>
+          </a:xfrm>
+          <a:prstGeom prst="straightConnector1">
+            <a:avLst/>
+          </a:prstGeom>
+          <a:ln>
+            <a:prstDash val="dash"/>
+            <a:tailEnd type="arrow"/>
+          </a:ln>
+        </p:spPr>
+        <p:style>
+          <a:lnRef idx="1">
+            <a:schemeClr val="accent1"/>
+          </a:lnRef>
+          <a:fillRef idx="0">
+            <a:schemeClr val="accent1"/>
+          </a:fillRef>
+          <a:effectRef idx="0">
+            <a:schemeClr val="accent1"/>
+          </a:effectRef>
+          <a:fontRef idx="minor">
+            <a:schemeClr val="tx1"/>
+          </a:fontRef>
+        </p:style>
+      </p:cxnSp>
+      <p:cxnSp>
+        <p:nvCxnSpPr>
+          <p:cNvPr id="50" name="Straight Arrow Connector 49"/>
+          <p:cNvCxnSpPr>
+            <a:stCxn id="35" idx="0"/>
+            <a:endCxn id="42" idx="2"/>
+          </p:cNvCxnSpPr>
+          <p:nvPr/>
+        </p:nvCxnSpPr>
+        <p:spPr>
+          <a:xfrm flipV="1">
+            <a:off x="6425137" y="3392996"/>
+            <a:ext cx="0" cy="434717"/>
+          </a:xfrm>
+          <a:prstGeom prst="straightConnector1">
+            <a:avLst/>
+          </a:prstGeom>
+          <a:ln>
+            <a:prstDash val="dash"/>
+            <a:tailEnd type="arrow"/>
+          </a:ln>
+        </p:spPr>
+        <p:style>
+          <a:lnRef idx="1">
+            <a:schemeClr val="accent1"/>
+          </a:lnRef>
+          <a:fillRef idx="0">
+            <a:schemeClr val="accent1"/>
+          </a:fillRef>
+          <a:effectRef idx="0">
+            <a:schemeClr val="accent1"/>
+          </a:effectRef>
+          <a:fontRef idx="minor">
+            <a:schemeClr val="tx1"/>
+          </a:fontRef>
+        </p:style>
+      </p:cxnSp>
     </p:spTree>
     <p:extLst>
       <p:ext uri="{BB962C8B-B14F-4D97-AF65-F5344CB8AC3E}">
@@ -8867,9 +9357,811 @@
   <p:timing>
     <p:tnLst>
       <p:par>
-        <p:cTn id="1" dur="indefinite" restart="never" nodeType="tmRoot"/>
+        <p:cTn id="1" dur="indefinite" restart="never" nodeType="tmRoot">
+          <p:childTnLst>
+            <p:seq concurrent="1" nextAc="seek">
+              <p:cTn id="2" dur="indefinite" nodeType="mainSeq">
+                <p:childTnLst>
+                  <p:par>
+                    <p:cTn id="3" fill="hold">
+                      <p:stCondLst>
+                        <p:cond delay="indefinite"/>
+                      </p:stCondLst>
+                      <p:childTnLst>
+                        <p:par>
+                          <p:cTn id="4" fill="hold">
+                            <p:stCondLst>
+                              <p:cond delay="0"/>
+                            </p:stCondLst>
+                            <p:childTnLst>
+                              <p:par>
+                                <p:cTn id="5" presetID="10" presetClass="entr" presetSubtype="0" fill="hold" grpId="0" nodeType="clickEffect">
+                                  <p:stCondLst>
+                                    <p:cond delay="0"/>
+                                  </p:stCondLst>
+                                  <p:childTnLst>
+                                    <p:set>
+                                      <p:cBhvr>
+                                        <p:cTn id="6" dur="1" fill="hold">
+                                          <p:stCondLst>
+                                            <p:cond delay="0"/>
+                                          </p:stCondLst>
+                                        </p:cTn>
+                                        <p:tgtEl>
+                                          <p:spTgt spid="2"/>
+                                        </p:tgtEl>
+                                        <p:attrNameLst>
+                                          <p:attrName>style.visibility</p:attrName>
+                                        </p:attrNameLst>
+                                      </p:cBhvr>
+                                      <p:to>
+                                        <p:strVal val="visible"/>
+                                      </p:to>
+                                    </p:set>
+                                    <p:animEffect transition="in" filter="fade">
+                                      <p:cBhvr>
+                                        <p:cTn id="7" dur="500"/>
+                                        <p:tgtEl>
+                                          <p:spTgt spid="2"/>
+                                        </p:tgtEl>
+                                      </p:cBhvr>
+                                    </p:animEffect>
+                                  </p:childTnLst>
+                                </p:cTn>
+                              </p:par>
+                              <p:par>
+                                <p:cTn id="8" presetID="10" presetClass="entr" presetSubtype="0" fill="hold" grpId="0" nodeType="withEffect">
+                                  <p:stCondLst>
+                                    <p:cond delay="0"/>
+                                  </p:stCondLst>
+                                  <p:childTnLst>
+                                    <p:set>
+                                      <p:cBhvr>
+                                        <p:cTn id="9" dur="1" fill="hold">
+                                          <p:stCondLst>
+                                            <p:cond delay="0"/>
+                                          </p:stCondLst>
+                                        </p:cTn>
+                                        <p:tgtEl>
+                                          <p:spTgt spid="3"/>
+                                        </p:tgtEl>
+                                        <p:attrNameLst>
+                                          <p:attrName>style.visibility</p:attrName>
+                                        </p:attrNameLst>
+                                      </p:cBhvr>
+                                      <p:to>
+                                        <p:strVal val="visible"/>
+                                      </p:to>
+                                    </p:set>
+                                    <p:animEffect transition="in" filter="fade">
+                                      <p:cBhvr>
+                                        <p:cTn id="10" dur="500"/>
+                                        <p:tgtEl>
+                                          <p:spTgt spid="3"/>
+                                        </p:tgtEl>
+                                      </p:cBhvr>
+                                    </p:animEffect>
+                                  </p:childTnLst>
+                                </p:cTn>
+                              </p:par>
+                              <p:par>
+                                <p:cTn id="11" presetID="10" presetClass="entr" presetSubtype="0" fill="hold" nodeType="withEffect">
+                                  <p:stCondLst>
+                                    <p:cond delay="0"/>
+                                  </p:stCondLst>
+                                  <p:childTnLst>
+                                    <p:set>
+                                      <p:cBhvr>
+                                        <p:cTn id="12" dur="1" fill="hold">
+                                          <p:stCondLst>
+                                            <p:cond delay="0"/>
+                                          </p:stCondLst>
+                                        </p:cTn>
+                                        <p:tgtEl>
+                                          <p:spTgt spid="10"/>
+                                        </p:tgtEl>
+                                        <p:attrNameLst>
+                                          <p:attrName>style.visibility</p:attrName>
+                                        </p:attrNameLst>
+                                      </p:cBhvr>
+                                      <p:to>
+                                        <p:strVal val="visible"/>
+                                      </p:to>
+                                    </p:set>
+                                    <p:animEffect transition="in" filter="fade">
+                                      <p:cBhvr>
+                                        <p:cTn id="13" dur="500"/>
+                                        <p:tgtEl>
+                                          <p:spTgt spid="10"/>
+                                        </p:tgtEl>
+                                      </p:cBhvr>
+                                    </p:animEffect>
+                                  </p:childTnLst>
+                                </p:cTn>
+                              </p:par>
+                            </p:childTnLst>
+                          </p:cTn>
+                        </p:par>
+                      </p:childTnLst>
+                    </p:cTn>
+                  </p:par>
+                  <p:par>
+                    <p:cTn id="14" fill="hold">
+                      <p:stCondLst>
+                        <p:cond delay="indefinite"/>
+                      </p:stCondLst>
+                      <p:childTnLst>
+                        <p:par>
+                          <p:cTn id="15" fill="hold">
+                            <p:stCondLst>
+                              <p:cond delay="0"/>
+                            </p:stCondLst>
+                            <p:childTnLst>
+                              <p:par>
+                                <p:cTn id="16" presetID="10" presetClass="entr" presetSubtype="0" fill="hold" nodeType="clickEffect">
+                                  <p:stCondLst>
+                                    <p:cond delay="0"/>
+                                  </p:stCondLst>
+                                  <p:childTnLst>
+                                    <p:set>
+                                      <p:cBhvr>
+                                        <p:cTn id="17" dur="1" fill="hold">
+                                          <p:stCondLst>
+                                            <p:cond delay="0"/>
+                                          </p:stCondLst>
+                                        </p:cTn>
+                                        <p:tgtEl>
+                                          <p:spTgt spid="24"/>
+                                        </p:tgtEl>
+                                        <p:attrNameLst>
+                                          <p:attrName>style.visibility</p:attrName>
+                                        </p:attrNameLst>
+                                      </p:cBhvr>
+                                      <p:to>
+                                        <p:strVal val="visible"/>
+                                      </p:to>
+                                    </p:set>
+                                    <p:animEffect transition="in" filter="fade">
+                                      <p:cBhvr>
+                                        <p:cTn id="18" dur="500"/>
+                                        <p:tgtEl>
+                                          <p:spTgt spid="24"/>
+                                        </p:tgtEl>
+                                      </p:cBhvr>
+                                    </p:animEffect>
+                                  </p:childTnLst>
+                                </p:cTn>
+                              </p:par>
+                              <p:par>
+                                <p:cTn id="19" presetID="10" presetClass="entr" presetSubtype="0" fill="hold" grpId="0" nodeType="withEffect">
+                                  <p:stCondLst>
+                                    <p:cond delay="0"/>
+                                  </p:stCondLst>
+                                  <p:childTnLst>
+                                    <p:set>
+                                      <p:cBhvr>
+                                        <p:cTn id="20" dur="1" fill="hold">
+                                          <p:stCondLst>
+                                            <p:cond delay="0"/>
+                                          </p:stCondLst>
+                                        </p:cTn>
+                                        <p:tgtEl>
+                                          <p:spTgt spid="17"/>
+                                        </p:tgtEl>
+                                        <p:attrNameLst>
+                                          <p:attrName>style.visibility</p:attrName>
+                                        </p:attrNameLst>
+                                      </p:cBhvr>
+                                      <p:to>
+                                        <p:strVal val="visible"/>
+                                      </p:to>
+                                    </p:set>
+                                    <p:animEffect transition="in" filter="fade">
+                                      <p:cBhvr>
+                                        <p:cTn id="21" dur="500"/>
+                                        <p:tgtEl>
+                                          <p:spTgt spid="17"/>
+                                        </p:tgtEl>
+                                      </p:cBhvr>
+                                    </p:animEffect>
+                                  </p:childTnLst>
+                                </p:cTn>
+                              </p:par>
+                            </p:childTnLst>
+                          </p:cTn>
+                        </p:par>
+                      </p:childTnLst>
+                    </p:cTn>
+                  </p:par>
+                  <p:par>
+                    <p:cTn id="22" fill="hold">
+                      <p:stCondLst>
+                        <p:cond delay="indefinite"/>
+                      </p:stCondLst>
+                      <p:childTnLst>
+                        <p:par>
+                          <p:cTn id="23" fill="hold">
+                            <p:stCondLst>
+                              <p:cond delay="0"/>
+                            </p:stCondLst>
+                            <p:childTnLst>
+                              <p:par>
+                                <p:cTn id="24" presetID="10" presetClass="entr" presetSubtype="0" fill="hold" nodeType="clickEffect">
+                                  <p:stCondLst>
+                                    <p:cond delay="0"/>
+                                  </p:stCondLst>
+                                  <p:childTnLst>
+                                    <p:set>
+                                      <p:cBhvr>
+                                        <p:cTn id="25" dur="1" fill="hold">
+                                          <p:stCondLst>
+                                            <p:cond delay="0"/>
+                                          </p:stCondLst>
+                                        </p:cTn>
+                                        <p:tgtEl>
+                                          <p:spTgt spid="28"/>
+                                        </p:tgtEl>
+                                        <p:attrNameLst>
+                                          <p:attrName>style.visibility</p:attrName>
+                                        </p:attrNameLst>
+                                      </p:cBhvr>
+                                      <p:to>
+                                        <p:strVal val="visible"/>
+                                      </p:to>
+                                    </p:set>
+                                    <p:animEffect transition="in" filter="fade">
+                                      <p:cBhvr>
+                                        <p:cTn id="26" dur="500"/>
+                                        <p:tgtEl>
+                                          <p:spTgt spid="28"/>
+                                        </p:tgtEl>
+                                      </p:cBhvr>
+                                    </p:animEffect>
+                                  </p:childTnLst>
+                                </p:cTn>
+                              </p:par>
+                              <p:par>
+                                <p:cTn id="27" presetID="10" presetClass="entr" presetSubtype="0" fill="hold" grpId="0" nodeType="withEffect">
+                                  <p:stCondLst>
+                                    <p:cond delay="0"/>
+                                  </p:stCondLst>
+                                  <p:childTnLst>
+                                    <p:set>
+                                      <p:cBhvr>
+                                        <p:cTn id="28" dur="1" fill="hold">
+                                          <p:stCondLst>
+                                            <p:cond delay="0"/>
+                                          </p:stCondLst>
+                                        </p:cTn>
+                                        <p:tgtEl>
+                                          <p:spTgt spid="27"/>
+                                        </p:tgtEl>
+                                        <p:attrNameLst>
+                                          <p:attrName>style.visibility</p:attrName>
+                                        </p:attrNameLst>
+                                      </p:cBhvr>
+                                      <p:to>
+                                        <p:strVal val="visible"/>
+                                      </p:to>
+                                    </p:set>
+                                    <p:animEffect transition="in" filter="fade">
+                                      <p:cBhvr>
+                                        <p:cTn id="29" dur="500"/>
+                                        <p:tgtEl>
+                                          <p:spTgt spid="27"/>
+                                        </p:tgtEl>
+                                      </p:cBhvr>
+                                    </p:animEffect>
+                                  </p:childTnLst>
+                                </p:cTn>
+                              </p:par>
+                            </p:childTnLst>
+                          </p:cTn>
+                        </p:par>
+                      </p:childTnLst>
+                    </p:cTn>
+                  </p:par>
+                  <p:par>
+                    <p:cTn id="30" fill="hold">
+                      <p:stCondLst>
+                        <p:cond delay="indefinite"/>
+                      </p:stCondLst>
+                      <p:childTnLst>
+                        <p:par>
+                          <p:cTn id="31" fill="hold">
+                            <p:stCondLst>
+                              <p:cond delay="0"/>
+                            </p:stCondLst>
+                            <p:childTnLst>
+                              <p:par>
+                                <p:cTn id="32" presetID="10" presetClass="entr" presetSubtype="0" fill="hold" nodeType="clickEffect">
+                                  <p:stCondLst>
+                                    <p:cond delay="0"/>
+                                  </p:stCondLst>
+                                  <p:childTnLst>
+                                    <p:set>
+                                      <p:cBhvr>
+                                        <p:cTn id="33" dur="1" fill="hold">
+                                          <p:stCondLst>
+                                            <p:cond delay="0"/>
+                                          </p:stCondLst>
+                                        </p:cTn>
+                                        <p:tgtEl>
+                                          <p:spTgt spid="36"/>
+                                        </p:tgtEl>
+                                        <p:attrNameLst>
+                                          <p:attrName>style.visibility</p:attrName>
+                                        </p:attrNameLst>
+                                      </p:cBhvr>
+                                      <p:to>
+                                        <p:strVal val="visible"/>
+                                      </p:to>
+                                    </p:set>
+                                    <p:animEffect transition="in" filter="fade">
+                                      <p:cBhvr>
+                                        <p:cTn id="34" dur="500"/>
+                                        <p:tgtEl>
+                                          <p:spTgt spid="36"/>
+                                        </p:tgtEl>
+                                      </p:cBhvr>
+                                    </p:animEffect>
+                                  </p:childTnLst>
+                                </p:cTn>
+                              </p:par>
+                              <p:par>
+                                <p:cTn id="35" presetID="10" presetClass="entr" presetSubtype="0" fill="hold" grpId="0" nodeType="withEffect">
+                                  <p:stCondLst>
+                                    <p:cond delay="0"/>
+                                  </p:stCondLst>
+                                  <p:childTnLst>
+                                    <p:set>
+                                      <p:cBhvr>
+                                        <p:cTn id="36" dur="1" fill="hold">
+                                          <p:stCondLst>
+                                            <p:cond delay="0"/>
+                                          </p:stCondLst>
+                                        </p:cTn>
+                                        <p:tgtEl>
+                                          <p:spTgt spid="35"/>
+                                        </p:tgtEl>
+                                        <p:attrNameLst>
+                                          <p:attrName>style.visibility</p:attrName>
+                                        </p:attrNameLst>
+                                      </p:cBhvr>
+                                      <p:to>
+                                        <p:strVal val="visible"/>
+                                      </p:to>
+                                    </p:set>
+                                    <p:animEffect transition="in" filter="fade">
+                                      <p:cBhvr>
+                                        <p:cTn id="37" dur="500"/>
+                                        <p:tgtEl>
+                                          <p:spTgt spid="35"/>
+                                        </p:tgtEl>
+                                      </p:cBhvr>
+                                    </p:animEffect>
+                                  </p:childTnLst>
+                                </p:cTn>
+                              </p:par>
+                            </p:childTnLst>
+                          </p:cTn>
+                        </p:par>
+                      </p:childTnLst>
+                    </p:cTn>
+                  </p:par>
+                  <p:par>
+                    <p:cTn id="38" fill="hold">
+                      <p:stCondLst>
+                        <p:cond delay="indefinite"/>
+                      </p:stCondLst>
+                      <p:childTnLst>
+                        <p:par>
+                          <p:cTn id="39" fill="hold">
+                            <p:stCondLst>
+                              <p:cond delay="0"/>
+                            </p:stCondLst>
+                            <p:childTnLst>
+                              <p:par>
+                                <p:cTn id="40" presetID="10" presetClass="entr" presetSubtype="0" fill="hold" grpId="0" nodeType="clickEffect">
+                                  <p:stCondLst>
+                                    <p:cond delay="0"/>
+                                  </p:stCondLst>
+                                  <p:childTnLst>
+                                    <p:set>
+                                      <p:cBhvr>
+                                        <p:cTn id="41" dur="1" fill="hold">
+                                          <p:stCondLst>
+                                            <p:cond delay="0"/>
+                                          </p:stCondLst>
+                                        </p:cTn>
+                                        <p:tgtEl>
+                                          <p:spTgt spid="42"/>
+                                        </p:tgtEl>
+                                        <p:attrNameLst>
+                                          <p:attrName>style.visibility</p:attrName>
+                                        </p:attrNameLst>
+                                      </p:cBhvr>
+                                      <p:to>
+                                        <p:strVal val="visible"/>
+                                      </p:to>
+                                    </p:set>
+                                    <p:animEffect transition="in" filter="fade">
+                                      <p:cBhvr>
+                                        <p:cTn id="42" dur="500"/>
+                                        <p:tgtEl>
+                                          <p:spTgt spid="42"/>
+                                        </p:tgtEl>
+                                      </p:cBhvr>
+                                    </p:animEffect>
+                                  </p:childTnLst>
+                                </p:cTn>
+                              </p:par>
+                              <p:par>
+                                <p:cTn id="43" presetID="10" presetClass="entr" presetSubtype="0" fill="hold" nodeType="withEffect">
+                                  <p:stCondLst>
+                                    <p:cond delay="0"/>
+                                  </p:stCondLst>
+                                  <p:childTnLst>
+                                    <p:set>
+                                      <p:cBhvr>
+                                        <p:cTn id="44" dur="1" fill="hold">
+                                          <p:stCondLst>
+                                            <p:cond delay="0"/>
+                                          </p:stCondLst>
+                                        </p:cTn>
+                                        <p:tgtEl>
+                                          <p:spTgt spid="45"/>
+                                        </p:tgtEl>
+                                        <p:attrNameLst>
+                                          <p:attrName>style.visibility</p:attrName>
+                                        </p:attrNameLst>
+                                      </p:cBhvr>
+                                      <p:to>
+                                        <p:strVal val="visible"/>
+                                      </p:to>
+                                    </p:set>
+                                    <p:animEffect transition="in" filter="fade">
+                                      <p:cBhvr>
+                                        <p:cTn id="45" dur="500"/>
+                                        <p:tgtEl>
+                                          <p:spTgt spid="45"/>
+                                        </p:tgtEl>
+                                      </p:cBhvr>
+                                    </p:animEffect>
+                                  </p:childTnLst>
+                                </p:cTn>
+                              </p:par>
+                            </p:childTnLst>
+                          </p:cTn>
+                        </p:par>
+                      </p:childTnLst>
+                    </p:cTn>
+                  </p:par>
+                  <p:par>
+                    <p:cTn id="46" fill="hold">
+                      <p:stCondLst>
+                        <p:cond delay="indefinite"/>
+                      </p:stCondLst>
+                      <p:childTnLst>
+                        <p:par>
+                          <p:cTn id="47" fill="hold">
+                            <p:stCondLst>
+                              <p:cond delay="0"/>
+                            </p:stCondLst>
+                            <p:childTnLst>
+                              <p:par>
+                                <p:cTn id="48" presetID="26" presetClass="entr" presetSubtype="0" fill="hold" nodeType="clickEffect">
+                                  <p:stCondLst>
+                                    <p:cond delay="0"/>
+                                  </p:stCondLst>
+                                  <p:childTnLst>
+                                    <p:set>
+                                      <p:cBhvr>
+                                        <p:cTn id="49" dur="1" fill="hold">
+                                          <p:stCondLst>
+                                            <p:cond delay="0"/>
+                                          </p:stCondLst>
+                                        </p:cTn>
+                                        <p:tgtEl>
+                                          <p:spTgt spid="50"/>
+                                        </p:tgtEl>
+                                        <p:attrNameLst>
+                                          <p:attrName>style.visibility</p:attrName>
+                                        </p:attrNameLst>
+                                      </p:cBhvr>
+                                      <p:to>
+                                        <p:strVal val="visible"/>
+                                      </p:to>
+                                    </p:set>
+                                    <p:animEffect transition="in" filter="wipe(down)">
+                                      <p:cBhvr>
+                                        <p:cTn id="50" dur="580">
+                                          <p:stCondLst>
+                                            <p:cond delay="0"/>
+                                          </p:stCondLst>
+                                        </p:cTn>
+                                        <p:tgtEl>
+                                          <p:spTgt spid="50"/>
+                                        </p:tgtEl>
+                                      </p:cBhvr>
+                                    </p:animEffect>
+                                    <p:anim calcmode="lin" valueType="num">
+                                      <p:cBhvr>
+                                        <p:cTn id="51" dur="1822" tmFilter="0,0; 0.14,0.36; 0.43,0.73; 0.71,0.91; 1.0,1.0">
+                                          <p:stCondLst>
+                                            <p:cond delay="0"/>
+                                          </p:stCondLst>
+                                        </p:cTn>
+                                        <p:tgtEl>
+                                          <p:spTgt spid="50"/>
+                                        </p:tgtEl>
+                                        <p:attrNameLst>
+                                          <p:attrName>ppt_x</p:attrName>
+                                        </p:attrNameLst>
+                                      </p:cBhvr>
+                                      <p:tavLst>
+                                        <p:tav tm="0">
+                                          <p:val>
+                                            <p:strVal val="#ppt_x-0.25"/>
+                                          </p:val>
+                                        </p:tav>
+                                        <p:tav tm="100000">
+                                          <p:val>
+                                            <p:strVal val="#ppt_x"/>
+                                          </p:val>
+                                        </p:tav>
+                                      </p:tavLst>
+                                    </p:anim>
+                                    <p:anim calcmode="lin" valueType="num">
+                                      <p:cBhvr>
+                                        <p:cTn id="52" dur="664" tmFilter="0.0,0.0; 0.25,0.07; 0.50,0.2; 0.75,0.467; 1.0,1.0">
+                                          <p:stCondLst>
+                                            <p:cond delay="0"/>
+                                          </p:stCondLst>
+                                        </p:cTn>
+                                        <p:tgtEl>
+                                          <p:spTgt spid="50"/>
+                                        </p:tgtEl>
+                                        <p:attrNameLst>
+                                          <p:attrName>ppt_y</p:attrName>
+                                        </p:attrNameLst>
+                                      </p:cBhvr>
+                                      <p:tavLst>
+                                        <p:tav tm="0" fmla="#ppt_y-sin(pi*$)/3">
+                                          <p:val>
+                                            <p:fltVal val="0.5"/>
+                                          </p:val>
+                                        </p:tav>
+                                        <p:tav tm="100000">
+                                          <p:val>
+                                            <p:fltVal val="1"/>
+                                          </p:val>
+                                        </p:tav>
+                                      </p:tavLst>
+                                    </p:anim>
+                                    <p:anim calcmode="lin" valueType="num">
+                                      <p:cBhvr>
+                                        <p:cTn id="53" dur="664" tmFilter="0, 0; 0.125,0.2665; 0.25,0.4; 0.375,0.465; 0.5,0.5;  0.625,0.535; 0.75,0.6; 0.875,0.7335; 1,1">
+                                          <p:stCondLst>
+                                            <p:cond delay="664"/>
+                                          </p:stCondLst>
+                                        </p:cTn>
+                                        <p:tgtEl>
+                                          <p:spTgt spid="50"/>
+                                        </p:tgtEl>
+                                        <p:attrNameLst>
+                                          <p:attrName>ppt_y</p:attrName>
+                                        </p:attrNameLst>
+                                      </p:cBhvr>
+                                      <p:tavLst>
+                                        <p:tav tm="0" fmla="#ppt_y-sin(pi*$)/9">
+                                          <p:val>
+                                            <p:fltVal val="0"/>
+                                          </p:val>
+                                        </p:tav>
+                                        <p:tav tm="100000">
+                                          <p:val>
+                                            <p:fltVal val="1"/>
+                                          </p:val>
+                                        </p:tav>
+                                      </p:tavLst>
+                                    </p:anim>
+                                    <p:anim calcmode="lin" valueType="num">
+                                      <p:cBhvr>
+                                        <p:cTn id="54" dur="332" tmFilter="0, 0; 0.125,0.2665; 0.25,0.4; 0.375,0.465; 0.5,0.5;  0.625,0.535; 0.75,0.6; 0.875,0.7335; 1,1">
+                                          <p:stCondLst>
+                                            <p:cond delay="1324"/>
+                                          </p:stCondLst>
+                                        </p:cTn>
+                                        <p:tgtEl>
+                                          <p:spTgt spid="50"/>
+                                        </p:tgtEl>
+                                        <p:attrNameLst>
+                                          <p:attrName>ppt_y</p:attrName>
+                                        </p:attrNameLst>
+                                      </p:cBhvr>
+                                      <p:tavLst>
+                                        <p:tav tm="0" fmla="#ppt_y-sin(pi*$)/27">
+                                          <p:val>
+                                            <p:fltVal val="0"/>
+                                          </p:val>
+                                        </p:tav>
+                                        <p:tav tm="100000">
+                                          <p:val>
+                                            <p:fltVal val="1"/>
+                                          </p:val>
+                                        </p:tav>
+                                      </p:tavLst>
+                                    </p:anim>
+                                    <p:anim calcmode="lin" valueType="num">
+                                      <p:cBhvr>
+                                        <p:cTn id="55" dur="164" tmFilter="0, 0; 0.125,0.2665; 0.25,0.4; 0.375,0.465; 0.5,0.5;  0.625,0.535; 0.75,0.6; 0.875,0.7335; 1,1">
+                                          <p:stCondLst>
+                                            <p:cond delay="1656"/>
+                                          </p:stCondLst>
+                                        </p:cTn>
+                                        <p:tgtEl>
+                                          <p:spTgt spid="50"/>
+                                        </p:tgtEl>
+                                        <p:attrNameLst>
+                                          <p:attrName>ppt_y</p:attrName>
+                                        </p:attrNameLst>
+                                      </p:cBhvr>
+                                      <p:tavLst>
+                                        <p:tav tm="0" fmla="#ppt_y-sin(pi*$)/81">
+                                          <p:val>
+                                            <p:fltVal val="0"/>
+                                          </p:val>
+                                        </p:tav>
+                                        <p:tav tm="100000">
+                                          <p:val>
+                                            <p:fltVal val="1"/>
+                                          </p:val>
+                                        </p:tav>
+                                      </p:tavLst>
+                                    </p:anim>
+                                    <p:animScale>
+                                      <p:cBhvr>
+                                        <p:cTn id="56" dur="26">
+                                          <p:stCondLst>
+                                            <p:cond delay="650"/>
+                                          </p:stCondLst>
+                                        </p:cTn>
+                                        <p:tgtEl>
+                                          <p:spTgt spid="50"/>
+                                        </p:tgtEl>
+                                      </p:cBhvr>
+                                      <p:to x="100000" y="60000"/>
+                                    </p:animScale>
+                                    <p:animScale>
+                                      <p:cBhvr>
+                                        <p:cTn id="57" dur="166" decel="50000">
+                                          <p:stCondLst>
+                                            <p:cond delay="676"/>
+                                          </p:stCondLst>
+                                        </p:cTn>
+                                        <p:tgtEl>
+                                          <p:spTgt spid="50"/>
+                                        </p:tgtEl>
+                                      </p:cBhvr>
+                                      <p:to x="100000" y="100000"/>
+                                    </p:animScale>
+                                    <p:animScale>
+                                      <p:cBhvr>
+                                        <p:cTn id="58" dur="26">
+                                          <p:stCondLst>
+                                            <p:cond delay="1312"/>
+                                          </p:stCondLst>
+                                        </p:cTn>
+                                        <p:tgtEl>
+                                          <p:spTgt spid="50"/>
+                                        </p:tgtEl>
+                                      </p:cBhvr>
+                                      <p:to x="100000" y="80000"/>
+                                    </p:animScale>
+                                    <p:animScale>
+                                      <p:cBhvr>
+                                        <p:cTn id="59" dur="166" decel="50000">
+                                          <p:stCondLst>
+                                            <p:cond delay="1338"/>
+                                          </p:stCondLst>
+                                        </p:cTn>
+                                        <p:tgtEl>
+                                          <p:spTgt spid="50"/>
+                                        </p:tgtEl>
+                                      </p:cBhvr>
+                                      <p:to x="100000" y="100000"/>
+                                    </p:animScale>
+                                    <p:animScale>
+                                      <p:cBhvr>
+                                        <p:cTn id="60" dur="26">
+                                          <p:stCondLst>
+                                            <p:cond delay="1642"/>
+                                          </p:stCondLst>
+                                        </p:cTn>
+                                        <p:tgtEl>
+                                          <p:spTgt spid="50"/>
+                                        </p:tgtEl>
+                                      </p:cBhvr>
+                                      <p:to x="100000" y="90000"/>
+                                    </p:animScale>
+                                    <p:animScale>
+                                      <p:cBhvr>
+                                        <p:cTn id="61" dur="166" decel="50000">
+                                          <p:stCondLst>
+                                            <p:cond delay="1668"/>
+                                          </p:stCondLst>
+                                        </p:cTn>
+                                        <p:tgtEl>
+                                          <p:spTgt spid="50"/>
+                                        </p:tgtEl>
+                                      </p:cBhvr>
+                                      <p:to x="100000" y="100000"/>
+                                    </p:animScale>
+                                    <p:animScale>
+                                      <p:cBhvr>
+                                        <p:cTn id="62" dur="26">
+                                          <p:stCondLst>
+                                            <p:cond delay="1808"/>
+                                          </p:stCondLst>
+                                        </p:cTn>
+                                        <p:tgtEl>
+                                          <p:spTgt spid="50"/>
+                                        </p:tgtEl>
+                                      </p:cBhvr>
+                                      <p:to x="100000" y="95000"/>
+                                    </p:animScale>
+                                    <p:animScale>
+                                      <p:cBhvr>
+                                        <p:cTn id="63" dur="166" decel="50000">
+                                          <p:stCondLst>
+                                            <p:cond delay="1834"/>
+                                          </p:stCondLst>
+                                        </p:cTn>
+                                        <p:tgtEl>
+                                          <p:spTgt spid="50"/>
+                                        </p:tgtEl>
+                                      </p:cBhvr>
+                                      <p:to x="100000" y="100000"/>
+                                    </p:animScale>
+                                  </p:childTnLst>
+                                </p:cTn>
+                              </p:par>
+                            </p:childTnLst>
+                          </p:cTn>
+                        </p:par>
+                      </p:childTnLst>
+                    </p:cTn>
+                  </p:par>
+                </p:childTnLst>
+              </p:cTn>
+              <p:prevCondLst>
+                <p:cond evt="onPrev" delay="0">
+                  <p:tgtEl>
+                    <p:sldTgt/>
+                  </p:tgtEl>
+                </p:cond>
+              </p:prevCondLst>
+              <p:nextCondLst>
+                <p:cond evt="onNext" delay="0">
+                  <p:tgtEl>
+                    <p:sldTgt/>
+                  </p:tgtEl>
+                </p:cond>
+              </p:nextCondLst>
+            </p:seq>
+          </p:childTnLst>
+        </p:cTn>
       </p:par>
     </p:tnLst>
+    <p:bldLst>
+      <p:bldP spid="2" grpId="0" animBg="1"/>
+      <p:bldP spid="3" grpId="0" animBg="1"/>
+      <p:bldP spid="17" grpId="0" animBg="1"/>
+      <p:bldP spid="27" grpId="0" animBg="1"/>
+      <p:bldP spid="35" grpId="0" animBg="1"/>
+      <p:bldP spid="42" grpId="0" animBg="1"/>
+    </p:bldLst>
   </p:timing>
 </p:sld>
 </file>
@@ -9234,6 +10526,13 @@
       </p:transition>
     </mc:Fallback>
   </mc:AlternateContent>
+  <p:timing>
+    <p:tnLst>
+      <p:par>
+        <p:cTn id="1" dur="indefinite" restart="never" nodeType="tmRoot"/>
+      </p:par>
+    </p:tnLst>
+  </p:timing>
 </p:sld>
 </file>
 
@@ -9955,7 +11254,7 @@
   <a:extraClrSchemeLst/>
   <a:extLst>
     <a:ext uri="{05A4C25C-085E-4340-85A3-A5531E510DB2}">
-      <thm15:themeFamily xmlns="" xmlns:thm15="http://schemas.microsoft.com/office/thememl/2012/main" name="Business strategy presentation" id="{8652783A-F43B-4C47-8F3C-48F967BE0382}" vid="{232EED29-0899-40B2-8969-E379F11A5395}"/>
+      <thm15:themeFamily xmlns:thm15="http://schemas.microsoft.com/office/thememl/2012/main" xmlns="" name="Business strategy presentation" id="{8652783A-F43B-4C47-8F3C-48F967BE0382}" vid="{232EED29-0899-40B2-8969-E379F11A5395}"/>
     </a:ext>
   </a:extLst>
 </a:theme>

--- a/Project Documentation/Demos/Demo 03/Demo 03.pptx
+++ b/Project Documentation/Demos/Demo 03/Demo 03.pptx
@@ -122,7 +122,7 @@
   </p:defaultTextStyle>
   <p:extLst>
     <p:ext uri="{EFAFB233-063F-42B5-8137-9DF3F51BA10A}">
-      <p15:sldGuideLst xmlns:p15="http://schemas.microsoft.com/office/powerpoint/2012/main" xmlns="">
+      <p15:sldGuideLst xmlns:p15="http://schemas.microsoft.com/office/powerpoint/2012/main">
         <p15:guide id="1" orient="horz" pos="2160" userDrawn="1">
           <p15:clr>
             <a:srgbClr val="A4A3A4"/>
@@ -196,7 +196,7 @@
       </p15:sldGuideLst>
     </p:ext>
     <p:ext uri="{2D200454-40CA-4A62-9FC3-DE9A4176ACB9}">
-      <p15:notesGuideLst xmlns:p15="http://schemas.microsoft.com/office/powerpoint/2012/main" xmlns=""/>
+      <p15:notesGuideLst xmlns:p15="http://schemas.microsoft.com/office/powerpoint/2012/main"/>
     </p:ext>
   </p:extLst>
 </p:presentation>
@@ -1420,8 +1420,8 @@
     <dgm:cxn modelId="{1D3CF703-E501-4E1C-A175-0ABEA86722C9}" type="presOf" srcId="{F47371DB-8BEA-432B-ADA0-92D74E0702F9}" destId="{B0AFBA69-F6EE-4B41-94B1-52466432E21A}" srcOrd="0" destOrd="0" presId="urn:microsoft.com/office/officeart/2005/8/layout/process2"/>
     <dgm:cxn modelId="{AA3694B8-C57A-41A5-8AF9-EE6EA4412041}" type="presOf" srcId="{AAD92323-C489-44B1-AC4F-BF3E44649CD1}" destId="{77250FC4-3CD4-4BD3-83CF-DF8D02B9DCB1}" srcOrd="0" destOrd="0" presId="urn:microsoft.com/office/officeart/2005/8/layout/process2"/>
     <dgm:cxn modelId="{9ED44448-A612-415B-9510-0317A3DF62CA}" type="presOf" srcId="{2D947E25-C16B-42FD-80F9-097235D840FE}" destId="{E4E9F33E-FEB6-4B1D-B1CA-32DE732DD70F}" srcOrd="1" destOrd="0" presId="urn:microsoft.com/office/officeart/2005/8/layout/process2"/>
+    <dgm:cxn modelId="{D115FF46-9CA3-4137-A994-3C5C36CCAF32}" type="presOf" srcId="{CBE68F96-89C8-4389-B3B0-A60C07AFA6E6}" destId="{BBD1517F-8595-43FF-B8A2-BFDF5EABC173}" srcOrd="0" destOrd="0" presId="urn:microsoft.com/office/officeart/2005/8/layout/process2"/>
     <dgm:cxn modelId="{87527954-69AA-4C26-8DC2-0CA36D5FE8EA}" srcId="{CBE68F96-89C8-4389-B3B0-A60C07AFA6E6}" destId="{B6B66AB5-6C31-4B5F-93E1-8F76E49BB650}" srcOrd="1" destOrd="0" parTransId="{1D8308EB-D457-4B19-9144-B6BDC74BBD90}" sibTransId="{A45D5F63-C5E3-47F8-AB0E-319C4686FB99}"/>
-    <dgm:cxn modelId="{D115FF46-9CA3-4137-A994-3C5C36CCAF32}" type="presOf" srcId="{CBE68F96-89C8-4389-B3B0-A60C07AFA6E6}" destId="{BBD1517F-8595-43FF-B8A2-BFDF5EABC173}" srcOrd="0" destOrd="0" presId="urn:microsoft.com/office/officeart/2005/8/layout/process2"/>
     <dgm:cxn modelId="{1B729D1A-218D-441F-8AE4-C30C351F3568}" type="presOf" srcId="{1A75F6BB-B0E0-4EE8-9800-137D7E40F05F}" destId="{2AA5EB6B-6F84-481E-A18B-83054F65A1F2}" srcOrd="0" destOrd="0" presId="urn:microsoft.com/office/officeart/2005/8/layout/process2"/>
     <dgm:cxn modelId="{D1E7BF08-1A44-4E9F-944A-F615278ED7DC}" type="presOf" srcId="{D729FD14-48D0-4CC4-9926-F3919B7E762C}" destId="{C6F8793C-44C2-4F66-9B04-8FD07C3AE97D}" srcOrd="1" destOrd="0" presId="urn:microsoft.com/office/officeart/2005/8/layout/process2"/>
     <dgm:cxn modelId="{D74F3D68-B0C7-46F7-8DA0-E768035919B4}" type="presParOf" srcId="{BBD1517F-8595-43FF-B8A2-BFDF5EABC173}" destId="{77250FC4-3CD4-4BD3-83CF-DF8D02B9DCB1}" srcOrd="0" destOrd="0" presId="urn:microsoft.com/office/officeart/2005/8/layout/process2"/>
@@ -1459,830 +1459,6 @@
       <dsp:cNvGrpSpPr/>
     </dsp:nvGrpSpPr>
     <dsp:grpSpPr/>
-    <dsp:sp modelId="{77250FC4-3CD4-4BD3-83CF-DF8D02B9DCB1}">
-      <dsp:nvSpPr>
-        <dsp:cNvPr id="0" name=""/>
-        <dsp:cNvSpPr/>
-      </dsp:nvSpPr>
-      <dsp:spPr>
-        <a:xfrm>
-          <a:off x="107990" y="16023"/>
-          <a:ext cx="1932565" cy="492667"/>
-        </a:xfrm>
-        <a:prstGeom prst="roundRect">
-          <a:avLst>
-            <a:gd name="adj" fmla="val 10000"/>
-          </a:avLst>
-        </a:prstGeom>
-        <a:solidFill>
-          <a:schemeClr val="accent1">
-            <a:hueOff val="0"/>
-            <a:satOff val="0"/>
-            <a:lumOff val="0"/>
-            <a:alphaOff val="0"/>
-          </a:schemeClr>
-        </a:solidFill>
-        <a:ln w="12700" cap="flat" cmpd="sng" algn="ctr">
-          <a:solidFill>
-            <a:schemeClr val="lt1">
-              <a:hueOff val="0"/>
-              <a:satOff val="0"/>
-              <a:lumOff val="0"/>
-              <a:alphaOff val="0"/>
-            </a:schemeClr>
-          </a:solidFill>
-          <a:prstDash val="solid"/>
-          <a:miter lim="800000"/>
-        </a:ln>
-        <a:effectLst/>
-      </dsp:spPr>
-      <dsp:style>
-        <a:lnRef idx="2">
-          <a:scrgbClr r="0" g="0" b="0"/>
-        </a:lnRef>
-        <a:fillRef idx="1">
-          <a:scrgbClr r="0" g="0" b="0"/>
-        </a:fillRef>
-        <a:effectRef idx="0">
-          <a:scrgbClr r="0" g="0" b="0"/>
-        </a:effectRef>
-        <a:fontRef idx="minor">
-          <a:schemeClr val="lt1"/>
-        </a:fontRef>
-      </dsp:style>
-      <dsp:txBody>
-        <a:bodyPr spcFirstLastPara="0" vert="horz" wrap="square" lIns="57150" tIns="57150" rIns="57150" bIns="57150" numCol="1" spcCol="1270" anchor="ctr" anchorCtr="0">
-          <a:noAutofit/>
-        </a:bodyPr>
-        <a:lstStyle/>
-        <a:p>
-          <a:pPr lvl="0" algn="ctr" defTabSz="666750">
-            <a:lnSpc>
-              <a:spcPct val="90000"/>
-            </a:lnSpc>
-            <a:spcBef>
-              <a:spcPct val="0"/>
-            </a:spcBef>
-            <a:spcAft>
-              <a:spcPct val="35000"/>
-            </a:spcAft>
-          </a:pPr>
-          <a:r>
-            <a:rPr lang="en-ZA" sz="1500" kern="1200" dirty="0" smtClean="0"/>
-            <a:t>SRS</a:t>
-          </a:r>
-          <a:endParaRPr lang="en-ZA" sz="1500" kern="1200" dirty="0"/>
-        </a:p>
-      </dsp:txBody>
-      <dsp:txXfrm>
-        <a:off x="122420" y="30453"/>
-        <a:ext cx="1903705" cy="463807"/>
-      </dsp:txXfrm>
-    </dsp:sp>
-    <dsp:sp modelId="{0FA3274E-7887-46B3-8442-535265B3BE97}">
-      <dsp:nvSpPr>
-        <dsp:cNvPr id="0" name=""/>
-        <dsp:cNvSpPr/>
-      </dsp:nvSpPr>
-      <dsp:spPr>
-        <a:xfrm rot="5400000">
-          <a:off x="981898" y="521008"/>
-          <a:ext cx="184750" cy="221700"/>
-        </a:xfrm>
-        <a:prstGeom prst="rightArrow">
-          <a:avLst>
-            <a:gd name="adj1" fmla="val 60000"/>
-            <a:gd name="adj2" fmla="val 50000"/>
-          </a:avLst>
-        </a:prstGeom>
-        <a:solidFill>
-          <a:schemeClr val="accent1">
-            <a:tint val="60000"/>
-            <a:hueOff val="0"/>
-            <a:satOff val="0"/>
-            <a:lumOff val="0"/>
-            <a:alphaOff val="0"/>
-          </a:schemeClr>
-        </a:solidFill>
-        <a:ln>
-          <a:noFill/>
-        </a:ln>
-        <a:effectLst/>
-      </dsp:spPr>
-      <dsp:style>
-        <a:lnRef idx="0">
-          <a:scrgbClr r="0" g="0" b="0"/>
-        </a:lnRef>
-        <a:fillRef idx="1">
-          <a:scrgbClr r="0" g="0" b="0"/>
-        </a:fillRef>
-        <a:effectRef idx="0">
-          <a:scrgbClr r="0" g="0" b="0"/>
-        </a:effectRef>
-        <a:fontRef idx="minor">
-          <a:schemeClr val="lt1"/>
-        </a:fontRef>
-      </dsp:style>
-      <dsp:txBody>
-        <a:bodyPr spcFirstLastPara="0" vert="horz" wrap="square" lIns="0" tIns="0" rIns="0" bIns="0" numCol="1" spcCol="1270" anchor="ctr" anchorCtr="0">
-          <a:noAutofit/>
-        </a:bodyPr>
-        <a:lstStyle/>
-        <a:p>
-          <a:pPr lvl="0" algn="ctr" defTabSz="355600">
-            <a:lnSpc>
-              <a:spcPct val="90000"/>
-            </a:lnSpc>
-            <a:spcBef>
-              <a:spcPct val="0"/>
-            </a:spcBef>
-            <a:spcAft>
-              <a:spcPct val="35000"/>
-            </a:spcAft>
-          </a:pPr>
-          <a:endParaRPr lang="en-ZA" sz="800" kern="1200"/>
-        </a:p>
-      </dsp:txBody>
-      <dsp:txXfrm rot="-5400000">
-        <a:off x="1007764" y="539483"/>
-        <a:ext cx="133020" cy="129325"/>
-      </dsp:txXfrm>
-    </dsp:sp>
-    <dsp:sp modelId="{FB21C287-DDB9-4E6E-8134-F3A4E6900117}">
-      <dsp:nvSpPr>
-        <dsp:cNvPr id="0" name=""/>
-        <dsp:cNvSpPr/>
-      </dsp:nvSpPr>
-      <dsp:spPr>
-        <a:xfrm>
-          <a:off x="107990" y="755025"/>
-          <a:ext cx="1932565" cy="492667"/>
-        </a:xfrm>
-        <a:prstGeom prst="roundRect">
-          <a:avLst>
-            <a:gd name="adj" fmla="val 10000"/>
-          </a:avLst>
-        </a:prstGeom>
-        <a:solidFill>
-          <a:schemeClr val="accent1">
-            <a:hueOff val="0"/>
-            <a:satOff val="0"/>
-            <a:lumOff val="0"/>
-            <a:alphaOff val="0"/>
-          </a:schemeClr>
-        </a:solidFill>
-        <a:ln w="12700" cap="flat" cmpd="sng" algn="ctr">
-          <a:solidFill>
-            <a:schemeClr val="lt1">
-              <a:hueOff val="0"/>
-              <a:satOff val="0"/>
-              <a:lumOff val="0"/>
-              <a:alphaOff val="0"/>
-            </a:schemeClr>
-          </a:solidFill>
-          <a:prstDash val="solid"/>
-          <a:miter lim="800000"/>
-        </a:ln>
-        <a:effectLst/>
-      </dsp:spPr>
-      <dsp:style>
-        <a:lnRef idx="2">
-          <a:scrgbClr r="0" g="0" b="0"/>
-        </a:lnRef>
-        <a:fillRef idx="1">
-          <a:scrgbClr r="0" g="0" b="0"/>
-        </a:fillRef>
-        <a:effectRef idx="0">
-          <a:scrgbClr r="0" g="0" b="0"/>
-        </a:effectRef>
-        <a:fontRef idx="minor">
-          <a:schemeClr val="lt1"/>
-        </a:fontRef>
-      </dsp:style>
-      <dsp:txBody>
-        <a:bodyPr spcFirstLastPara="0" vert="horz" wrap="square" lIns="57150" tIns="57150" rIns="57150" bIns="57150" numCol="1" spcCol="1270" anchor="ctr" anchorCtr="0">
-          <a:noAutofit/>
-        </a:bodyPr>
-        <a:lstStyle/>
-        <a:p>
-          <a:pPr lvl="0" algn="ctr" defTabSz="666750">
-            <a:lnSpc>
-              <a:spcPct val="90000"/>
-            </a:lnSpc>
-            <a:spcBef>
-              <a:spcPct val="0"/>
-            </a:spcBef>
-            <a:spcAft>
-              <a:spcPct val="35000"/>
-            </a:spcAft>
-          </a:pPr>
-          <a:r>
-            <a:rPr lang="en-ZA" sz="1500" kern="1200" dirty="0" smtClean="0"/>
-            <a:t>PSAC</a:t>
-          </a:r>
-          <a:endParaRPr lang="en-ZA" sz="1500" kern="1200" dirty="0"/>
-        </a:p>
-      </dsp:txBody>
-      <dsp:txXfrm>
-        <a:off x="122420" y="769455"/>
-        <a:ext cx="1903705" cy="463807"/>
-      </dsp:txXfrm>
-    </dsp:sp>
-    <dsp:sp modelId="{CD4CD681-E631-4A2A-8903-86E13A46DBBC}">
-      <dsp:nvSpPr>
-        <dsp:cNvPr id="0" name=""/>
-        <dsp:cNvSpPr/>
-      </dsp:nvSpPr>
-      <dsp:spPr>
-        <a:xfrm rot="5400000">
-          <a:off x="981898" y="1260009"/>
-          <a:ext cx="184750" cy="221700"/>
-        </a:xfrm>
-        <a:prstGeom prst="rightArrow">
-          <a:avLst>
-            <a:gd name="adj1" fmla="val 60000"/>
-            <a:gd name="adj2" fmla="val 50000"/>
-          </a:avLst>
-        </a:prstGeom>
-        <a:solidFill>
-          <a:schemeClr val="accent1">
-            <a:tint val="60000"/>
-            <a:hueOff val="0"/>
-            <a:satOff val="0"/>
-            <a:lumOff val="0"/>
-            <a:alphaOff val="0"/>
-          </a:schemeClr>
-        </a:solidFill>
-        <a:ln>
-          <a:noFill/>
-        </a:ln>
-        <a:effectLst/>
-      </dsp:spPr>
-      <dsp:style>
-        <a:lnRef idx="0">
-          <a:scrgbClr r="0" g="0" b="0"/>
-        </a:lnRef>
-        <a:fillRef idx="1">
-          <a:scrgbClr r="0" g="0" b="0"/>
-        </a:fillRef>
-        <a:effectRef idx="0">
-          <a:scrgbClr r="0" g="0" b="0"/>
-        </a:effectRef>
-        <a:fontRef idx="minor">
-          <a:schemeClr val="lt1"/>
-        </a:fontRef>
-      </dsp:style>
-      <dsp:txBody>
-        <a:bodyPr spcFirstLastPara="0" vert="horz" wrap="square" lIns="0" tIns="0" rIns="0" bIns="0" numCol="1" spcCol="1270" anchor="ctr" anchorCtr="0">
-          <a:noAutofit/>
-        </a:bodyPr>
-        <a:lstStyle/>
-        <a:p>
-          <a:pPr lvl="0" algn="ctr" defTabSz="355600">
-            <a:lnSpc>
-              <a:spcPct val="90000"/>
-            </a:lnSpc>
-            <a:spcBef>
-              <a:spcPct val="0"/>
-            </a:spcBef>
-            <a:spcAft>
-              <a:spcPct val="35000"/>
-            </a:spcAft>
-          </a:pPr>
-          <a:endParaRPr lang="en-ZA" sz="800" kern="1200"/>
-        </a:p>
-      </dsp:txBody>
-      <dsp:txXfrm rot="-5400000">
-        <a:off x="1007764" y="1278484"/>
-        <a:ext cx="133020" cy="129325"/>
-      </dsp:txXfrm>
-    </dsp:sp>
-    <dsp:sp modelId="{AAD76F6B-85DD-4996-A1DA-7B3AC0892BDF}">
-      <dsp:nvSpPr>
-        <dsp:cNvPr id="0" name=""/>
-        <dsp:cNvSpPr/>
-      </dsp:nvSpPr>
-      <dsp:spPr>
-        <a:xfrm>
-          <a:off x="107990" y="1494026"/>
-          <a:ext cx="1932565" cy="492667"/>
-        </a:xfrm>
-        <a:prstGeom prst="roundRect">
-          <a:avLst>
-            <a:gd name="adj" fmla="val 10000"/>
-          </a:avLst>
-        </a:prstGeom>
-        <a:solidFill>
-          <a:schemeClr val="accent1">
-            <a:hueOff val="0"/>
-            <a:satOff val="0"/>
-            <a:lumOff val="0"/>
-            <a:alphaOff val="0"/>
-          </a:schemeClr>
-        </a:solidFill>
-        <a:ln w="12700" cap="flat" cmpd="sng" algn="ctr">
-          <a:solidFill>
-            <a:schemeClr val="lt1">
-              <a:hueOff val="0"/>
-              <a:satOff val="0"/>
-              <a:lumOff val="0"/>
-              <a:alphaOff val="0"/>
-            </a:schemeClr>
-          </a:solidFill>
-          <a:prstDash val="solid"/>
-          <a:miter lim="800000"/>
-        </a:ln>
-        <a:effectLst/>
-      </dsp:spPr>
-      <dsp:style>
-        <a:lnRef idx="2">
-          <a:scrgbClr r="0" g="0" b="0"/>
-        </a:lnRef>
-        <a:fillRef idx="1">
-          <a:scrgbClr r="0" g="0" b="0"/>
-        </a:fillRef>
-        <a:effectRef idx="0">
-          <a:scrgbClr r="0" g="0" b="0"/>
-        </a:effectRef>
-        <a:fontRef idx="minor">
-          <a:schemeClr val="lt1"/>
-        </a:fontRef>
-      </dsp:style>
-      <dsp:txBody>
-        <a:bodyPr spcFirstLastPara="0" vert="horz" wrap="square" lIns="57150" tIns="57150" rIns="57150" bIns="57150" numCol="1" spcCol="1270" anchor="ctr" anchorCtr="0">
-          <a:noAutofit/>
-        </a:bodyPr>
-        <a:lstStyle/>
-        <a:p>
-          <a:pPr lvl="0" algn="ctr" defTabSz="666750">
-            <a:lnSpc>
-              <a:spcPct val="90000"/>
-            </a:lnSpc>
-            <a:spcBef>
-              <a:spcPct val="0"/>
-            </a:spcBef>
-            <a:spcAft>
-              <a:spcPct val="35000"/>
-            </a:spcAft>
-          </a:pPr>
-          <a:r>
-            <a:rPr lang="en-ZA" sz="1500" kern="1200" dirty="0" smtClean="0"/>
-            <a:t>SDD</a:t>
-          </a:r>
-          <a:endParaRPr lang="en-ZA" sz="1500" kern="1200" dirty="0"/>
-        </a:p>
-      </dsp:txBody>
-      <dsp:txXfrm>
-        <a:off x="122420" y="1508456"/>
-        <a:ext cx="1903705" cy="463807"/>
-      </dsp:txXfrm>
-    </dsp:sp>
-    <dsp:sp modelId="{6BA4E6BB-2803-441C-AFDF-3F1A3E073117}">
-      <dsp:nvSpPr>
-        <dsp:cNvPr id="0" name=""/>
-        <dsp:cNvSpPr/>
-      </dsp:nvSpPr>
-      <dsp:spPr>
-        <a:xfrm rot="5400000">
-          <a:off x="981898" y="1999011"/>
-          <a:ext cx="184750" cy="221700"/>
-        </a:xfrm>
-        <a:prstGeom prst="rightArrow">
-          <a:avLst>
-            <a:gd name="adj1" fmla="val 60000"/>
-            <a:gd name="adj2" fmla="val 50000"/>
-          </a:avLst>
-        </a:prstGeom>
-        <a:solidFill>
-          <a:schemeClr val="accent1">
-            <a:tint val="60000"/>
-            <a:hueOff val="0"/>
-            <a:satOff val="0"/>
-            <a:lumOff val="0"/>
-            <a:alphaOff val="0"/>
-          </a:schemeClr>
-        </a:solidFill>
-        <a:ln>
-          <a:noFill/>
-        </a:ln>
-        <a:effectLst/>
-      </dsp:spPr>
-      <dsp:style>
-        <a:lnRef idx="0">
-          <a:scrgbClr r="0" g="0" b="0"/>
-        </a:lnRef>
-        <a:fillRef idx="1">
-          <a:scrgbClr r="0" g="0" b="0"/>
-        </a:fillRef>
-        <a:effectRef idx="0">
-          <a:scrgbClr r="0" g="0" b="0"/>
-        </a:effectRef>
-        <a:fontRef idx="minor">
-          <a:schemeClr val="lt1"/>
-        </a:fontRef>
-      </dsp:style>
-      <dsp:txBody>
-        <a:bodyPr spcFirstLastPara="0" vert="horz" wrap="square" lIns="0" tIns="0" rIns="0" bIns="0" numCol="1" spcCol="1270" anchor="ctr" anchorCtr="0">
-          <a:noAutofit/>
-        </a:bodyPr>
-        <a:lstStyle/>
-        <a:p>
-          <a:pPr lvl="0" algn="ctr" defTabSz="355600">
-            <a:lnSpc>
-              <a:spcPct val="90000"/>
-            </a:lnSpc>
-            <a:spcBef>
-              <a:spcPct val="0"/>
-            </a:spcBef>
-            <a:spcAft>
-              <a:spcPct val="35000"/>
-            </a:spcAft>
-          </a:pPr>
-          <a:endParaRPr lang="en-ZA" sz="800" kern="1200"/>
-        </a:p>
-      </dsp:txBody>
-      <dsp:txXfrm rot="-5400000">
-        <a:off x="1007764" y="2017486"/>
-        <a:ext cx="133020" cy="129325"/>
-      </dsp:txXfrm>
-    </dsp:sp>
-    <dsp:sp modelId="{732916D8-68AD-487E-AEC1-35EF61FAD896}">
-      <dsp:nvSpPr>
-        <dsp:cNvPr id="0" name=""/>
-        <dsp:cNvSpPr/>
-      </dsp:nvSpPr>
-      <dsp:spPr>
-        <a:xfrm>
-          <a:off x="107990" y="2233028"/>
-          <a:ext cx="1932565" cy="492667"/>
-        </a:xfrm>
-        <a:prstGeom prst="roundRect">
-          <a:avLst>
-            <a:gd name="adj" fmla="val 10000"/>
-          </a:avLst>
-        </a:prstGeom>
-        <a:solidFill>
-          <a:schemeClr val="accent1">
-            <a:hueOff val="0"/>
-            <a:satOff val="0"/>
-            <a:lumOff val="0"/>
-            <a:alphaOff val="0"/>
-          </a:schemeClr>
-        </a:solidFill>
-        <a:ln w="12700" cap="flat" cmpd="sng" algn="ctr">
-          <a:solidFill>
-            <a:schemeClr val="lt1">
-              <a:hueOff val="0"/>
-              <a:satOff val="0"/>
-              <a:lumOff val="0"/>
-              <a:alphaOff val="0"/>
-            </a:schemeClr>
-          </a:solidFill>
-          <a:prstDash val="solid"/>
-          <a:miter lim="800000"/>
-        </a:ln>
-        <a:effectLst/>
-      </dsp:spPr>
-      <dsp:style>
-        <a:lnRef idx="2">
-          <a:scrgbClr r="0" g="0" b="0"/>
-        </a:lnRef>
-        <a:fillRef idx="1">
-          <a:scrgbClr r="0" g="0" b="0"/>
-        </a:fillRef>
-        <a:effectRef idx="0">
-          <a:scrgbClr r="0" g="0" b="0"/>
-        </a:effectRef>
-        <a:fontRef idx="minor">
-          <a:schemeClr val="lt1"/>
-        </a:fontRef>
-      </dsp:style>
-      <dsp:txBody>
-        <a:bodyPr spcFirstLastPara="0" vert="horz" wrap="square" lIns="57150" tIns="57150" rIns="57150" bIns="57150" numCol="1" spcCol="1270" anchor="ctr" anchorCtr="0">
-          <a:noAutofit/>
-        </a:bodyPr>
-        <a:lstStyle/>
-        <a:p>
-          <a:pPr lvl="0" algn="ctr" defTabSz="666750">
-            <a:lnSpc>
-              <a:spcPct val="90000"/>
-            </a:lnSpc>
-            <a:spcBef>
-              <a:spcPct val="0"/>
-            </a:spcBef>
-            <a:spcAft>
-              <a:spcPct val="35000"/>
-            </a:spcAft>
-          </a:pPr>
-          <a:r>
-            <a:rPr lang="en-ZA" sz="1500" kern="1200" dirty="0" smtClean="0"/>
-            <a:t>Coding</a:t>
-          </a:r>
-        </a:p>
-      </dsp:txBody>
-      <dsp:txXfrm>
-        <a:off x="122420" y="2247458"/>
-        <a:ext cx="1903705" cy="463807"/>
-      </dsp:txXfrm>
-    </dsp:sp>
-    <dsp:sp modelId="{2354E252-F4A1-4619-87D5-32227FCB99F2}">
-      <dsp:nvSpPr>
-        <dsp:cNvPr id="0" name=""/>
-        <dsp:cNvSpPr/>
-      </dsp:nvSpPr>
-      <dsp:spPr>
-        <a:xfrm rot="5400000">
-          <a:off x="981898" y="2738012"/>
-          <a:ext cx="184750" cy="221700"/>
-        </a:xfrm>
-        <a:prstGeom prst="rightArrow">
-          <a:avLst>
-            <a:gd name="adj1" fmla="val 60000"/>
-            <a:gd name="adj2" fmla="val 50000"/>
-          </a:avLst>
-        </a:prstGeom>
-        <a:solidFill>
-          <a:schemeClr val="accent1">
-            <a:tint val="60000"/>
-            <a:hueOff val="0"/>
-            <a:satOff val="0"/>
-            <a:lumOff val="0"/>
-            <a:alphaOff val="0"/>
-          </a:schemeClr>
-        </a:solidFill>
-        <a:ln>
-          <a:noFill/>
-        </a:ln>
-        <a:effectLst/>
-      </dsp:spPr>
-      <dsp:style>
-        <a:lnRef idx="0">
-          <a:scrgbClr r="0" g="0" b="0"/>
-        </a:lnRef>
-        <a:fillRef idx="1">
-          <a:scrgbClr r="0" g="0" b="0"/>
-        </a:fillRef>
-        <a:effectRef idx="0">
-          <a:scrgbClr r="0" g="0" b="0"/>
-        </a:effectRef>
-        <a:fontRef idx="minor">
-          <a:schemeClr val="lt1"/>
-        </a:fontRef>
-      </dsp:style>
-      <dsp:txBody>
-        <a:bodyPr spcFirstLastPara="0" vert="horz" wrap="square" lIns="0" tIns="0" rIns="0" bIns="0" numCol="1" spcCol="1270" anchor="ctr" anchorCtr="0">
-          <a:noAutofit/>
-        </a:bodyPr>
-        <a:lstStyle/>
-        <a:p>
-          <a:pPr lvl="0" algn="ctr" defTabSz="355600">
-            <a:lnSpc>
-              <a:spcPct val="90000"/>
-            </a:lnSpc>
-            <a:spcBef>
-              <a:spcPct val="0"/>
-            </a:spcBef>
-            <a:spcAft>
-              <a:spcPct val="35000"/>
-            </a:spcAft>
-          </a:pPr>
-          <a:endParaRPr lang="en-ZA" sz="800" kern="1200"/>
-        </a:p>
-      </dsp:txBody>
-      <dsp:txXfrm rot="-5400000">
-        <a:off x="1007764" y="2756487"/>
-        <a:ext cx="133020" cy="129325"/>
-      </dsp:txXfrm>
-    </dsp:sp>
-    <dsp:sp modelId="{2AA5EB6B-6F84-481E-A18B-83054F65A1F2}">
-      <dsp:nvSpPr>
-        <dsp:cNvPr id="0" name=""/>
-        <dsp:cNvSpPr/>
-      </dsp:nvSpPr>
-      <dsp:spPr>
-        <a:xfrm>
-          <a:off x="107990" y="2972029"/>
-          <a:ext cx="1932565" cy="492667"/>
-        </a:xfrm>
-        <a:prstGeom prst="roundRect">
-          <a:avLst>
-            <a:gd name="adj" fmla="val 10000"/>
-          </a:avLst>
-        </a:prstGeom>
-        <a:solidFill>
-          <a:schemeClr val="accent1">
-            <a:hueOff val="0"/>
-            <a:satOff val="0"/>
-            <a:lumOff val="0"/>
-            <a:alphaOff val="0"/>
-          </a:schemeClr>
-        </a:solidFill>
-        <a:ln w="12700" cap="flat" cmpd="sng" algn="ctr">
-          <a:solidFill>
-            <a:schemeClr val="lt1">
-              <a:hueOff val="0"/>
-              <a:satOff val="0"/>
-              <a:lumOff val="0"/>
-              <a:alphaOff val="0"/>
-            </a:schemeClr>
-          </a:solidFill>
-          <a:prstDash val="solid"/>
-          <a:miter lim="800000"/>
-        </a:ln>
-        <a:effectLst/>
-      </dsp:spPr>
-      <dsp:style>
-        <a:lnRef idx="2">
-          <a:scrgbClr r="0" g="0" b="0"/>
-        </a:lnRef>
-        <a:fillRef idx="1">
-          <a:scrgbClr r="0" g="0" b="0"/>
-        </a:fillRef>
-        <a:effectRef idx="0">
-          <a:scrgbClr r="0" g="0" b="0"/>
-        </a:effectRef>
-        <a:fontRef idx="minor">
-          <a:schemeClr val="lt1"/>
-        </a:fontRef>
-      </dsp:style>
-      <dsp:txBody>
-        <a:bodyPr spcFirstLastPara="0" vert="horz" wrap="square" lIns="57150" tIns="57150" rIns="57150" bIns="57150" numCol="1" spcCol="1270" anchor="ctr" anchorCtr="0">
-          <a:noAutofit/>
-        </a:bodyPr>
-        <a:lstStyle/>
-        <a:p>
-          <a:pPr lvl="0" algn="ctr" defTabSz="666750">
-            <a:lnSpc>
-              <a:spcPct val="90000"/>
-            </a:lnSpc>
-            <a:spcBef>
-              <a:spcPct val="0"/>
-            </a:spcBef>
-            <a:spcAft>
-              <a:spcPct val="35000"/>
-            </a:spcAft>
-          </a:pPr>
-          <a:r>
-            <a:rPr lang="en-ZA" sz="1500" kern="1200" smtClean="0"/>
-            <a:t>Testing &amp; ATP</a:t>
-          </a:r>
-          <a:endParaRPr lang="en-ZA" sz="1500" kern="1200" dirty="0"/>
-        </a:p>
-      </dsp:txBody>
-      <dsp:txXfrm>
-        <a:off x="122420" y="2986459"/>
-        <a:ext cx="1903705" cy="463807"/>
-      </dsp:txXfrm>
-    </dsp:sp>
-    <dsp:sp modelId="{AD0CCC23-1F57-49C7-B76F-B4723BE73D69}">
-      <dsp:nvSpPr>
-        <dsp:cNvPr id="0" name=""/>
-        <dsp:cNvSpPr/>
-      </dsp:nvSpPr>
-      <dsp:spPr>
-        <a:xfrm rot="5400000">
-          <a:off x="1005189" y="3445959"/>
-          <a:ext cx="138169" cy="221700"/>
-        </a:xfrm>
-        <a:prstGeom prst="rightArrow">
-          <a:avLst>
-            <a:gd name="adj1" fmla="val 60000"/>
-            <a:gd name="adj2" fmla="val 50000"/>
-          </a:avLst>
-        </a:prstGeom>
-        <a:solidFill>
-          <a:schemeClr val="accent1">
-            <a:tint val="60000"/>
-            <a:hueOff val="0"/>
-            <a:satOff val="0"/>
-            <a:lumOff val="0"/>
-            <a:alphaOff val="0"/>
-          </a:schemeClr>
-        </a:solidFill>
-        <a:ln>
-          <a:noFill/>
-        </a:ln>
-        <a:effectLst/>
-      </dsp:spPr>
-      <dsp:style>
-        <a:lnRef idx="0">
-          <a:scrgbClr r="0" g="0" b="0"/>
-        </a:lnRef>
-        <a:fillRef idx="1">
-          <a:scrgbClr r="0" g="0" b="0"/>
-        </a:fillRef>
-        <a:effectRef idx="0">
-          <a:scrgbClr r="0" g="0" b="0"/>
-        </a:effectRef>
-        <a:fontRef idx="minor">
-          <a:schemeClr val="lt1"/>
-        </a:fontRef>
-      </dsp:style>
-      <dsp:txBody>
-        <a:bodyPr spcFirstLastPara="0" vert="horz" wrap="square" lIns="0" tIns="0" rIns="0" bIns="0" numCol="1" spcCol="1270" anchor="ctr" anchorCtr="0">
-          <a:noAutofit/>
-        </a:bodyPr>
-        <a:lstStyle/>
-        <a:p>
-          <a:pPr lvl="0" algn="ctr" defTabSz="266700">
-            <a:lnSpc>
-              <a:spcPct val="90000"/>
-            </a:lnSpc>
-            <a:spcBef>
-              <a:spcPct val="0"/>
-            </a:spcBef>
-            <a:spcAft>
-              <a:spcPct val="35000"/>
-            </a:spcAft>
-          </a:pPr>
-          <a:endParaRPr lang="en-ZA" sz="600" kern="1200"/>
-        </a:p>
-      </dsp:txBody>
-      <dsp:txXfrm rot="-5400000">
-        <a:off x="1007764" y="3487725"/>
-        <a:ext cx="133020" cy="96718"/>
-      </dsp:txXfrm>
-    </dsp:sp>
-    <dsp:sp modelId="{B0AFBA69-F6EE-4B41-94B1-52466432E21A}">
-      <dsp:nvSpPr>
-        <dsp:cNvPr id="0" name=""/>
-        <dsp:cNvSpPr/>
-      </dsp:nvSpPr>
-      <dsp:spPr>
-        <a:xfrm>
-          <a:off x="107990" y="3648922"/>
-          <a:ext cx="1932565" cy="492667"/>
-        </a:xfrm>
-        <a:prstGeom prst="roundRect">
-          <a:avLst>
-            <a:gd name="adj" fmla="val 10000"/>
-          </a:avLst>
-        </a:prstGeom>
-        <a:solidFill>
-          <a:schemeClr val="accent1">
-            <a:hueOff val="0"/>
-            <a:satOff val="0"/>
-            <a:lumOff val="0"/>
-            <a:alphaOff val="0"/>
-          </a:schemeClr>
-        </a:solidFill>
-        <a:ln w="12700" cap="flat" cmpd="sng" algn="ctr">
-          <a:solidFill>
-            <a:schemeClr val="lt1">
-              <a:hueOff val="0"/>
-              <a:satOff val="0"/>
-              <a:lumOff val="0"/>
-              <a:alphaOff val="0"/>
-            </a:schemeClr>
-          </a:solidFill>
-          <a:prstDash val="solid"/>
-          <a:miter lim="800000"/>
-        </a:ln>
-        <a:effectLst/>
-      </dsp:spPr>
-      <dsp:style>
-        <a:lnRef idx="2">
-          <a:scrgbClr r="0" g="0" b="0"/>
-        </a:lnRef>
-        <a:fillRef idx="1">
-          <a:scrgbClr r="0" g="0" b="0"/>
-        </a:fillRef>
-        <a:effectRef idx="0">
-          <a:scrgbClr r="0" g="0" b="0"/>
-        </a:effectRef>
-        <a:fontRef idx="minor">
-          <a:schemeClr val="lt1"/>
-        </a:fontRef>
-      </dsp:style>
-      <dsp:txBody>
-        <a:bodyPr spcFirstLastPara="0" vert="horz" wrap="square" lIns="57150" tIns="57150" rIns="57150" bIns="57150" numCol="1" spcCol="1270" anchor="ctr" anchorCtr="0">
-          <a:noAutofit/>
-        </a:bodyPr>
-        <a:lstStyle/>
-        <a:p>
-          <a:pPr lvl="0" algn="ctr" defTabSz="666750">
-            <a:lnSpc>
-              <a:spcPct val="90000"/>
-            </a:lnSpc>
-            <a:spcBef>
-              <a:spcPct val="0"/>
-            </a:spcBef>
-            <a:spcAft>
-              <a:spcPct val="35000"/>
-            </a:spcAft>
-          </a:pPr>
-          <a:r>
-            <a:rPr lang="en-ZA" sz="1500" kern="1200" dirty="0" smtClean="0"/>
-            <a:t>Final Documentation</a:t>
-          </a:r>
-          <a:endParaRPr lang="en-ZA" sz="1500" kern="1200" dirty="0"/>
-        </a:p>
-      </dsp:txBody>
-      <dsp:txXfrm>
-        <a:off x="122420" y="3663352"/>
-        <a:ext cx="1903705" cy="463807"/>
-      </dsp:txXfrm>
-    </dsp:sp>
   </dsp:spTree>
 </dsp:drawing>
 </file>
@@ -8355,6 +7531,35 @@
       </p:sp>
       <p:pic>
         <p:nvPicPr>
+          <p:cNvPr id="5" name="Picture 4"/>
+          <p:cNvPicPr>
+            <a:picLocks noChangeAspect="1"/>
+          </p:cNvPicPr>
+          <p:nvPr/>
+        </p:nvPicPr>
+        <p:blipFill rotWithShape="1">
+          <a:blip r:embed="rId2">
+            <a:extLst>
+              <a:ext uri="{28A0092B-C50C-407E-A947-70E740481C1C}">
+                <a14:useLocalDpi xmlns:a14="http://schemas.microsoft.com/office/drawing/2010/main" val="0"/>
+              </a:ext>
+            </a:extLst>
+          </a:blip>
+          <a:srcRect l="4706" t="11548" r="2353" b="3280"/>
+          <a:stretch/>
+        </p:blipFill>
+        <p:spPr>
+          <a:xfrm>
+            <a:off x="467544" y="1268760"/>
+            <a:ext cx="6749224" cy="5040560"/>
+          </a:xfrm>
+          <a:prstGeom prst="rect">
+            <a:avLst/>
+          </a:prstGeom>
+        </p:spPr>
+      </p:pic>
+      <p:pic>
+        <p:nvPicPr>
           <p:cNvPr id="8" name="Picture 7"/>
           <p:cNvPicPr>
             <a:picLocks noChangeAspect="1"/>
@@ -8362,7 +7567,7 @@
           <p:nvPr/>
         </p:nvPicPr>
         <p:blipFill>
-          <a:blip r:embed="rId2" cstate="print">
+          <a:blip r:embed="rId3" cstate="print">
             <a:extLst>
               <a:ext uri="{28A0092B-C50C-407E-A947-70E740481C1C}">
                 <a14:useLocalDpi xmlns:a14="http://schemas.microsoft.com/office/drawing/2010/main" val="0"/>
@@ -8391,55 +7596,83 @@
       </p:pic>
       <p:sp>
         <p:nvSpPr>
-          <p:cNvPr id="9" name="Title 1"/>
-          <p:cNvSpPr txBox="1">
-            <a:spLocks/>
-          </p:cNvSpPr>
+          <p:cNvPr id="7" name="TextBox 6"/>
+          <p:cNvSpPr txBox="1"/>
           <p:nvPr/>
         </p:nvSpPr>
-        <p:spPr bwMode="auto">
+        <p:spPr>
           <a:xfrm>
-            <a:off x="899592" y="2780928"/>
-            <a:ext cx="6516798" cy="1872208"/>
+            <a:off x="539552" y="2495509"/>
+            <a:ext cx="5976664" cy="1938992"/>
           </a:xfrm>
           <a:prstGeom prst="rect">
             <a:avLst/>
           </a:prstGeom>
+          <a:gradFill flip="none" rotWithShape="1">
+            <a:gsLst>
+              <a:gs pos="0">
+                <a:schemeClr val="accent1">
+                  <a:tint val="66000"/>
+                  <a:satMod val="160000"/>
+                </a:schemeClr>
+              </a:gs>
+              <a:gs pos="50000">
+                <a:schemeClr val="accent1">
+                  <a:tint val="44500"/>
+                  <a:satMod val="160000"/>
+                </a:schemeClr>
+              </a:gs>
+              <a:gs pos="100000">
+                <a:schemeClr val="accent1">
+                  <a:tint val="23500"/>
+                  <a:satMod val="160000"/>
+                </a:schemeClr>
+              </a:gs>
+            </a:gsLst>
+            <a:lin ang="5400000" scaled="1"/>
+            <a:tileRect/>
+          </a:gradFill>
+          <a:ln>
+            <a:solidFill>
+              <a:schemeClr val="bg2"/>
+            </a:solidFill>
+          </a:ln>
         </p:spPr>
         <p:txBody>
-          <a:bodyPr vert="horz" lIns="91440" tIns="45720" rIns="91440" bIns="45720" rtlCol="0" anchor="b">
-            <a:noAutofit/>
+          <a:bodyPr wrap="square" rtlCol="0" anchor="ctr" anchorCtr="1">
+            <a:spAutoFit/>
           </a:bodyPr>
-          <a:lstStyle>
-            <a:lvl1pPr algn="l" defTabSz="914400" rtl="0" eaLnBrk="1" latinLnBrk="0" hangingPunct="1">
-              <a:lnSpc>
-                <a:spcPct val="80000"/>
-              </a:lnSpc>
-              <a:spcBef>
-                <a:spcPct val="0"/>
-              </a:spcBef>
-              <a:buNone/>
-              <a:defRPr sz="3600" b="1" kern="1200">
-                <a:solidFill>
-                  <a:schemeClr val="accent1"/>
-                </a:solidFill>
-                <a:latin typeface="+mj-lt"/>
-                <a:ea typeface="+mj-ea"/>
-                <a:cs typeface="+mj-cs"/>
-              </a:defRPr>
-            </a:lvl1pPr>
-          </a:lstStyle>
-          <a:p>
-            <a:pPr marL="571500" indent="-571500">
-              <a:buFont typeface="Arial" pitchFamily="34" charset="0"/>
-              <a:buChar char="•"/>
-            </a:pPr>
-            <a:r>
-              <a:rPr lang="en-ZA" sz="2400" dirty="0" smtClean="0">
-                <a:latin typeface="+mj-lt"/>
-              </a:rPr>
-              <a:t>David’s slide</a:t>
-            </a:r>
+          <a:lstStyle/>
+          <a:p>
+            <a:r>
+              <a:rPr lang="en-ZA" dirty="0" err="1" smtClean="0"/>
+              <a:t>GroupChatStorage</a:t>
+            </a:r>
+            <a:r>
+              <a:rPr lang="en-ZA" dirty="0" smtClean="0"/>
+              <a:t> Interface</a:t>
+            </a:r>
+          </a:p>
+          <a:p>
+            <a:endParaRPr lang="en-ZA" dirty="0"/>
+          </a:p>
+          <a:p>
+            <a:r>
+              <a:rPr lang="en-ZA" dirty="0" smtClean="0"/>
+              <a:t>Getters and Setters</a:t>
+            </a:r>
+          </a:p>
+          <a:p>
+            <a:endParaRPr lang="en-ZA" dirty="0"/>
+          </a:p>
+          <a:p>
+            <a:endParaRPr lang="en-ZA" dirty="0" smtClean="0"/>
+          </a:p>
+          <a:p>
+            <a:endParaRPr lang="en-ZA" dirty="0"/>
+          </a:p>
+          <a:p>
+            <a:endParaRPr lang="en-ZA" sz="1200" dirty="0" smtClean="0"/>
           </a:p>
         </p:txBody>
       </p:sp>
@@ -11254,7 +10487,7 @@
   <a:extraClrSchemeLst/>
   <a:extLst>
     <a:ext uri="{05A4C25C-085E-4340-85A3-A5531E510DB2}">
-      <thm15:themeFamily xmlns:thm15="http://schemas.microsoft.com/office/thememl/2012/main" xmlns="" name="Business strategy presentation" id="{8652783A-F43B-4C47-8F3C-48F967BE0382}" vid="{232EED29-0899-40B2-8969-E379F11A5395}"/>
+      <thm15:themeFamily xmlns:thm15="http://schemas.microsoft.com/office/thememl/2012/main" name="Business strategy presentation" id="{8652783A-F43B-4C47-8F3C-48F967BE0382}" vid="{232EED29-0899-40B2-8969-E379F11A5395}"/>
     </a:ext>
   </a:extLst>
 </a:theme>

--- a/Project Documentation/Demos/Demo 03/Demo 03.pptx
+++ b/Project Documentation/Demos/Demo 03/Demo 03.pptx
@@ -1420,8 +1420,8 @@
     <dgm:cxn modelId="{1D3CF703-E501-4E1C-A175-0ABEA86722C9}" type="presOf" srcId="{F47371DB-8BEA-432B-ADA0-92D74E0702F9}" destId="{B0AFBA69-F6EE-4B41-94B1-52466432E21A}" srcOrd="0" destOrd="0" presId="urn:microsoft.com/office/officeart/2005/8/layout/process2"/>
     <dgm:cxn modelId="{AA3694B8-C57A-41A5-8AF9-EE6EA4412041}" type="presOf" srcId="{AAD92323-C489-44B1-AC4F-BF3E44649CD1}" destId="{77250FC4-3CD4-4BD3-83CF-DF8D02B9DCB1}" srcOrd="0" destOrd="0" presId="urn:microsoft.com/office/officeart/2005/8/layout/process2"/>
     <dgm:cxn modelId="{9ED44448-A612-415B-9510-0317A3DF62CA}" type="presOf" srcId="{2D947E25-C16B-42FD-80F9-097235D840FE}" destId="{E4E9F33E-FEB6-4B1D-B1CA-32DE732DD70F}" srcOrd="1" destOrd="0" presId="urn:microsoft.com/office/officeart/2005/8/layout/process2"/>
+    <dgm:cxn modelId="{87527954-69AA-4C26-8DC2-0CA36D5FE8EA}" srcId="{CBE68F96-89C8-4389-B3B0-A60C07AFA6E6}" destId="{B6B66AB5-6C31-4B5F-93E1-8F76E49BB650}" srcOrd="1" destOrd="0" parTransId="{1D8308EB-D457-4B19-9144-B6BDC74BBD90}" sibTransId="{A45D5F63-C5E3-47F8-AB0E-319C4686FB99}"/>
     <dgm:cxn modelId="{D115FF46-9CA3-4137-A994-3C5C36CCAF32}" type="presOf" srcId="{CBE68F96-89C8-4389-B3B0-A60C07AFA6E6}" destId="{BBD1517F-8595-43FF-B8A2-BFDF5EABC173}" srcOrd="0" destOrd="0" presId="urn:microsoft.com/office/officeart/2005/8/layout/process2"/>
-    <dgm:cxn modelId="{87527954-69AA-4C26-8DC2-0CA36D5FE8EA}" srcId="{CBE68F96-89C8-4389-B3B0-A60C07AFA6E6}" destId="{B6B66AB5-6C31-4B5F-93E1-8F76E49BB650}" srcOrd="1" destOrd="0" parTransId="{1D8308EB-D457-4B19-9144-B6BDC74BBD90}" sibTransId="{A45D5F63-C5E3-47F8-AB0E-319C4686FB99}"/>
     <dgm:cxn modelId="{1B729D1A-218D-441F-8AE4-C30C351F3568}" type="presOf" srcId="{1A75F6BB-B0E0-4EE8-9800-137D7E40F05F}" destId="{2AA5EB6B-6F84-481E-A18B-83054F65A1F2}" srcOrd="0" destOrd="0" presId="urn:microsoft.com/office/officeart/2005/8/layout/process2"/>
     <dgm:cxn modelId="{D1E7BF08-1A44-4E9F-944A-F615278ED7DC}" type="presOf" srcId="{D729FD14-48D0-4CC4-9926-F3919B7E762C}" destId="{C6F8793C-44C2-4F66-9B04-8FD07C3AE97D}" srcOrd="1" destOrd="0" presId="urn:microsoft.com/office/officeart/2005/8/layout/process2"/>
     <dgm:cxn modelId="{D74F3D68-B0C7-46F7-8DA0-E768035919B4}" type="presParOf" srcId="{BBD1517F-8595-43FF-B8A2-BFDF5EABC173}" destId="{77250FC4-3CD4-4BD3-83CF-DF8D02B9DCB1}" srcOrd="0" destOrd="0" presId="urn:microsoft.com/office/officeart/2005/8/layout/process2"/>
@@ -1459,6 +1459,830 @@
       <dsp:cNvGrpSpPr/>
     </dsp:nvGrpSpPr>
     <dsp:grpSpPr/>
+    <dsp:sp modelId="{77250FC4-3CD4-4BD3-83CF-DF8D02B9DCB1}">
+      <dsp:nvSpPr>
+        <dsp:cNvPr id="0" name=""/>
+        <dsp:cNvSpPr/>
+      </dsp:nvSpPr>
+      <dsp:spPr>
+        <a:xfrm>
+          <a:off x="107990" y="16023"/>
+          <a:ext cx="1932565" cy="492667"/>
+        </a:xfrm>
+        <a:prstGeom prst="roundRect">
+          <a:avLst>
+            <a:gd name="adj" fmla="val 10000"/>
+          </a:avLst>
+        </a:prstGeom>
+        <a:solidFill>
+          <a:schemeClr val="accent1">
+            <a:hueOff val="0"/>
+            <a:satOff val="0"/>
+            <a:lumOff val="0"/>
+            <a:alphaOff val="0"/>
+          </a:schemeClr>
+        </a:solidFill>
+        <a:ln w="12700" cap="flat" cmpd="sng" algn="ctr">
+          <a:solidFill>
+            <a:schemeClr val="lt1">
+              <a:hueOff val="0"/>
+              <a:satOff val="0"/>
+              <a:lumOff val="0"/>
+              <a:alphaOff val="0"/>
+            </a:schemeClr>
+          </a:solidFill>
+          <a:prstDash val="solid"/>
+          <a:miter lim="800000"/>
+        </a:ln>
+        <a:effectLst/>
+      </dsp:spPr>
+      <dsp:style>
+        <a:lnRef idx="2">
+          <a:scrgbClr r="0" g="0" b="0"/>
+        </a:lnRef>
+        <a:fillRef idx="1">
+          <a:scrgbClr r="0" g="0" b="0"/>
+        </a:fillRef>
+        <a:effectRef idx="0">
+          <a:scrgbClr r="0" g="0" b="0"/>
+        </a:effectRef>
+        <a:fontRef idx="minor">
+          <a:schemeClr val="lt1"/>
+        </a:fontRef>
+      </dsp:style>
+      <dsp:txBody>
+        <a:bodyPr spcFirstLastPara="0" vert="horz" wrap="square" lIns="57150" tIns="57150" rIns="57150" bIns="57150" numCol="1" spcCol="1270" anchor="ctr" anchorCtr="0">
+          <a:noAutofit/>
+        </a:bodyPr>
+        <a:lstStyle/>
+        <a:p>
+          <a:pPr lvl="0" algn="ctr" defTabSz="666750">
+            <a:lnSpc>
+              <a:spcPct val="90000"/>
+            </a:lnSpc>
+            <a:spcBef>
+              <a:spcPct val="0"/>
+            </a:spcBef>
+            <a:spcAft>
+              <a:spcPct val="35000"/>
+            </a:spcAft>
+          </a:pPr>
+          <a:r>
+            <a:rPr lang="en-ZA" sz="1500" kern="1200" dirty="0" smtClean="0"/>
+            <a:t>SRS</a:t>
+          </a:r>
+          <a:endParaRPr lang="en-ZA" sz="1500" kern="1200" dirty="0"/>
+        </a:p>
+      </dsp:txBody>
+      <dsp:txXfrm>
+        <a:off x="122420" y="30453"/>
+        <a:ext cx="1903705" cy="463807"/>
+      </dsp:txXfrm>
+    </dsp:sp>
+    <dsp:sp modelId="{0FA3274E-7887-46B3-8442-535265B3BE97}">
+      <dsp:nvSpPr>
+        <dsp:cNvPr id="0" name=""/>
+        <dsp:cNvSpPr/>
+      </dsp:nvSpPr>
+      <dsp:spPr>
+        <a:xfrm rot="5400000">
+          <a:off x="981898" y="521008"/>
+          <a:ext cx="184750" cy="221700"/>
+        </a:xfrm>
+        <a:prstGeom prst="rightArrow">
+          <a:avLst>
+            <a:gd name="adj1" fmla="val 60000"/>
+            <a:gd name="adj2" fmla="val 50000"/>
+          </a:avLst>
+        </a:prstGeom>
+        <a:solidFill>
+          <a:schemeClr val="accent1">
+            <a:tint val="60000"/>
+            <a:hueOff val="0"/>
+            <a:satOff val="0"/>
+            <a:lumOff val="0"/>
+            <a:alphaOff val="0"/>
+          </a:schemeClr>
+        </a:solidFill>
+        <a:ln>
+          <a:noFill/>
+        </a:ln>
+        <a:effectLst/>
+      </dsp:spPr>
+      <dsp:style>
+        <a:lnRef idx="0">
+          <a:scrgbClr r="0" g="0" b="0"/>
+        </a:lnRef>
+        <a:fillRef idx="1">
+          <a:scrgbClr r="0" g="0" b="0"/>
+        </a:fillRef>
+        <a:effectRef idx="0">
+          <a:scrgbClr r="0" g="0" b="0"/>
+        </a:effectRef>
+        <a:fontRef idx="minor">
+          <a:schemeClr val="lt1"/>
+        </a:fontRef>
+      </dsp:style>
+      <dsp:txBody>
+        <a:bodyPr spcFirstLastPara="0" vert="horz" wrap="square" lIns="0" tIns="0" rIns="0" bIns="0" numCol="1" spcCol="1270" anchor="ctr" anchorCtr="0">
+          <a:noAutofit/>
+        </a:bodyPr>
+        <a:lstStyle/>
+        <a:p>
+          <a:pPr lvl="0" algn="ctr" defTabSz="355600">
+            <a:lnSpc>
+              <a:spcPct val="90000"/>
+            </a:lnSpc>
+            <a:spcBef>
+              <a:spcPct val="0"/>
+            </a:spcBef>
+            <a:spcAft>
+              <a:spcPct val="35000"/>
+            </a:spcAft>
+          </a:pPr>
+          <a:endParaRPr lang="en-ZA" sz="800" kern="1200"/>
+        </a:p>
+      </dsp:txBody>
+      <dsp:txXfrm rot="-5400000">
+        <a:off x="1007764" y="539483"/>
+        <a:ext cx="133020" cy="129325"/>
+      </dsp:txXfrm>
+    </dsp:sp>
+    <dsp:sp modelId="{FB21C287-DDB9-4E6E-8134-F3A4E6900117}">
+      <dsp:nvSpPr>
+        <dsp:cNvPr id="0" name=""/>
+        <dsp:cNvSpPr/>
+      </dsp:nvSpPr>
+      <dsp:spPr>
+        <a:xfrm>
+          <a:off x="107990" y="755025"/>
+          <a:ext cx="1932565" cy="492667"/>
+        </a:xfrm>
+        <a:prstGeom prst="roundRect">
+          <a:avLst>
+            <a:gd name="adj" fmla="val 10000"/>
+          </a:avLst>
+        </a:prstGeom>
+        <a:solidFill>
+          <a:schemeClr val="accent1">
+            <a:hueOff val="0"/>
+            <a:satOff val="0"/>
+            <a:lumOff val="0"/>
+            <a:alphaOff val="0"/>
+          </a:schemeClr>
+        </a:solidFill>
+        <a:ln w="12700" cap="flat" cmpd="sng" algn="ctr">
+          <a:solidFill>
+            <a:schemeClr val="lt1">
+              <a:hueOff val="0"/>
+              <a:satOff val="0"/>
+              <a:lumOff val="0"/>
+              <a:alphaOff val="0"/>
+            </a:schemeClr>
+          </a:solidFill>
+          <a:prstDash val="solid"/>
+          <a:miter lim="800000"/>
+        </a:ln>
+        <a:effectLst/>
+      </dsp:spPr>
+      <dsp:style>
+        <a:lnRef idx="2">
+          <a:scrgbClr r="0" g="0" b="0"/>
+        </a:lnRef>
+        <a:fillRef idx="1">
+          <a:scrgbClr r="0" g="0" b="0"/>
+        </a:fillRef>
+        <a:effectRef idx="0">
+          <a:scrgbClr r="0" g="0" b="0"/>
+        </a:effectRef>
+        <a:fontRef idx="minor">
+          <a:schemeClr val="lt1"/>
+        </a:fontRef>
+      </dsp:style>
+      <dsp:txBody>
+        <a:bodyPr spcFirstLastPara="0" vert="horz" wrap="square" lIns="57150" tIns="57150" rIns="57150" bIns="57150" numCol="1" spcCol="1270" anchor="ctr" anchorCtr="0">
+          <a:noAutofit/>
+        </a:bodyPr>
+        <a:lstStyle/>
+        <a:p>
+          <a:pPr lvl="0" algn="ctr" defTabSz="666750">
+            <a:lnSpc>
+              <a:spcPct val="90000"/>
+            </a:lnSpc>
+            <a:spcBef>
+              <a:spcPct val="0"/>
+            </a:spcBef>
+            <a:spcAft>
+              <a:spcPct val="35000"/>
+            </a:spcAft>
+          </a:pPr>
+          <a:r>
+            <a:rPr lang="en-ZA" sz="1500" kern="1200" dirty="0" smtClean="0"/>
+            <a:t>PSAC</a:t>
+          </a:r>
+          <a:endParaRPr lang="en-ZA" sz="1500" kern="1200" dirty="0"/>
+        </a:p>
+      </dsp:txBody>
+      <dsp:txXfrm>
+        <a:off x="122420" y="769455"/>
+        <a:ext cx="1903705" cy="463807"/>
+      </dsp:txXfrm>
+    </dsp:sp>
+    <dsp:sp modelId="{CD4CD681-E631-4A2A-8903-86E13A46DBBC}">
+      <dsp:nvSpPr>
+        <dsp:cNvPr id="0" name=""/>
+        <dsp:cNvSpPr/>
+      </dsp:nvSpPr>
+      <dsp:spPr>
+        <a:xfrm rot="5400000">
+          <a:off x="981898" y="1260009"/>
+          <a:ext cx="184750" cy="221700"/>
+        </a:xfrm>
+        <a:prstGeom prst="rightArrow">
+          <a:avLst>
+            <a:gd name="adj1" fmla="val 60000"/>
+            <a:gd name="adj2" fmla="val 50000"/>
+          </a:avLst>
+        </a:prstGeom>
+        <a:solidFill>
+          <a:schemeClr val="accent1">
+            <a:tint val="60000"/>
+            <a:hueOff val="0"/>
+            <a:satOff val="0"/>
+            <a:lumOff val="0"/>
+            <a:alphaOff val="0"/>
+          </a:schemeClr>
+        </a:solidFill>
+        <a:ln>
+          <a:noFill/>
+        </a:ln>
+        <a:effectLst/>
+      </dsp:spPr>
+      <dsp:style>
+        <a:lnRef idx="0">
+          <a:scrgbClr r="0" g="0" b="0"/>
+        </a:lnRef>
+        <a:fillRef idx="1">
+          <a:scrgbClr r="0" g="0" b="0"/>
+        </a:fillRef>
+        <a:effectRef idx="0">
+          <a:scrgbClr r="0" g="0" b="0"/>
+        </a:effectRef>
+        <a:fontRef idx="minor">
+          <a:schemeClr val="lt1"/>
+        </a:fontRef>
+      </dsp:style>
+      <dsp:txBody>
+        <a:bodyPr spcFirstLastPara="0" vert="horz" wrap="square" lIns="0" tIns="0" rIns="0" bIns="0" numCol="1" spcCol="1270" anchor="ctr" anchorCtr="0">
+          <a:noAutofit/>
+        </a:bodyPr>
+        <a:lstStyle/>
+        <a:p>
+          <a:pPr lvl="0" algn="ctr" defTabSz="355600">
+            <a:lnSpc>
+              <a:spcPct val="90000"/>
+            </a:lnSpc>
+            <a:spcBef>
+              <a:spcPct val="0"/>
+            </a:spcBef>
+            <a:spcAft>
+              <a:spcPct val="35000"/>
+            </a:spcAft>
+          </a:pPr>
+          <a:endParaRPr lang="en-ZA" sz="800" kern="1200"/>
+        </a:p>
+      </dsp:txBody>
+      <dsp:txXfrm rot="-5400000">
+        <a:off x="1007764" y="1278484"/>
+        <a:ext cx="133020" cy="129325"/>
+      </dsp:txXfrm>
+    </dsp:sp>
+    <dsp:sp modelId="{AAD76F6B-85DD-4996-A1DA-7B3AC0892BDF}">
+      <dsp:nvSpPr>
+        <dsp:cNvPr id="0" name=""/>
+        <dsp:cNvSpPr/>
+      </dsp:nvSpPr>
+      <dsp:spPr>
+        <a:xfrm>
+          <a:off x="107990" y="1494026"/>
+          <a:ext cx="1932565" cy="492667"/>
+        </a:xfrm>
+        <a:prstGeom prst="roundRect">
+          <a:avLst>
+            <a:gd name="adj" fmla="val 10000"/>
+          </a:avLst>
+        </a:prstGeom>
+        <a:solidFill>
+          <a:schemeClr val="accent1">
+            <a:hueOff val="0"/>
+            <a:satOff val="0"/>
+            <a:lumOff val="0"/>
+            <a:alphaOff val="0"/>
+          </a:schemeClr>
+        </a:solidFill>
+        <a:ln w="12700" cap="flat" cmpd="sng" algn="ctr">
+          <a:solidFill>
+            <a:schemeClr val="lt1">
+              <a:hueOff val="0"/>
+              <a:satOff val="0"/>
+              <a:lumOff val="0"/>
+              <a:alphaOff val="0"/>
+            </a:schemeClr>
+          </a:solidFill>
+          <a:prstDash val="solid"/>
+          <a:miter lim="800000"/>
+        </a:ln>
+        <a:effectLst/>
+      </dsp:spPr>
+      <dsp:style>
+        <a:lnRef idx="2">
+          <a:scrgbClr r="0" g="0" b="0"/>
+        </a:lnRef>
+        <a:fillRef idx="1">
+          <a:scrgbClr r="0" g="0" b="0"/>
+        </a:fillRef>
+        <a:effectRef idx="0">
+          <a:scrgbClr r="0" g="0" b="0"/>
+        </a:effectRef>
+        <a:fontRef idx="minor">
+          <a:schemeClr val="lt1"/>
+        </a:fontRef>
+      </dsp:style>
+      <dsp:txBody>
+        <a:bodyPr spcFirstLastPara="0" vert="horz" wrap="square" lIns="57150" tIns="57150" rIns="57150" bIns="57150" numCol="1" spcCol="1270" anchor="ctr" anchorCtr="0">
+          <a:noAutofit/>
+        </a:bodyPr>
+        <a:lstStyle/>
+        <a:p>
+          <a:pPr lvl="0" algn="ctr" defTabSz="666750">
+            <a:lnSpc>
+              <a:spcPct val="90000"/>
+            </a:lnSpc>
+            <a:spcBef>
+              <a:spcPct val="0"/>
+            </a:spcBef>
+            <a:spcAft>
+              <a:spcPct val="35000"/>
+            </a:spcAft>
+          </a:pPr>
+          <a:r>
+            <a:rPr lang="en-ZA" sz="1500" kern="1200" dirty="0" smtClean="0"/>
+            <a:t>SDD</a:t>
+          </a:r>
+          <a:endParaRPr lang="en-ZA" sz="1500" kern="1200" dirty="0"/>
+        </a:p>
+      </dsp:txBody>
+      <dsp:txXfrm>
+        <a:off x="122420" y="1508456"/>
+        <a:ext cx="1903705" cy="463807"/>
+      </dsp:txXfrm>
+    </dsp:sp>
+    <dsp:sp modelId="{6BA4E6BB-2803-441C-AFDF-3F1A3E073117}">
+      <dsp:nvSpPr>
+        <dsp:cNvPr id="0" name=""/>
+        <dsp:cNvSpPr/>
+      </dsp:nvSpPr>
+      <dsp:spPr>
+        <a:xfrm rot="5400000">
+          <a:off x="981898" y="1999011"/>
+          <a:ext cx="184750" cy="221700"/>
+        </a:xfrm>
+        <a:prstGeom prst="rightArrow">
+          <a:avLst>
+            <a:gd name="adj1" fmla="val 60000"/>
+            <a:gd name="adj2" fmla="val 50000"/>
+          </a:avLst>
+        </a:prstGeom>
+        <a:solidFill>
+          <a:schemeClr val="accent1">
+            <a:tint val="60000"/>
+            <a:hueOff val="0"/>
+            <a:satOff val="0"/>
+            <a:lumOff val="0"/>
+            <a:alphaOff val="0"/>
+          </a:schemeClr>
+        </a:solidFill>
+        <a:ln>
+          <a:noFill/>
+        </a:ln>
+        <a:effectLst/>
+      </dsp:spPr>
+      <dsp:style>
+        <a:lnRef idx="0">
+          <a:scrgbClr r="0" g="0" b="0"/>
+        </a:lnRef>
+        <a:fillRef idx="1">
+          <a:scrgbClr r="0" g="0" b="0"/>
+        </a:fillRef>
+        <a:effectRef idx="0">
+          <a:scrgbClr r="0" g="0" b="0"/>
+        </a:effectRef>
+        <a:fontRef idx="minor">
+          <a:schemeClr val="lt1"/>
+        </a:fontRef>
+      </dsp:style>
+      <dsp:txBody>
+        <a:bodyPr spcFirstLastPara="0" vert="horz" wrap="square" lIns="0" tIns="0" rIns="0" bIns="0" numCol="1" spcCol="1270" anchor="ctr" anchorCtr="0">
+          <a:noAutofit/>
+        </a:bodyPr>
+        <a:lstStyle/>
+        <a:p>
+          <a:pPr lvl="0" algn="ctr" defTabSz="355600">
+            <a:lnSpc>
+              <a:spcPct val="90000"/>
+            </a:lnSpc>
+            <a:spcBef>
+              <a:spcPct val="0"/>
+            </a:spcBef>
+            <a:spcAft>
+              <a:spcPct val="35000"/>
+            </a:spcAft>
+          </a:pPr>
+          <a:endParaRPr lang="en-ZA" sz="800" kern="1200"/>
+        </a:p>
+      </dsp:txBody>
+      <dsp:txXfrm rot="-5400000">
+        <a:off x="1007764" y="2017486"/>
+        <a:ext cx="133020" cy="129325"/>
+      </dsp:txXfrm>
+    </dsp:sp>
+    <dsp:sp modelId="{732916D8-68AD-487E-AEC1-35EF61FAD896}">
+      <dsp:nvSpPr>
+        <dsp:cNvPr id="0" name=""/>
+        <dsp:cNvSpPr/>
+      </dsp:nvSpPr>
+      <dsp:spPr>
+        <a:xfrm>
+          <a:off x="107990" y="2233028"/>
+          <a:ext cx="1932565" cy="492667"/>
+        </a:xfrm>
+        <a:prstGeom prst="roundRect">
+          <a:avLst>
+            <a:gd name="adj" fmla="val 10000"/>
+          </a:avLst>
+        </a:prstGeom>
+        <a:solidFill>
+          <a:schemeClr val="accent1">
+            <a:hueOff val="0"/>
+            <a:satOff val="0"/>
+            <a:lumOff val="0"/>
+            <a:alphaOff val="0"/>
+          </a:schemeClr>
+        </a:solidFill>
+        <a:ln w="12700" cap="flat" cmpd="sng" algn="ctr">
+          <a:solidFill>
+            <a:schemeClr val="lt1">
+              <a:hueOff val="0"/>
+              <a:satOff val="0"/>
+              <a:lumOff val="0"/>
+              <a:alphaOff val="0"/>
+            </a:schemeClr>
+          </a:solidFill>
+          <a:prstDash val="solid"/>
+          <a:miter lim="800000"/>
+        </a:ln>
+        <a:effectLst/>
+      </dsp:spPr>
+      <dsp:style>
+        <a:lnRef idx="2">
+          <a:scrgbClr r="0" g="0" b="0"/>
+        </a:lnRef>
+        <a:fillRef idx="1">
+          <a:scrgbClr r="0" g="0" b="0"/>
+        </a:fillRef>
+        <a:effectRef idx="0">
+          <a:scrgbClr r="0" g="0" b="0"/>
+        </a:effectRef>
+        <a:fontRef idx="minor">
+          <a:schemeClr val="lt1"/>
+        </a:fontRef>
+      </dsp:style>
+      <dsp:txBody>
+        <a:bodyPr spcFirstLastPara="0" vert="horz" wrap="square" lIns="57150" tIns="57150" rIns="57150" bIns="57150" numCol="1" spcCol="1270" anchor="ctr" anchorCtr="0">
+          <a:noAutofit/>
+        </a:bodyPr>
+        <a:lstStyle/>
+        <a:p>
+          <a:pPr lvl="0" algn="ctr" defTabSz="666750">
+            <a:lnSpc>
+              <a:spcPct val="90000"/>
+            </a:lnSpc>
+            <a:spcBef>
+              <a:spcPct val="0"/>
+            </a:spcBef>
+            <a:spcAft>
+              <a:spcPct val="35000"/>
+            </a:spcAft>
+          </a:pPr>
+          <a:r>
+            <a:rPr lang="en-ZA" sz="1500" kern="1200" dirty="0" smtClean="0"/>
+            <a:t>Coding</a:t>
+          </a:r>
+        </a:p>
+      </dsp:txBody>
+      <dsp:txXfrm>
+        <a:off x="122420" y="2247458"/>
+        <a:ext cx="1903705" cy="463807"/>
+      </dsp:txXfrm>
+    </dsp:sp>
+    <dsp:sp modelId="{2354E252-F4A1-4619-87D5-32227FCB99F2}">
+      <dsp:nvSpPr>
+        <dsp:cNvPr id="0" name=""/>
+        <dsp:cNvSpPr/>
+      </dsp:nvSpPr>
+      <dsp:spPr>
+        <a:xfrm rot="5400000">
+          <a:off x="981898" y="2738012"/>
+          <a:ext cx="184750" cy="221700"/>
+        </a:xfrm>
+        <a:prstGeom prst="rightArrow">
+          <a:avLst>
+            <a:gd name="adj1" fmla="val 60000"/>
+            <a:gd name="adj2" fmla="val 50000"/>
+          </a:avLst>
+        </a:prstGeom>
+        <a:solidFill>
+          <a:schemeClr val="accent1">
+            <a:tint val="60000"/>
+            <a:hueOff val="0"/>
+            <a:satOff val="0"/>
+            <a:lumOff val="0"/>
+            <a:alphaOff val="0"/>
+          </a:schemeClr>
+        </a:solidFill>
+        <a:ln>
+          <a:noFill/>
+        </a:ln>
+        <a:effectLst/>
+      </dsp:spPr>
+      <dsp:style>
+        <a:lnRef idx="0">
+          <a:scrgbClr r="0" g="0" b="0"/>
+        </a:lnRef>
+        <a:fillRef idx="1">
+          <a:scrgbClr r="0" g="0" b="0"/>
+        </a:fillRef>
+        <a:effectRef idx="0">
+          <a:scrgbClr r="0" g="0" b="0"/>
+        </a:effectRef>
+        <a:fontRef idx="minor">
+          <a:schemeClr val="lt1"/>
+        </a:fontRef>
+      </dsp:style>
+      <dsp:txBody>
+        <a:bodyPr spcFirstLastPara="0" vert="horz" wrap="square" lIns="0" tIns="0" rIns="0" bIns="0" numCol="1" spcCol="1270" anchor="ctr" anchorCtr="0">
+          <a:noAutofit/>
+        </a:bodyPr>
+        <a:lstStyle/>
+        <a:p>
+          <a:pPr lvl="0" algn="ctr" defTabSz="355600">
+            <a:lnSpc>
+              <a:spcPct val="90000"/>
+            </a:lnSpc>
+            <a:spcBef>
+              <a:spcPct val="0"/>
+            </a:spcBef>
+            <a:spcAft>
+              <a:spcPct val="35000"/>
+            </a:spcAft>
+          </a:pPr>
+          <a:endParaRPr lang="en-ZA" sz="800" kern="1200"/>
+        </a:p>
+      </dsp:txBody>
+      <dsp:txXfrm rot="-5400000">
+        <a:off x="1007764" y="2756487"/>
+        <a:ext cx="133020" cy="129325"/>
+      </dsp:txXfrm>
+    </dsp:sp>
+    <dsp:sp modelId="{2AA5EB6B-6F84-481E-A18B-83054F65A1F2}">
+      <dsp:nvSpPr>
+        <dsp:cNvPr id="0" name=""/>
+        <dsp:cNvSpPr/>
+      </dsp:nvSpPr>
+      <dsp:spPr>
+        <a:xfrm>
+          <a:off x="107990" y="2972029"/>
+          <a:ext cx="1932565" cy="492667"/>
+        </a:xfrm>
+        <a:prstGeom prst="roundRect">
+          <a:avLst>
+            <a:gd name="adj" fmla="val 10000"/>
+          </a:avLst>
+        </a:prstGeom>
+        <a:solidFill>
+          <a:schemeClr val="accent1">
+            <a:hueOff val="0"/>
+            <a:satOff val="0"/>
+            <a:lumOff val="0"/>
+            <a:alphaOff val="0"/>
+          </a:schemeClr>
+        </a:solidFill>
+        <a:ln w="12700" cap="flat" cmpd="sng" algn="ctr">
+          <a:solidFill>
+            <a:schemeClr val="lt1">
+              <a:hueOff val="0"/>
+              <a:satOff val="0"/>
+              <a:lumOff val="0"/>
+              <a:alphaOff val="0"/>
+            </a:schemeClr>
+          </a:solidFill>
+          <a:prstDash val="solid"/>
+          <a:miter lim="800000"/>
+        </a:ln>
+        <a:effectLst/>
+      </dsp:spPr>
+      <dsp:style>
+        <a:lnRef idx="2">
+          <a:scrgbClr r="0" g="0" b="0"/>
+        </a:lnRef>
+        <a:fillRef idx="1">
+          <a:scrgbClr r="0" g="0" b="0"/>
+        </a:fillRef>
+        <a:effectRef idx="0">
+          <a:scrgbClr r="0" g="0" b="0"/>
+        </a:effectRef>
+        <a:fontRef idx="minor">
+          <a:schemeClr val="lt1"/>
+        </a:fontRef>
+      </dsp:style>
+      <dsp:txBody>
+        <a:bodyPr spcFirstLastPara="0" vert="horz" wrap="square" lIns="57150" tIns="57150" rIns="57150" bIns="57150" numCol="1" spcCol="1270" anchor="ctr" anchorCtr="0">
+          <a:noAutofit/>
+        </a:bodyPr>
+        <a:lstStyle/>
+        <a:p>
+          <a:pPr lvl="0" algn="ctr" defTabSz="666750">
+            <a:lnSpc>
+              <a:spcPct val="90000"/>
+            </a:lnSpc>
+            <a:spcBef>
+              <a:spcPct val="0"/>
+            </a:spcBef>
+            <a:spcAft>
+              <a:spcPct val="35000"/>
+            </a:spcAft>
+          </a:pPr>
+          <a:r>
+            <a:rPr lang="en-ZA" sz="1500" kern="1200" smtClean="0"/>
+            <a:t>Testing &amp; ATP</a:t>
+          </a:r>
+          <a:endParaRPr lang="en-ZA" sz="1500" kern="1200" dirty="0"/>
+        </a:p>
+      </dsp:txBody>
+      <dsp:txXfrm>
+        <a:off x="122420" y="2986459"/>
+        <a:ext cx="1903705" cy="463807"/>
+      </dsp:txXfrm>
+    </dsp:sp>
+    <dsp:sp modelId="{AD0CCC23-1F57-49C7-B76F-B4723BE73D69}">
+      <dsp:nvSpPr>
+        <dsp:cNvPr id="0" name=""/>
+        <dsp:cNvSpPr/>
+      </dsp:nvSpPr>
+      <dsp:spPr>
+        <a:xfrm rot="5400000">
+          <a:off x="1005189" y="3445959"/>
+          <a:ext cx="138169" cy="221700"/>
+        </a:xfrm>
+        <a:prstGeom prst="rightArrow">
+          <a:avLst>
+            <a:gd name="adj1" fmla="val 60000"/>
+            <a:gd name="adj2" fmla="val 50000"/>
+          </a:avLst>
+        </a:prstGeom>
+        <a:solidFill>
+          <a:schemeClr val="accent1">
+            <a:tint val="60000"/>
+            <a:hueOff val="0"/>
+            <a:satOff val="0"/>
+            <a:lumOff val="0"/>
+            <a:alphaOff val="0"/>
+          </a:schemeClr>
+        </a:solidFill>
+        <a:ln>
+          <a:noFill/>
+        </a:ln>
+        <a:effectLst/>
+      </dsp:spPr>
+      <dsp:style>
+        <a:lnRef idx="0">
+          <a:scrgbClr r="0" g="0" b="0"/>
+        </a:lnRef>
+        <a:fillRef idx="1">
+          <a:scrgbClr r="0" g="0" b="0"/>
+        </a:fillRef>
+        <a:effectRef idx="0">
+          <a:scrgbClr r="0" g="0" b="0"/>
+        </a:effectRef>
+        <a:fontRef idx="minor">
+          <a:schemeClr val="lt1"/>
+        </a:fontRef>
+      </dsp:style>
+      <dsp:txBody>
+        <a:bodyPr spcFirstLastPara="0" vert="horz" wrap="square" lIns="0" tIns="0" rIns="0" bIns="0" numCol="1" spcCol="1270" anchor="ctr" anchorCtr="0">
+          <a:noAutofit/>
+        </a:bodyPr>
+        <a:lstStyle/>
+        <a:p>
+          <a:pPr lvl="0" algn="ctr" defTabSz="266700">
+            <a:lnSpc>
+              <a:spcPct val="90000"/>
+            </a:lnSpc>
+            <a:spcBef>
+              <a:spcPct val="0"/>
+            </a:spcBef>
+            <a:spcAft>
+              <a:spcPct val="35000"/>
+            </a:spcAft>
+          </a:pPr>
+          <a:endParaRPr lang="en-ZA" sz="600" kern="1200"/>
+        </a:p>
+      </dsp:txBody>
+      <dsp:txXfrm rot="-5400000">
+        <a:off x="1007764" y="3487725"/>
+        <a:ext cx="133020" cy="96718"/>
+      </dsp:txXfrm>
+    </dsp:sp>
+    <dsp:sp modelId="{B0AFBA69-F6EE-4B41-94B1-52466432E21A}">
+      <dsp:nvSpPr>
+        <dsp:cNvPr id="0" name=""/>
+        <dsp:cNvSpPr/>
+      </dsp:nvSpPr>
+      <dsp:spPr>
+        <a:xfrm>
+          <a:off x="107990" y="3648922"/>
+          <a:ext cx="1932565" cy="492667"/>
+        </a:xfrm>
+        <a:prstGeom prst="roundRect">
+          <a:avLst>
+            <a:gd name="adj" fmla="val 10000"/>
+          </a:avLst>
+        </a:prstGeom>
+        <a:solidFill>
+          <a:schemeClr val="accent1">
+            <a:hueOff val="0"/>
+            <a:satOff val="0"/>
+            <a:lumOff val="0"/>
+            <a:alphaOff val="0"/>
+          </a:schemeClr>
+        </a:solidFill>
+        <a:ln w="12700" cap="flat" cmpd="sng" algn="ctr">
+          <a:solidFill>
+            <a:schemeClr val="lt1">
+              <a:hueOff val="0"/>
+              <a:satOff val="0"/>
+              <a:lumOff val="0"/>
+              <a:alphaOff val="0"/>
+            </a:schemeClr>
+          </a:solidFill>
+          <a:prstDash val="solid"/>
+          <a:miter lim="800000"/>
+        </a:ln>
+        <a:effectLst/>
+      </dsp:spPr>
+      <dsp:style>
+        <a:lnRef idx="2">
+          <a:scrgbClr r="0" g="0" b="0"/>
+        </a:lnRef>
+        <a:fillRef idx="1">
+          <a:scrgbClr r="0" g="0" b="0"/>
+        </a:fillRef>
+        <a:effectRef idx="0">
+          <a:scrgbClr r="0" g="0" b="0"/>
+        </a:effectRef>
+        <a:fontRef idx="minor">
+          <a:schemeClr val="lt1"/>
+        </a:fontRef>
+      </dsp:style>
+      <dsp:txBody>
+        <a:bodyPr spcFirstLastPara="0" vert="horz" wrap="square" lIns="57150" tIns="57150" rIns="57150" bIns="57150" numCol="1" spcCol="1270" anchor="ctr" anchorCtr="0">
+          <a:noAutofit/>
+        </a:bodyPr>
+        <a:lstStyle/>
+        <a:p>
+          <a:pPr lvl="0" algn="ctr" defTabSz="666750">
+            <a:lnSpc>
+              <a:spcPct val="90000"/>
+            </a:lnSpc>
+            <a:spcBef>
+              <a:spcPct val="0"/>
+            </a:spcBef>
+            <a:spcAft>
+              <a:spcPct val="35000"/>
+            </a:spcAft>
+          </a:pPr>
+          <a:r>
+            <a:rPr lang="en-ZA" sz="1500" kern="1200" dirty="0" smtClean="0"/>
+            <a:t>Final Documentation</a:t>
+          </a:r>
+          <a:endParaRPr lang="en-ZA" sz="1500" kern="1200" dirty="0"/>
+        </a:p>
+      </dsp:txBody>
+      <dsp:txXfrm>
+        <a:off x="122420" y="3663352"/>
+        <a:ext cx="1903705" cy="463807"/>
+      </dsp:txXfrm>
+    </dsp:sp>
   </dsp:spTree>
 </dsp:drawing>
 </file>
@@ -7602,7 +8426,7 @@
         </p:nvSpPr>
         <p:spPr>
           <a:xfrm>
-            <a:off x="539552" y="2495509"/>
+            <a:off x="539552" y="2482133"/>
             <a:ext cx="5976664" cy="1938992"/>
           </a:xfrm>
           <a:prstGeom prst="rect">
@@ -7758,8 +8582,8 @@
         </p:nvSpPr>
         <p:spPr bwMode="auto">
           <a:xfrm>
-            <a:off x="899592" y="2780928"/>
-            <a:ext cx="6516798" cy="1872208"/>
+            <a:off x="683568" y="3212976"/>
+            <a:ext cx="7488832" cy="1872208"/>
           </a:xfrm>
           <a:prstGeom prst="rect">
             <a:avLst/>
@@ -7794,11 +8618,172 @@
               <a:buChar char="•"/>
             </a:pPr>
             <a:r>
-              <a:rPr lang="en-ZA" sz="2400" dirty="0" smtClean="0">
+              <a:rPr lang="en-ZA" sz="2400" dirty="0" err="1" smtClean="0">
                 <a:latin typeface="+mj-lt"/>
               </a:rPr>
-              <a:t>Paul’s  slide</a:t>
-            </a:r>
+              <a:t>LinphoneGroupChatListener</a:t>
+            </a:r>
+            <a:endParaRPr lang="en-ZA" sz="2400" dirty="0" smtClean="0">
+              <a:latin typeface="+mj-lt"/>
+            </a:endParaRPr>
+          </a:p>
+          <a:p>
+            <a:endParaRPr lang="en-ZA" sz="2400" dirty="0" smtClean="0">
+              <a:latin typeface="+mj-lt"/>
+            </a:endParaRPr>
+          </a:p>
+          <a:p>
+            <a:pPr marL="571500" indent="-571500">
+              <a:buFont typeface="Arial" pitchFamily="34" charset="0"/>
+              <a:buChar char="•"/>
+            </a:pPr>
+            <a:r>
+              <a:rPr lang="en-ZA" sz="2400" dirty="0" err="1" smtClean="0"/>
+              <a:t>LinphoneGroupChatManager</a:t>
+            </a:r>
+            <a:endParaRPr lang="en-ZA" sz="2400" dirty="0" smtClean="0"/>
+          </a:p>
+          <a:p>
+            <a:endParaRPr lang="en-ZA" sz="2400" dirty="0" smtClean="0"/>
+          </a:p>
+          <a:p>
+            <a:pPr marL="571500" indent="-571500">
+              <a:buFont typeface="Arial" pitchFamily="34" charset="0"/>
+              <a:buChar char="•"/>
+            </a:pPr>
+            <a:r>
+              <a:rPr lang="en-ZA" sz="2400" dirty="0" err="1" smtClean="0">
+                <a:latin typeface="+mj-lt"/>
+              </a:rPr>
+              <a:t>LinphoneGroupChatRoom</a:t>
+            </a:r>
+            <a:endParaRPr lang="en-ZA" sz="2400" dirty="0" smtClean="0">
+              <a:latin typeface="+mj-lt"/>
+            </a:endParaRPr>
+          </a:p>
+          <a:p>
+            <a:pPr marL="571500" indent="-571500">
+              <a:buFont typeface="Arial" pitchFamily="34" charset="0"/>
+              <a:buChar char="•"/>
+            </a:pPr>
+            <a:endParaRPr lang="en-ZA" sz="2400" dirty="0"/>
+          </a:p>
+          <a:p>
+            <a:pPr marL="571500" indent="-571500">
+              <a:buFont typeface="Arial" pitchFamily="34" charset="0"/>
+              <a:buChar char="•"/>
+            </a:pPr>
+            <a:endParaRPr lang="en-ZA" sz="600" dirty="0"/>
+          </a:p>
+          <a:p>
+            <a:pPr marL="1028700" lvl="1" indent="-571500">
+              <a:buFont typeface="Arial" pitchFamily="34" charset="0"/>
+              <a:buChar char="•"/>
+            </a:pPr>
+            <a:r>
+              <a:rPr lang="en-ZA" sz="2000" b="1" dirty="0" smtClean="0">
+                <a:solidFill>
+                  <a:schemeClr val="accent1"/>
+                </a:solidFill>
+                <a:latin typeface="+mj-lt"/>
+                <a:ea typeface="+mj-ea"/>
+                <a:cs typeface="+mj-cs"/>
+              </a:rPr>
+              <a:t>Group Communication (Invites, removals, etc.)</a:t>
+            </a:r>
+          </a:p>
+          <a:p>
+            <a:pPr marL="1028700" lvl="1" indent="-571500">
+              <a:buFont typeface="Arial" pitchFamily="34" charset="0"/>
+              <a:buChar char="•"/>
+            </a:pPr>
+            <a:r>
+              <a:rPr lang="en-ZA" sz="2000" b="1" dirty="0" smtClean="0">
+                <a:solidFill>
+                  <a:schemeClr val="accent1"/>
+                </a:solidFill>
+                <a:latin typeface="+mj-lt"/>
+                <a:ea typeface="+mj-ea"/>
+                <a:cs typeface="+mj-cs"/>
+              </a:rPr>
+              <a:t>Type of </a:t>
+            </a:r>
+            <a:r>
+              <a:rPr lang="en-ZA" sz="2000" b="1" dirty="0">
+                <a:solidFill>
+                  <a:schemeClr val="accent1"/>
+                </a:solidFill>
+                <a:latin typeface="+mj-lt"/>
+                <a:ea typeface="+mj-ea"/>
+                <a:cs typeface="+mj-cs"/>
+              </a:rPr>
+              <a:t>message</a:t>
+            </a:r>
+            <a:r>
+              <a:rPr lang="en-ZA" sz="2000" b="1" dirty="0" smtClean="0">
+                <a:solidFill>
+                  <a:schemeClr val="accent1"/>
+                </a:solidFill>
+                <a:latin typeface="+mj-lt"/>
+                <a:ea typeface="+mj-ea"/>
+                <a:cs typeface="+mj-cs"/>
+              </a:rPr>
+              <a:t> identified through message headers</a:t>
+            </a:r>
+            <a:r>
+              <a:rPr lang="en-ZA" sz="500" dirty="0" smtClean="0">
+                <a:latin typeface="+mj-lt"/>
+              </a:rPr>
+              <a:t>,</a:t>
+            </a:r>
+          </a:p>
+          <a:p>
+            <a:pPr marL="1028700" lvl="1" indent="-571500">
+              <a:buFont typeface="Arial" pitchFamily="34" charset="0"/>
+              <a:buChar char="•"/>
+            </a:pPr>
+            <a:r>
+              <a:rPr lang="en-ZA" sz="2000" b="1" dirty="0">
+                <a:solidFill>
+                  <a:schemeClr val="accent1"/>
+                </a:solidFill>
+                <a:latin typeface="+mj-lt"/>
+                <a:ea typeface="+mj-ea"/>
+                <a:cs typeface="+mj-cs"/>
+              </a:rPr>
+              <a:t>Admin is the </a:t>
+            </a:r>
+            <a:r>
+              <a:rPr lang="en-ZA" sz="2000" b="1" dirty="0" smtClean="0">
+                <a:solidFill>
+                  <a:schemeClr val="accent1"/>
+                </a:solidFill>
+                <a:latin typeface="+mj-lt"/>
+                <a:ea typeface="+mj-ea"/>
+                <a:cs typeface="+mj-cs"/>
+              </a:rPr>
+              <a:t>“centre” </a:t>
+            </a:r>
+            <a:r>
+              <a:rPr lang="en-ZA" sz="2000" b="1" dirty="0">
+                <a:solidFill>
+                  <a:schemeClr val="accent1"/>
+                </a:solidFill>
+                <a:latin typeface="+mj-lt"/>
+                <a:ea typeface="+mj-ea"/>
+                <a:cs typeface="+mj-cs"/>
+              </a:rPr>
+              <a:t>of the distributed system</a:t>
+            </a:r>
+          </a:p>
+          <a:p>
+            <a:pPr marL="1028700" lvl="1" indent="-571500">
+              <a:buFont typeface="Arial" pitchFamily="34" charset="0"/>
+              <a:buChar char="•"/>
+            </a:pPr>
+            <a:endParaRPr lang="en-ZA" sz="600" dirty="0">
+              <a:latin typeface="+mj-lt"/>
+            </a:endParaRPr>
           </a:p>
         </p:txBody>
       </p:sp>

--- a/Project Documentation/Demos/Demo 03/Demo 03.pptx
+++ b/Project Documentation/Demos/Demo 03/Demo 03.pptx
@@ -1420,8 +1420,8 @@
     <dgm:cxn modelId="{1D3CF703-E501-4E1C-A175-0ABEA86722C9}" type="presOf" srcId="{F47371DB-8BEA-432B-ADA0-92D74E0702F9}" destId="{B0AFBA69-F6EE-4B41-94B1-52466432E21A}" srcOrd="0" destOrd="0" presId="urn:microsoft.com/office/officeart/2005/8/layout/process2"/>
     <dgm:cxn modelId="{AA3694B8-C57A-41A5-8AF9-EE6EA4412041}" type="presOf" srcId="{AAD92323-C489-44B1-AC4F-BF3E44649CD1}" destId="{77250FC4-3CD4-4BD3-83CF-DF8D02B9DCB1}" srcOrd="0" destOrd="0" presId="urn:microsoft.com/office/officeart/2005/8/layout/process2"/>
     <dgm:cxn modelId="{9ED44448-A612-415B-9510-0317A3DF62CA}" type="presOf" srcId="{2D947E25-C16B-42FD-80F9-097235D840FE}" destId="{E4E9F33E-FEB6-4B1D-B1CA-32DE732DD70F}" srcOrd="1" destOrd="0" presId="urn:microsoft.com/office/officeart/2005/8/layout/process2"/>
+    <dgm:cxn modelId="{D115FF46-9CA3-4137-A994-3C5C36CCAF32}" type="presOf" srcId="{CBE68F96-89C8-4389-B3B0-A60C07AFA6E6}" destId="{BBD1517F-8595-43FF-B8A2-BFDF5EABC173}" srcOrd="0" destOrd="0" presId="urn:microsoft.com/office/officeart/2005/8/layout/process2"/>
     <dgm:cxn modelId="{87527954-69AA-4C26-8DC2-0CA36D5FE8EA}" srcId="{CBE68F96-89C8-4389-B3B0-A60C07AFA6E6}" destId="{B6B66AB5-6C31-4B5F-93E1-8F76E49BB650}" srcOrd="1" destOrd="0" parTransId="{1D8308EB-D457-4B19-9144-B6BDC74BBD90}" sibTransId="{A45D5F63-C5E3-47F8-AB0E-319C4686FB99}"/>
-    <dgm:cxn modelId="{D115FF46-9CA3-4137-A994-3C5C36CCAF32}" type="presOf" srcId="{CBE68F96-89C8-4389-B3B0-A60C07AFA6E6}" destId="{BBD1517F-8595-43FF-B8A2-BFDF5EABC173}" srcOrd="0" destOrd="0" presId="urn:microsoft.com/office/officeart/2005/8/layout/process2"/>
     <dgm:cxn modelId="{1B729D1A-218D-441F-8AE4-C30C351F3568}" type="presOf" srcId="{1A75F6BB-B0E0-4EE8-9800-137D7E40F05F}" destId="{2AA5EB6B-6F84-481E-A18B-83054F65A1F2}" srcOrd="0" destOrd="0" presId="urn:microsoft.com/office/officeart/2005/8/layout/process2"/>
     <dgm:cxn modelId="{D1E7BF08-1A44-4E9F-944A-F615278ED7DC}" type="presOf" srcId="{D729FD14-48D0-4CC4-9926-F3919B7E762C}" destId="{C6F8793C-44C2-4F66-9B04-8FD07C3AE97D}" srcOrd="1" destOrd="0" presId="urn:microsoft.com/office/officeart/2005/8/layout/process2"/>
     <dgm:cxn modelId="{D74F3D68-B0C7-46F7-8DA0-E768035919B4}" type="presParOf" srcId="{BBD1517F-8595-43FF-B8A2-BFDF5EABC173}" destId="{77250FC4-3CD4-4BD3-83CF-DF8D02B9DCB1}" srcOrd="0" destOrd="0" presId="urn:microsoft.com/office/officeart/2005/8/layout/process2"/>
@@ -3553,7 +3553,7 @@
             <a:fld id="{24CE221E-83ED-4F6C-BA5F-3F9E6FDB6953}" type="datetimeFigureOut">
               <a:rPr lang="en-US"/>
               <a:pPr/>
-              <a:t>8/27/2015</a:t>
+              <a:t>8/28/2015</a:t>
             </a:fld>
             <a:endParaRPr dirty="0"/>
           </a:p>
@@ -3720,7 +3720,7 @@
             <a:fld id="{97853E5F-CE67-483C-A264-F17AC70E9CA2}" type="datetimeFigureOut">
               <a:rPr lang="en-US"/>
               <a:pPr/>
-              <a:t>8/27/2015</a:t>
+              <a:t>8/28/2015</a:t>
             </a:fld>
             <a:endParaRPr dirty="0"/>
           </a:p>
@@ -4132,7 +4132,7 @@
             <a:fld id="{3E0FA9E5-6744-4841-888F-9E7CC0C2B7EC}" type="datetimeFigureOut">
               <a:rPr lang="en-US" smtClean="0"/>
               <a:pPr/>
-              <a:t>8/27/2015</a:t>
+              <a:t>8/28/2015</a:t>
             </a:fld>
             <a:endParaRPr lang="en-US" dirty="0"/>
           </a:p>
@@ -4418,7 +4418,7 @@
             <a:fld id="{3E0FA9E5-6744-4841-888F-9E7CC0C2B7EC}" type="datetimeFigureOut">
               <a:rPr lang="en-US" smtClean="0"/>
               <a:pPr/>
-              <a:t>8/27/2015</a:t>
+              <a:t>8/28/2015</a:t>
             </a:fld>
             <a:endParaRPr lang="en-US" dirty="0"/>
           </a:p>
@@ -4609,7 +4609,7 @@
             <a:fld id="{3E0FA9E5-6744-4841-888F-9E7CC0C2B7EC}" type="datetimeFigureOut">
               <a:rPr lang="en-US" smtClean="0"/>
               <a:pPr/>
-              <a:t>8/27/2015</a:t>
+              <a:t>8/28/2015</a:t>
             </a:fld>
             <a:endParaRPr lang="en-US" dirty="0"/>
           </a:p>
@@ -4810,7 +4810,7 @@
             <a:fld id="{3E0FA9E5-6744-4841-888F-9E7CC0C2B7EC}" type="datetimeFigureOut">
               <a:rPr lang="en-US" smtClean="0"/>
               <a:pPr/>
-              <a:t>8/27/2015</a:t>
+              <a:t>8/28/2015</a:t>
             </a:fld>
             <a:endParaRPr lang="en-US" dirty="0"/>
           </a:p>
@@ -5001,7 +5001,7 @@
             <a:fld id="{3E0FA9E5-6744-4841-888F-9E7CC0C2B7EC}" type="datetimeFigureOut">
               <a:rPr lang="en-US" smtClean="0"/>
               <a:pPr/>
-              <a:t>8/27/2015</a:t>
+              <a:t>8/28/2015</a:t>
             </a:fld>
             <a:endParaRPr lang="en-US" dirty="0"/>
           </a:p>
@@ -5276,7 +5276,7 @@
             <a:fld id="{3E0FA9E5-6744-4841-888F-9E7CC0C2B7EC}" type="datetimeFigureOut">
               <a:rPr lang="en-US" smtClean="0"/>
               <a:pPr/>
-              <a:t>8/27/2015</a:t>
+              <a:t>8/28/2015</a:t>
             </a:fld>
             <a:endParaRPr lang="en-US" dirty="0"/>
           </a:p>
@@ -5589,7 +5589,7 @@
             <a:fld id="{3E0FA9E5-6744-4841-888F-9E7CC0C2B7EC}" type="datetimeFigureOut">
               <a:rPr lang="en-US" smtClean="0"/>
               <a:pPr/>
-              <a:t>8/27/2015</a:t>
+              <a:t>8/28/2015</a:t>
             </a:fld>
             <a:endParaRPr lang="en-US" dirty="0"/>
           </a:p>
@@ -6051,7 +6051,7 @@
             <a:fld id="{3E0FA9E5-6744-4841-888F-9E7CC0C2B7EC}" type="datetimeFigureOut">
               <a:rPr lang="en-US" smtClean="0"/>
               <a:pPr/>
-              <a:t>8/27/2015</a:t>
+              <a:t>8/28/2015</a:t>
             </a:fld>
             <a:endParaRPr lang="en-US" dirty="0"/>
           </a:p>
@@ -6190,7 +6190,7 @@
             <a:fld id="{3E0FA9E5-6744-4841-888F-9E7CC0C2B7EC}" type="datetimeFigureOut">
               <a:rPr lang="en-US" smtClean="0"/>
               <a:pPr/>
-              <a:t>8/27/2015</a:t>
+              <a:t>8/28/2015</a:t>
             </a:fld>
             <a:endParaRPr lang="en-US" dirty="0"/>
           </a:p>
@@ -6306,7 +6306,7 @@
             <a:fld id="{3E0FA9E5-6744-4841-888F-9E7CC0C2B7EC}" type="datetimeFigureOut">
               <a:rPr lang="en-US" smtClean="0"/>
               <a:pPr/>
-              <a:t>8/27/2015</a:t>
+              <a:t>8/28/2015</a:t>
             </a:fld>
             <a:endParaRPr lang="en-US" dirty="0"/>
           </a:p>
@@ -6885,7 +6885,7 @@
             <a:fld id="{3E0FA9E5-6744-4841-888F-9E7CC0C2B7EC}" type="datetimeFigureOut">
               <a:rPr lang="en-US" smtClean="0"/>
               <a:pPr/>
-              <a:t>8/27/2015</a:t>
+              <a:t>8/28/2015</a:t>
             </a:fld>
             <a:endParaRPr lang="en-US" dirty="0"/>
           </a:p>
@@ -10401,70 +10401,6 @@
           <a:chExt cx="0" cy="0"/>
         </a:xfrm>
       </p:grpSpPr>
-      <p:pic>
-        <p:nvPicPr>
-          <p:cNvPr id="7" name="Picture 2"/>
-          <p:cNvPicPr>
-            <a:picLocks noChangeAspect="1" noChangeArrowheads="1"/>
-          </p:cNvPicPr>
-          <p:nvPr/>
-        </p:nvPicPr>
-        <p:blipFill>
-          <a:blip r:embed="rId2">
-            <a:extLst>
-              <a:ext uri="{28A0092B-C50C-407E-A947-70E740481C1C}">
-                <a14:useLocalDpi xmlns:a14="http://schemas.microsoft.com/office/drawing/2010/main" val="0"/>
-              </a:ext>
-            </a:extLst>
-          </a:blip>
-          <a:srcRect/>
-          <a:stretch>
-            <a:fillRect/>
-          </a:stretch>
-        </p:blipFill>
-        <p:spPr bwMode="auto">
-          <a:xfrm>
-            <a:off x="1063321" y="1597996"/>
-            <a:ext cx="6368646" cy="5046083"/>
-          </a:xfrm>
-          <a:prstGeom prst="rect">
-            <a:avLst/>
-          </a:prstGeom>
-          <a:noFill/>
-          <a:ln>
-            <a:noFill/>
-          </a:ln>
-          <a:effectLst/>
-          <a:extLst>
-            <a:ext uri="{909E8E84-426E-40DD-AFC4-6F175D3DCCD1}">
-              <a14:hiddenFill xmlns:a14="http://schemas.microsoft.com/office/drawing/2010/main">
-                <a:solidFill>
-                  <a:schemeClr val="accent1"/>
-                </a:solidFill>
-              </a14:hiddenFill>
-            </a:ext>
-            <a:ext uri="{91240B29-F687-4F45-9708-019B960494DF}">
-              <a14:hiddenLine xmlns:a14="http://schemas.microsoft.com/office/drawing/2010/main" w="9525">
-                <a:solidFill>
-                  <a:schemeClr val="tx1"/>
-                </a:solidFill>
-                <a:miter lim="800000"/>
-                <a:headEnd/>
-                <a:tailEnd/>
-              </a14:hiddenLine>
-            </a:ext>
-            <a:ext uri="{AF507438-7753-43E0-B8FC-AC1667EBCBE1}">
-              <a14:hiddenEffects xmlns:a14="http://schemas.microsoft.com/office/drawing/2010/main">
-                <a:effectLst>
-                  <a:outerShdw dist="35921" dir="2700000" algn="ctr" rotWithShape="0">
-                    <a:schemeClr val="bg2"/>
-                  </a:outerShdw>
-                </a:effectLst>
-              </a14:hiddenEffects>
-            </a:ext>
-          </a:extLst>
-        </p:spPr>
-      </p:pic>
       <p:sp>
         <p:nvSpPr>
           <p:cNvPr id="3" name="Title 2"/>
@@ -10727,6 +10663,70 @@
           </p:txBody>
         </p:sp>
       </p:grpSp>
+      <p:pic>
+        <p:nvPicPr>
+          <p:cNvPr id="8" name="Picture 7"/>
+          <p:cNvPicPr>
+            <a:picLocks noChangeAspect="1" noChangeArrowheads="1"/>
+          </p:cNvPicPr>
+          <p:nvPr/>
+        </p:nvPicPr>
+        <p:blipFill>
+          <a:blip r:embed="rId2">
+            <a:extLst>
+              <a:ext uri="{28A0092B-C50C-407E-A947-70E740481C1C}">
+                <a14:useLocalDpi xmlns:a14="http://schemas.microsoft.com/office/drawing/2010/main" val="0"/>
+              </a:ext>
+            </a:extLst>
+          </a:blip>
+          <a:srcRect/>
+          <a:stretch>
+            <a:fillRect/>
+          </a:stretch>
+        </p:blipFill>
+        <p:spPr bwMode="auto">
+          <a:xfrm>
+            <a:off x="2195736" y="1719635"/>
+            <a:ext cx="5962650" cy="4724400"/>
+          </a:xfrm>
+          <a:prstGeom prst="rect">
+            <a:avLst/>
+          </a:prstGeom>
+          <a:noFill/>
+          <a:ln>
+            <a:noFill/>
+          </a:ln>
+          <a:effectLst/>
+          <a:extLst>
+            <a:ext uri="{909E8E84-426E-40DD-AFC4-6F175D3DCCD1}">
+              <a14:hiddenFill xmlns:a14="http://schemas.microsoft.com/office/drawing/2010/main">
+                <a:solidFill>
+                  <a:schemeClr val="accent1"/>
+                </a:solidFill>
+              </a14:hiddenFill>
+            </a:ext>
+            <a:ext uri="{91240B29-F687-4F45-9708-019B960494DF}">
+              <a14:hiddenLine xmlns:a14="http://schemas.microsoft.com/office/drawing/2010/main" w="9525">
+                <a:solidFill>
+                  <a:schemeClr val="tx1"/>
+                </a:solidFill>
+                <a:miter lim="800000"/>
+                <a:headEnd/>
+                <a:tailEnd/>
+              </a14:hiddenLine>
+            </a:ext>
+            <a:ext uri="{AF507438-7753-43E0-B8FC-AC1667EBCBE1}">
+              <a14:hiddenEffects xmlns:a14="http://schemas.microsoft.com/office/drawing/2010/main">
+                <a:effectLst>
+                  <a:outerShdw dist="35921" dir="2700000" algn="ctr" rotWithShape="0">
+                    <a:schemeClr val="bg2"/>
+                  </a:outerShdw>
+                </a:effectLst>
+              </a14:hiddenEffects>
+            </a:ext>
+          </a:extLst>
+        </p:spPr>
+      </p:pic>
     </p:spTree>
   </p:cSld>
   <p:clrMapOvr>

--- a/Project Documentation/Demos/Demo 03/Demo 03.pptx
+++ b/Project Documentation/Demos/Demo 03/Demo 03.pptx
@@ -7656,8 +7656,8 @@
         </p:nvSpPr>
         <p:spPr bwMode="auto">
           <a:xfrm>
-            <a:off x="1043608" y="1844824"/>
-            <a:ext cx="6516798" cy="1365403"/>
+            <a:off x="1043608" y="1628800"/>
+            <a:ext cx="6516798" cy="2206781"/>
           </a:xfrm>
           <a:prstGeom prst="rect">
             <a:avLst/>
@@ -7688,13 +7688,43 @@
           </a:lstStyle>
           <a:p>
             <a:pPr marL="571500" indent="-571500">
+              <a:lnSpc>
+                <a:spcPct val="250000"/>
+              </a:lnSpc>
               <a:buFont typeface="Arial" pitchFamily="34" charset="0"/>
               <a:buChar char="•"/>
             </a:pPr>
             <a:r>
               <a:rPr lang="en-US" sz="2000" dirty="0" smtClean="0"/>
-              <a:t>Goals</a:t>
-            </a:r>
+              <a:t>Finish coding in the first half of September</a:t>
+            </a:r>
+          </a:p>
+          <a:p>
+            <a:pPr marL="571500" indent="-571500">
+              <a:lnSpc>
+                <a:spcPct val="250000"/>
+              </a:lnSpc>
+              <a:buFont typeface="Arial" pitchFamily="34" charset="0"/>
+              <a:buChar char="•"/>
+            </a:pPr>
+            <a:r>
+              <a:rPr lang="en-US" sz="2000" dirty="0" smtClean="0"/>
+              <a:t>Integrate and test in the second half</a:t>
+            </a:r>
+          </a:p>
+          <a:p>
+            <a:pPr marL="571500" indent="-571500">
+              <a:lnSpc>
+                <a:spcPct val="250000"/>
+              </a:lnSpc>
+              <a:buFont typeface="Arial" pitchFamily="34" charset="0"/>
+              <a:buChar char="•"/>
+            </a:pPr>
+            <a:r>
+              <a:rPr lang="en-US" sz="2000" dirty="0" smtClean="0"/>
+              <a:t>Early October: finish off documentation</a:t>
+            </a:r>
+            <a:endParaRPr lang="en-US" sz="2000" dirty="0" smtClean="0"/>
           </a:p>
         </p:txBody>
       </p:sp>
@@ -8469,34 +8499,34 @@
           <a:lstStyle/>
           <a:p>
             <a:r>
-              <a:rPr lang="en-ZA" dirty="0" err="1" smtClean="0"/>
+              <a:rPr lang="en-ZA" b="1" dirty="0" err="1" smtClean="0"/>
               <a:t>GroupChatStorage</a:t>
             </a:r>
             <a:r>
-              <a:rPr lang="en-ZA" dirty="0" smtClean="0"/>
+              <a:rPr lang="en-ZA" b="1" dirty="0" smtClean="0"/>
               <a:t> Interface</a:t>
             </a:r>
           </a:p>
           <a:p>
-            <a:endParaRPr lang="en-ZA" dirty="0"/>
-          </a:p>
-          <a:p>
-            <a:r>
-              <a:rPr lang="en-ZA" dirty="0" smtClean="0"/>
+            <a:endParaRPr lang="en-ZA" b="1" dirty="0"/>
+          </a:p>
+          <a:p>
+            <a:r>
+              <a:rPr lang="en-ZA" b="1" dirty="0" smtClean="0"/>
               <a:t>Getters and Setters</a:t>
             </a:r>
           </a:p>
           <a:p>
-            <a:endParaRPr lang="en-ZA" dirty="0"/>
-          </a:p>
-          <a:p>
-            <a:endParaRPr lang="en-ZA" dirty="0" smtClean="0"/>
-          </a:p>
-          <a:p>
-            <a:endParaRPr lang="en-ZA" dirty="0"/>
-          </a:p>
-          <a:p>
-            <a:endParaRPr lang="en-ZA" sz="1200" dirty="0" smtClean="0"/>
+            <a:endParaRPr lang="en-ZA" b="1" dirty="0"/>
+          </a:p>
+          <a:p>
+            <a:endParaRPr lang="en-ZA" b="1" dirty="0" smtClean="0"/>
+          </a:p>
+          <a:p>
+            <a:endParaRPr lang="en-ZA" b="1" dirty="0"/>
+          </a:p>
+          <a:p>
+            <a:endParaRPr lang="en-ZA" sz="1200" b="1" dirty="0" smtClean="0"/>
           </a:p>
         </p:txBody>
       </p:sp>
@@ -8773,8 +8803,27 @@
                 <a:ea typeface="+mj-ea"/>
                 <a:cs typeface="+mj-cs"/>
               </a:rPr>
-              <a:t>of the distributed system</a:t>
-            </a:r>
+              <a:t>of the </a:t>
+            </a:r>
+            <a:r>
+              <a:rPr lang="en-ZA" sz="2000" b="1" dirty="0" smtClean="0">
+                <a:solidFill>
+                  <a:schemeClr val="accent1"/>
+                </a:solidFill>
+                <a:latin typeface="+mj-lt"/>
+                <a:ea typeface="+mj-ea"/>
+                <a:cs typeface="+mj-cs"/>
+              </a:rPr>
+              <a:t>system</a:t>
+            </a:r>
+            <a:endParaRPr lang="en-ZA" sz="2000" b="1" dirty="0">
+              <a:solidFill>
+                <a:schemeClr val="accent1"/>
+              </a:solidFill>
+              <a:latin typeface="+mj-lt"/>
+              <a:ea typeface="+mj-ea"/>
+              <a:cs typeface="+mj-cs"/>
+            </a:endParaRPr>
           </a:p>
           <a:p>
             <a:pPr marL="1028700" lvl="1" indent="-571500">

--- a/Project Documentation/Demos/Demo 03/Demo 03.pptx
+++ b/Project Documentation/Demos/Demo 03/Demo 03.pptx
@@ -122,7 +122,7 @@
   </p:defaultTextStyle>
   <p:extLst>
     <p:ext uri="{EFAFB233-063F-42B5-8137-9DF3F51BA10A}">
-      <p15:sldGuideLst xmlns:p15="http://schemas.microsoft.com/office/powerpoint/2012/main">
+      <p15:sldGuideLst xmlns:p15="http://schemas.microsoft.com/office/powerpoint/2012/main" xmlns="">
         <p15:guide id="1" orient="horz" pos="2160" userDrawn="1">
           <p15:clr>
             <a:srgbClr val="A4A3A4"/>
@@ -196,7 +196,7 @@
       </p15:sldGuideLst>
     </p:ext>
     <p:ext uri="{2D200454-40CA-4A62-9FC3-DE9A4176ACB9}">
-      <p15:notesGuideLst xmlns:p15="http://schemas.microsoft.com/office/powerpoint/2012/main"/>
+      <p15:notesGuideLst xmlns:p15="http://schemas.microsoft.com/office/powerpoint/2012/main" xmlns=""/>
     </p:ext>
   </p:extLst>
 </p:presentation>
@@ -1420,8 +1420,8 @@
     <dgm:cxn modelId="{1D3CF703-E501-4E1C-A175-0ABEA86722C9}" type="presOf" srcId="{F47371DB-8BEA-432B-ADA0-92D74E0702F9}" destId="{B0AFBA69-F6EE-4B41-94B1-52466432E21A}" srcOrd="0" destOrd="0" presId="urn:microsoft.com/office/officeart/2005/8/layout/process2"/>
     <dgm:cxn modelId="{AA3694B8-C57A-41A5-8AF9-EE6EA4412041}" type="presOf" srcId="{AAD92323-C489-44B1-AC4F-BF3E44649CD1}" destId="{77250FC4-3CD4-4BD3-83CF-DF8D02B9DCB1}" srcOrd="0" destOrd="0" presId="urn:microsoft.com/office/officeart/2005/8/layout/process2"/>
     <dgm:cxn modelId="{9ED44448-A612-415B-9510-0317A3DF62CA}" type="presOf" srcId="{2D947E25-C16B-42FD-80F9-097235D840FE}" destId="{E4E9F33E-FEB6-4B1D-B1CA-32DE732DD70F}" srcOrd="1" destOrd="0" presId="urn:microsoft.com/office/officeart/2005/8/layout/process2"/>
+    <dgm:cxn modelId="{87527954-69AA-4C26-8DC2-0CA36D5FE8EA}" srcId="{CBE68F96-89C8-4389-B3B0-A60C07AFA6E6}" destId="{B6B66AB5-6C31-4B5F-93E1-8F76E49BB650}" srcOrd="1" destOrd="0" parTransId="{1D8308EB-D457-4B19-9144-B6BDC74BBD90}" sibTransId="{A45D5F63-C5E3-47F8-AB0E-319C4686FB99}"/>
     <dgm:cxn modelId="{D115FF46-9CA3-4137-A994-3C5C36CCAF32}" type="presOf" srcId="{CBE68F96-89C8-4389-B3B0-A60C07AFA6E6}" destId="{BBD1517F-8595-43FF-B8A2-BFDF5EABC173}" srcOrd="0" destOrd="0" presId="urn:microsoft.com/office/officeart/2005/8/layout/process2"/>
-    <dgm:cxn modelId="{87527954-69AA-4C26-8DC2-0CA36D5FE8EA}" srcId="{CBE68F96-89C8-4389-B3B0-A60C07AFA6E6}" destId="{B6B66AB5-6C31-4B5F-93E1-8F76E49BB650}" srcOrd="1" destOrd="0" parTransId="{1D8308EB-D457-4B19-9144-B6BDC74BBD90}" sibTransId="{A45D5F63-C5E3-47F8-AB0E-319C4686FB99}"/>
     <dgm:cxn modelId="{1B729D1A-218D-441F-8AE4-C30C351F3568}" type="presOf" srcId="{1A75F6BB-B0E0-4EE8-9800-137D7E40F05F}" destId="{2AA5EB6B-6F84-481E-A18B-83054F65A1F2}" srcOrd="0" destOrd="0" presId="urn:microsoft.com/office/officeart/2005/8/layout/process2"/>
     <dgm:cxn modelId="{D1E7BF08-1A44-4E9F-944A-F615278ED7DC}" type="presOf" srcId="{D729FD14-48D0-4CC4-9926-F3919B7E762C}" destId="{C6F8793C-44C2-4F66-9B04-8FD07C3AE97D}" srcOrd="1" destOrd="0" presId="urn:microsoft.com/office/officeart/2005/8/layout/process2"/>
     <dgm:cxn modelId="{D74F3D68-B0C7-46F7-8DA0-E768035919B4}" type="presParOf" srcId="{BBD1517F-8595-43FF-B8A2-BFDF5EABC173}" destId="{77250FC4-3CD4-4BD3-83CF-DF8D02B9DCB1}" srcOrd="0" destOrd="0" presId="urn:microsoft.com/office/officeart/2005/8/layout/process2"/>
@@ -3553,7 +3553,7 @@
             <a:fld id="{24CE221E-83ED-4F6C-BA5F-3F9E6FDB6953}" type="datetimeFigureOut">
               <a:rPr lang="en-US"/>
               <a:pPr/>
-              <a:t>8/28/2015</a:t>
+              <a:t>9/10/2015</a:t>
             </a:fld>
             <a:endParaRPr dirty="0"/>
           </a:p>
@@ -3720,7 +3720,7 @@
             <a:fld id="{97853E5F-CE67-483C-A264-F17AC70E9CA2}" type="datetimeFigureOut">
               <a:rPr lang="en-US"/>
               <a:pPr/>
-              <a:t>8/28/2015</a:t>
+              <a:t>9/10/2015</a:t>
             </a:fld>
             <a:endParaRPr dirty="0"/>
           </a:p>
@@ -4132,7 +4132,7 @@
             <a:fld id="{3E0FA9E5-6744-4841-888F-9E7CC0C2B7EC}" type="datetimeFigureOut">
               <a:rPr lang="en-US" smtClean="0"/>
               <a:pPr/>
-              <a:t>8/28/2015</a:t>
+              <a:t>9/10/2015</a:t>
             </a:fld>
             <a:endParaRPr lang="en-US" dirty="0"/>
           </a:p>
@@ -4418,7 +4418,7 @@
             <a:fld id="{3E0FA9E5-6744-4841-888F-9E7CC0C2B7EC}" type="datetimeFigureOut">
               <a:rPr lang="en-US" smtClean="0"/>
               <a:pPr/>
-              <a:t>8/28/2015</a:t>
+              <a:t>9/10/2015</a:t>
             </a:fld>
             <a:endParaRPr lang="en-US" dirty="0"/>
           </a:p>
@@ -4609,7 +4609,7 @@
             <a:fld id="{3E0FA9E5-6744-4841-888F-9E7CC0C2B7EC}" type="datetimeFigureOut">
               <a:rPr lang="en-US" smtClean="0"/>
               <a:pPr/>
-              <a:t>8/28/2015</a:t>
+              <a:t>9/10/2015</a:t>
             </a:fld>
             <a:endParaRPr lang="en-US" dirty="0"/>
           </a:p>
@@ -4810,7 +4810,7 @@
             <a:fld id="{3E0FA9E5-6744-4841-888F-9E7CC0C2B7EC}" type="datetimeFigureOut">
               <a:rPr lang="en-US" smtClean="0"/>
               <a:pPr/>
-              <a:t>8/28/2015</a:t>
+              <a:t>9/10/2015</a:t>
             </a:fld>
             <a:endParaRPr lang="en-US" dirty="0"/>
           </a:p>
@@ -5001,7 +5001,7 @@
             <a:fld id="{3E0FA9E5-6744-4841-888F-9E7CC0C2B7EC}" type="datetimeFigureOut">
               <a:rPr lang="en-US" smtClean="0"/>
               <a:pPr/>
-              <a:t>8/28/2015</a:t>
+              <a:t>9/10/2015</a:t>
             </a:fld>
             <a:endParaRPr lang="en-US" dirty="0"/>
           </a:p>
@@ -5276,7 +5276,7 @@
             <a:fld id="{3E0FA9E5-6744-4841-888F-9E7CC0C2B7EC}" type="datetimeFigureOut">
               <a:rPr lang="en-US" smtClean="0"/>
               <a:pPr/>
-              <a:t>8/28/2015</a:t>
+              <a:t>9/10/2015</a:t>
             </a:fld>
             <a:endParaRPr lang="en-US" dirty="0"/>
           </a:p>
@@ -5589,7 +5589,7 @@
             <a:fld id="{3E0FA9E5-6744-4841-888F-9E7CC0C2B7EC}" type="datetimeFigureOut">
               <a:rPr lang="en-US" smtClean="0"/>
               <a:pPr/>
-              <a:t>8/28/2015</a:t>
+              <a:t>9/10/2015</a:t>
             </a:fld>
             <a:endParaRPr lang="en-US" dirty="0"/>
           </a:p>
@@ -6051,7 +6051,7 @@
             <a:fld id="{3E0FA9E5-6744-4841-888F-9E7CC0C2B7EC}" type="datetimeFigureOut">
               <a:rPr lang="en-US" smtClean="0"/>
               <a:pPr/>
-              <a:t>8/28/2015</a:t>
+              <a:t>9/10/2015</a:t>
             </a:fld>
             <a:endParaRPr lang="en-US" dirty="0"/>
           </a:p>
@@ -6190,7 +6190,7 @@
             <a:fld id="{3E0FA9E5-6744-4841-888F-9E7CC0C2B7EC}" type="datetimeFigureOut">
               <a:rPr lang="en-US" smtClean="0"/>
               <a:pPr/>
-              <a:t>8/28/2015</a:t>
+              <a:t>9/10/2015</a:t>
             </a:fld>
             <a:endParaRPr lang="en-US" dirty="0"/>
           </a:p>
@@ -6306,7 +6306,7 @@
             <a:fld id="{3E0FA9E5-6744-4841-888F-9E7CC0C2B7EC}" type="datetimeFigureOut">
               <a:rPr lang="en-US" smtClean="0"/>
               <a:pPr/>
-              <a:t>8/28/2015</a:t>
+              <a:t>9/10/2015</a:t>
             </a:fld>
             <a:endParaRPr lang="en-US" dirty="0"/>
           </a:p>
@@ -6885,7 +6885,7 @@
             <a:fld id="{3E0FA9E5-6744-4841-888F-9E7CC0C2B7EC}" type="datetimeFigureOut">
               <a:rPr lang="en-US" smtClean="0"/>
               <a:pPr/>
-              <a:t>8/28/2015</a:t>
+              <a:t>9/10/2015</a:t>
             </a:fld>
             <a:endParaRPr lang="en-US" dirty="0"/>
           </a:p>
@@ -7724,7 +7724,6 @@
               <a:rPr lang="en-US" sz="2000" dirty="0" smtClean="0"/>
               <a:t>Early October: finish off documentation</a:t>
             </a:r>
-            <a:endParaRPr lang="en-US" sz="2000" dirty="0" smtClean="0"/>
           </a:p>
         </p:txBody>
       </p:sp>
@@ -10712,70 +10711,556 @@
           </p:txBody>
         </p:sp>
       </p:grpSp>
-      <p:pic>
-        <p:nvPicPr>
-          <p:cNvPr id="8" name="Picture 7"/>
-          <p:cNvPicPr>
-            <a:picLocks noChangeAspect="1" noChangeArrowheads="1"/>
-          </p:cNvPicPr>
+      <p:grpSp>
+        <p:nvGrpSpPr>
+          <p:cNvPr id="12" name="Group 11"/>
+          <p:cNvGrpSpPr/>
           <p:nvPr/>
-        </p:nvPicPr>
-        <p:blipFill>
-          <a:blip r:embed="rId2">
-            <a:extLst>
-              <a:ext uri="{28A0092B-C50C-407E-A947-70E740481C1C}">
-                <a14:useLocalDpi xmlns:a14="http://schemas.microsoft.com/office/drawing/2010/main" val="0"/>
-              </a:ext>
-            </a:extLst>
-          </a:blip>
-          <a:srcRect/>
-          <a:stretch>
-            <a:fillRect/>
-          </a:stretch>
-        </p:blipFill>
-        <p:spPr bwMode="auto">
+        </p:nvGrpSpPr>
+        <p:grpSpPr>
           <a:xfrm>
             <a:off x="2195736" y="1719635"/>
             <a:ext cx="5962650" cy="4724400"/>
+            <a:chOff x="2195736" y="1719635"/>
+            <a:chExt cx="5962650" cy="4724400"/>
           </a:xfrm>
-          <a:prstGeom prst="rect">
-            <a:avLst/>
-          </a:prstGeom>
-          <a:noFill/>
-          <a:ln>
+        </p:grpSpPr>
+        <p:pic>
+          <p:nvPicPr>
+            <p:cNvPr id="8" name="Picture 7"/>
+            <p:cNvPicPr>
+              <a:picLocks noChangeAspect="1" noChangeArrowheads="1"/>
+            </p:cNvPicPr>
+            <p:nvPr/>
+          </p:nvPicPr>
+          <p:blipFill>
+            <a:blip r:embed="rId2">
+              <a:extLst>
+                <a:ext uri="{28A0092B-C50C-407E-A947-70E740481C1C}">
+                  <a14:useLocalDpi xmlns:a14="http://schemas.microsoft.com/office/drawing/2010/main" val="0"/>
+                </a:ext>
+              </a:extLst>
+            </a:blip>
+            <a:srcRect/>
+            <a:stretch>
+              <a:fillRect/>
+            </a:stretch>
+          </p:blipFill>
+          <p:spPr bwMode="auto">
+            <a:xfrm>
+              <a:off x="2195736" y="1719635"/>
+              <a:ext cx="5962650" cy="4724400"/>
+            </a:xfrm>
+            <a:prstGeom prst="rect">
+              <a:avLst/>
+            </a:prstGeom>
             <a:noFill/>
-          </a:ln>
-          <a:effectLst/>
-          <a:extLst>
-            <a:ext uri="{909E8E84-426E-40DD-AFC4-6F175D3DCCD1}">
-              <a14:hiddenFill xmlns:a14="http://schemas.microsoft.com/office/drawing/2010/main">
-                <a:solidFill>
-                  <a:schemeClr val="accent1"/>
-                </a:solidFill>
-              </a14:hiddenFill>
-            </a:ext>
-            <a:ext uri="{91240B29-F687-4F45-9708-019B960494DF}">
-              <a14:hiddenLine xmlns:a14="http://schemas.microsoft.com/office/drawing/2010/main" w="9525">
-                <a:solidFill>
-                  <a:schemeClr val="tx1"/>
-                </a:solidFill>
-                <a:miter lim="800000"/>
-                <a:headEnd/>
-                <a:tailEnd/>
-              </a14:hiddenLine>
-            </a:ext>
-            <a:ext uri="{AF507438-7753-43E0-B8FC-AC1667EBCBE1}">
-              <a14:hiddenEffects xmlns:a14="http://schemas.microsoft.com/office/drawing/2010/main">
-                <a:effectLst>
-                  <a:outerShdw dist="35921" dir="2700000" algn="ctr" rotWithShape="0">
-                    <a:schemeClr val="bg2"/>
-                  </a:outerShdw>
-                </a:effectLst>
-              </a14:hiddenEffects>
-            </a:ext>
-          </a:extLst>
-        </p:spPr>
-      </p:pic>
+            <a:ln>
+              <a:noFill/>
+            </a:ln>
+            <a:effectLst/>
+            <a:extLst>
+              <a:ext uri="{909E8E84-426E-40DD-AFC4-6F175D3DCCD1}">
+                <a14:hiddenFill xmlns:a14="http://schemas.microsoft.com/office/drawing/2010/main">
+                  <a:solidFill>
+                    <a:schemeClr val="accent1"/>
+                  </a:solidFill>
+                </a14:hiddenFill>
+              </a:ext>
+              <a:ext uri="{91240B29-F687-4F45-9708-019B960494DF}">
+                <a14:hiddenLine xmlns:a14="http://schemas.microsoft.com/office/drawing/2010/main" w="9525">
+                  <a:solidFill>
+                    <a:schemeClr val="tx1"/>
+                  </a:solidFill>
+                  <a:miter lim="800000"/>
+                  <a:headEnd/>
+                  <a:tailEnd/>
+                </a14:hiddenLine>
+              </a:ext>
+              <a:ext uri="{AF507438-7753-43E0-B8FC-AC1667EBCBE1}">
+                <a14:hiddenEffects xmlns:a14="http://schemas.microsoft.com/office/drawing/2010/main">
+                  <a:effectLst>
+                    <a:outerShdw dist="35921" dir="2700000" algn="ctr" rotWithShape="0">
+                      <a:schemeClr val="bg2"/>
+                    </a:outerShdw>
+                  </a:effectLst>
+                </a14:hiddenEffects>
+              </a:ext>
+            </a:extLst>
+          </p:spPr>
+        </p:pic>
+        <p:sp>
+          <p:nvSpPr>
+            <p:cNvPr id="7" name="Freeform 6"/>
+            <p:cNvSpPr/>
+            <p:nvPr/>
+          </p:nvSpPr>
+          <p:spPr>
+            <a:xfrm>
+              <a:off x="5361709" y="4322618"/>
+              <a:ext cx="592282" cy="1039091"/>
+            </a:xfrm>
+            <a:custGeom>
+              <a:avLst/>
+              <a:gdLst>
+                <a:gd name="connsiteX0" fmla="*/ 529936 w 592282"/>
+                <a:gd name="connsiteY0" fmla="*/ 20782 h 1039091"/>
+                <a:gd name="connsiteX1" fmla="*/ 436418 w 592282"/>
+                <a:gd name="connsiteY1" fmla="*/ 10391 h 1039091"/>
+                <a:gd name="connsiteX2" fmla="*/ 405246 w 592282"/>
+                <a:gd name="connsiteY2" fmla="*/ 0 h 1039091"/>
+                <a:gd name="connsiteX3" fmla="*/ 342900 w 592282"/>
+                <a:gd name="connsiteY3" fmla="*/ 10391 h 1039091"/>
+                <a:gd name="connsiteX4" fmla="*/ 311727 w 592282"/>
+                <a:gd name="connsiteY4" fmla="*/ 31173 h 1039091"/>
+                <a:gd name="connsiteX5" fmla="*/ 249382 w 592282"/>
+                <a:gd name="connsiteY5" fmla="*/ 93518 h 1039091"/>
+                <a:gd name="connsiteX6" fmla="*/ 238991 w 592282"/>
+                <a:gd name="connsiteY6" fmla="*/ 124691 h 1039091"/>
+                <a:gd name="connsiteX7" fmla="*/ 197427 w 592282"/>
+                <a:gd name="connsiteY7" fmla="*/ 187037 h 1039091"/>
+                <a:gd name="connsiteX8" fmla="*/ 176646 w 592282"/>
+                <a:gd name="connsiteY8" fmla="*/ 259773 h 1039091"/>
+                <a:gd name="connsiteX9" fmla="*/ 145473 w 592282"/>
+                <a:gd name="connsiteY9" fmla="*/ 301337 h 1039091"/>
+                <a:gd name="connsiteX10" fmla="*/ 135082 w 592282"/>
+                <a:gd name="connsiteY10" fmla="*/ 332509 h 1039091"/>
+                <a:gd name="connsiteX11" fmla="*/ 124691 w 592282"/>
+                <a:gd name="connsiteY11" fmla="*/ 384464 h 1039091"/>
+                <a:gd name="connsiteX12" fmla="*/ 103909 w 592282"/>
+                <a:gd name="connsiteY12" fmla="*/ 426027 h 1039091"/>
+                <a:gd name="connsiteX13" fmla="*/ 93518 w 592282"/>
+                <a:gd name="connsiteY13" fmla="*/ 467591 h 1039091"/>
+                <a:gd name="connsiteX14" fmla="*/ 83127 w 592282"/>
+                <a:gd name="connsiteY14" fmla="*/ 529937 h 1039091"/>
+                <a:gd name="connsiteX15" fmla="*/ 72736 w 592282"/>
+                <a:gd name="connsiteY15" fmla="*/ 561109 h 1039091"/>
+                <a:gd name="connsiteX16" fmla="*/ 41564 w 592282"/>
+                <a:gd name="connsiteY16" fmla="*/ 696191 h 1039091"/>
+                <a:gd name="connsiteX17" fmla="*/ 0 w 592282"/>
+                <a:gd name="connsiteY17" fmla="*/ 716973 h 1039091"/>
+                <a:gd name="connsiteX18" fmla="*/ 20782 w 592282"/>
+                <a:gd name="connsiteY18" fmla="*/ 779318 h 1039091"/>
+                <a:gd name="connsiteX19" fmla="*/ 31173 w 592282"/>
+                <a:gd name="connsiteY19" fmla="*/ 810491 h 1039091"/>
+                <a:gd name="connsiteX20" fmla="*/ 41564 w 592282"/>
+                <a:gd name="connsiteY20" fmla="*/ 976746 h 1039091"/>
+                <a:gd name="connsiteX21" fmla="*/ 72736 w 592282"/>
+                <a:gd name="connsiteY21" fmla="*/ 966355 h 1039091"/>
+                <a:gd name="connsiteX22" fmla="*/ 103909 w 592282"/>
+                <a:gd name="connsiteY22" fmla="*/ 976746 h 1039091"/>
+                <a:gd name="connsiteX23" fmla="*/ 124691 w 592282"/>
+                <a:gd name="connsiteY23" fmla="*/ 1007918 h 1039091"/>
+                <a:gd name="connsiteX24" fmla="*/ 155864 w 592282"/>
+                <a:gd name="connsiteY24" fmla="*/ 1018309 h 1039091"/>
+                <a:gd name="connsiteX25" fmla="*/ 187036 w 592282"/>
+                <a:gd name="connsiteY25" fmla="*/ 1039091 h 1039091"/>
+                <a:gd name="connsiteX26" fmla="*/ 249382 w 592282"/>
+                <a:gd name="connsiteY26" fmla="*/ 1028700 h 1039091"/>
+                <a:gd name="connsiteX27" fmla="*/ 322118 w 592282"/>
+                <a:gd name="connsiteY27" fmla="*/ 966355 h 1039091"/>
+                <a:gd name="connsiteX28" fmla="*/ 363682 w 592282"/>
+                <a:gd name="connsiteY28" fmla="*/ 955964 h 1039091"/>
+                <a:gd name="connsiteX29" fmla="*/ 446809 w 592282"/>
+                <a:gd name="connsiteY29" fmla="*/ 883227 h 1039091"/>
+                <a:gd name="connsiteX30" fmla="*/ 509155 w 592282"/>
+                <a:gd name="connsiteY30" fmla="*/ 841664 h 1039091"/>
+                <a:gd name="connsiteX31" fmla="*/ 571500 w 592282"/>
+                <a:gd name="connsiteY31" fmla="*/ 789709 h 1039091"/>
+                <a:gd name="connsiteX32" fmla="*/ 592282 w 592282"/>
+                <a:gd name="connsiteY32" fmla="*/ 727364 h 1039091"/>
+                <a:gd name="connsiteX33" fmla="*/ 581891 w 592282"/>
+                <a:gd name="connsiteY33" fmla="*/ 207818 h 1039091"/>
+                <a:gd name="connsiteX34" fmla="*/ 571500 w 592282"/>
+                <a:gd name="connsiteY34" fmla="*/ 176646 h 1039091"/>
+                <a:gd name="connsiteX35" fmla="*/ 561109 w 592282"/>
+                <a:gd name="connsiteY35" fmla="*/ 135082 h 1039091"/>
+                <a:gd name="connsiteX36" fmla="*/ 550718 w 592282"/>
+                <a:gd name="connsiteY36" fmla="*/ 51955 h 1039091"/>
+                <a:gd name="connsiteX37" fmla="*/ 529936 w 592282"/>
+                <a:gd name="connsiteY37" fmla="*/ 20782 h 1039091"/>
+              </a:gdLst>
+              <a:ahLst/>
+              <a:cxnLst>
+                <a:cxn ang="0">
+                  <a:pos x="connsiteX0" y="connsiteY0"/>
+                </a:cxn>
+                <a:cxn ang="0">
+                  <a:pos x="connsiteX1" y="connsiteY1"/>
+                </a:cxn>
+                <a:cxn ang="0">
+                  <a:pos x="connsiteX2" y="connsiteY2"/>
+                </a:cxn>
+                <a:cxn ang="0">
+                  <a:pos x="connsiteX3" y="connsiteY3"/>
+                </a:cxn>
+                <a:cxn ang="0">
+                  <a:pos x="connsiteX4" y="connsiteY4"/>
+                </a:cxn>
+                <a:cxn ang="0">
+                  <a:pos x="connsiteX5" y="connsiteY5"/>
+                </a:cxn>
+                <a:cxn ang="0">
+                  <a:pos x="connsiteX6" y="connsiteY6"/>
+                </a:cxn>
+                <a:cxn ang="0">
+                  <a:pos x="connsiteX7" y="connsiteY7"/>
+                </a:cxn>
+                <a:cxn ang="0">
+                  <a:pos x="connsiteX8" y="connsiteY8"/>
+                </a:cxn>
+                <a:cxn ang="0">
+                  <a:pos x="connsiteX9" y="connsiteY9"/>
+                </a:cxn>
+                <a:cxn ang="0">
+                  <a:pos x="connsiteX10" y="connsiteY10"/>
+                </a:cxn>
+                <a:cxn ang="0">
+                  <a:pos x="connsiteX11" y="connsiteY11"/>
+                </a:cxn>
+                <a:cxn ang="0">
+                  <a:pos x="connsiteX12" y="connsiteY12"/>
+                </a:cxn>
+                <a:cxn ang="0">
+                  <a:pos x="connsiteX13" y="connsiteY13"/>
+                </a:cxn>
+                <a:cxn ang="0">
+                  <a:pos x="connsiteX14" y="connsiteY14"/>
+                </a:cxn>
+                <a:cxn ang="0">
+                  <a:pos x="connsiteX15" y="connsiteY15"/>
+                </a:cxn>
+                <a:cxn ang="0">
+                  <a:pos x="connsiteX16" y="connsiteY16"/>
+                </a:cxn>
+                <a:cxn ang="0">
+                  <a:pos x="connsiteX17" y="connsiteY17"/>
+                </a:cxn>
+                <a:cxn ang="0">
+                  <a:pos x="connsiteX18" y="connsiteY18"/>
+                </a:cxn>
+                <a:cxn ang="0">
+                  <a:pos x="connsiteX19" y="connsiteY19"/>
+                </a:cxn>
+                <a:cxn ang="0">
+                  <a:pos x="connsiteX20" y="connsiteY20"/>
+                </a:cxn>
+                <a:cxn ang="0">
+                  <a:pos x="connsiteX21" y="connsiteY21"/>
+                </a:cxn>
+                <a:cxn ang="0">
+                  <a:pos x="connsiteX22" y="connsiteY22"/>
+                </a:cxn>
+                <a:cxn ang="0">
+                  <a:pos x="connsiteX23" y="connsiteY23"/>
+                </a:cxn>
+                <a:cxn ang="0">
+                  <a:pos x="connsiteX24" y="connsiteY24"/>
+                </a:cxn>
+                <a:cxn ang="0">
+                  <a:pos x="connsiteX25" y="connsiteY25"/>
+                </a:cxn>
+                <a:cxn ang="0">
+                  <a:pos x="connsiteX26" y="connsiteY26"/>
+                </a:cxn>
+                <a:cxn ang="0">
+                  <a:pos x="connsiteX27" y="connsiteY27"/>
+                </a:cxn>
+                <a:cxn ang="0">
+                  <a:pos x="connsiteX28" y="connsiteY28"/>
+                </a:cxn>
+                <a:cxn ang="0">
+                  <a:pos x="connsiteX29" y="connsiteY29"/>
+                </a:cxn>
+                <a:cxn ang="0">
+                  <a:pos x="connsiteX30" y="connsiteY30"/>
+                </a:cxn>
+                <a:cxn ang="0">
+                  <a:pos x="connsiteX31" y="connsiteY31"/>
+                </a:cxn>
+                <a:cxn ang="0">
+                  <a:pos x="connsiteX32" y="connsiteY32"/>
+                </a:cxn>
+                <a:cxn ang="0">
+                  <a:pos x="connsiteX33" y="connsiteY33"/>
+                </a:cxn>
+                <a:cxn ang="0">
+                  <a:pos x="connsiteX34" y="connsiteY34"/>
+                </a:cxn>
+                <a:cxn ang="0">
+                  <a:pos x="connsiteX35" y="connsiteY35"/>
+                </a:cxn>
+                <a:cxn ang="0">
+                  <a:pos x="connsiteX36" y="connsiteY36"/>
+                </a:cxn>
+                <a:cxn ang="0">
+                  <a:pos x="connsiteX37" y="connsiteY37"/>
+                </a:cxn>
+              </a:cxnLst>
+              <a:rect l="l" t="t" r="r" b="b"/>
+              <a:pathLst>
+                <a:path w="592282" h="1039091">
+                  <a:moveTo>
+                    <a:pt x="529936" y="20782"/>
+                  </a:moveTo>
+                  <a:cubicBezTo>
+                    <a:pt x="510886" y="13855"/>
+                    <a:pt x="467356" y="15547"/>
+                    <a:pt x="436418" y="10391"/>
+                  </a:cubicBezTo>
+                  <a:cubicBezTo>
+                    <a:pt x="425614" y="8590"/>
+                    <a:pt x="416199" y="0"/>
+                    <a:pt x="405246" y="0"/>
+                  </a:cubicBezTo>
+                  <a:cubicBezTo>
+                    <a:pt x="384177" y="0"/>
+                    <a:pt x="363682" y="6927"/>
+                    <a:pt x="342900" y="10391"/>
+                  </a:cubicBezTo>
+                  <a:cubicBezTo>
+                    <a:pt x="332509" y="17318"/>
+                    <a:pt x="321061" y="22876"/>
+                    <a:pt x="311727" y="31173"/>
+                  </a:cubicBezTo>
+                  <a:cubicBezTo>
+                    <a:pt x="289761" y="50698"/>
+                    <a:pt x="249382" y="93518"/>
+                    <a:pt x="249382" y="93518"/>
+                  </a:cubicBezTo>
+                  <a:cubicBezTo>
+                    <a:pt x="245918" y="103909"/>
+                    <a:pt x="244310" y="115116"/>
+                    <a:pt x="238991" y="124691"/>
+                  </a:cubicBezTo>
+                  <a:cubicBezTo>
+                    <a:pt x="226861" y="146525"/>
+                    <a:pt x="197427" y="187037"/>
+                    <a:pt x="197427" y="187037"/>
+                  </a:cubicBezTo>
+                  <a:cubicBezTo>
+                    <a:pt x="195179" y="196029"/>
+                    <a:pt x="183269" y="248183"/>
+                    <a:pt x="176646" y="259773"/>
+                  </a:cubicBezTo>
+                  <a:cubicBezTo>
+                    <a:pt x="168054" y="274810"/>
+                    <a:pt x="155864" y="287482"/>
+                    <a:pt x="145473" y="301337"/>
+                  </a:cubicBezTo>
+                  <a:cubicBezTo>
+                    <a:pt x="142009" y="311728"/>
+                    <a:pt x="137738" y="321883"/>
+                    <a:pt x="135082" y="332509"/>
+                  </a:cubicBezTo>
+                  <a:cubicBezTo>
+                    <a:pt x="130798" y="349643"/>
+                    <a:pt x="130276" y="367709"/>
+                    <a:pt x="124691" y="384464"/>
+                  </a:cubicBezTo>
+                  <a:cubicBezTo>
+                    <a:pt x="119793" y="399159"/>
+                    <a:pt x="110836" y="412173"/>
+                    <a:pt x="103909" y="426027"/>
+                  </a:cubicBezTo>
+                  <a:cubicBezTo>
+                    <a:pt x="100445" y="439882"/>
+                    <a:pt x="96319" y="453587"/>
+                    <a:pt x="93518" y="467591"/>
+                  </a:cubicBezTo>
+                  <a:cubicBezTo>
+                    <a:pt x="89386" y="488251"/>
+                    <a:pt x="87697" y="509370"/>
+                    <a:pt x="83127" y="529937"/>
+                  </a:cubicBezTo>
+                  <a:cubicBezTo>
+                    <a:pt x="80751" y="540629"/>
+                    <a:pt x="76200" y="550718"/>
+                    <a:pt x="72736" y="561109"/>
+                  </a:cubicBezTo>
+                  <a:cubicBezTo>
+                    <a:pt x="68066" y="589130"/>
+                    <a:pt x="56327" y="674047"/>
+                    <a:pt x="41564" y="696191"/>
+                  </a:cubicBezTo>
+                  <a:cubicBezTo>
+                    <a:pt x="32972" y="709079"/>
+                    <a:pt x="13855" y="710046"/>
+                    <a:pt x="0" y="716973"/>
+                  </a:cubicBezTo>
+                  <a:lnTo>
+                    <a:pt x="20782" y="779318"/>
+                  </a:lnTo>
+                  <a:lnTo>
+                    <a:pt x="31173" y="810491"/>
+                  </a:lnTo>
+                  <a:cubicBezTo>
+                    <a:pt x="34637" y="865909"/>
+                    <a:pt x="27257" y="923094"/>
+                    <a:pt x="41564" y="976746"/>
+                  </a:cubicBezTo>
+                  <a:cubicBezTo>
+                    <a:pt x="44386" y="987329"/>
+                    <a:pt x="61783" y="966355"/>
+                    <a:pt x="72736" y="966355"/>
+                  </a:cubicBezTo>
+                  <a:cubicBezTo>
+                    <a:pt x="83689" y="966355"/>
+                    <a:pt x="93518" y="973282"/>
+                    <a:pt x="103909" y="976746"/>
+                  </a:cubicBezTo>
+                  <a:cubicBezTo>
+                    <a:pt x="110836" y="987137"/>
+                    <a:pt x="114939" y="1000117"/>
+                    <a:pt x="124691" y="1007918"/>
+                  </a:cubicBezTo>
+                  <a:cubicBezTo>
+                    <a:pt x="133244" y="1014760"/>
+                    <a:pt x="146067" y="1013411"/>
+                    <a:pt x="155864" y="1018309"/>
+                  </a:cubicBezTo>
+                  <a:cubicBezTo>
+                    <a:pt x="167034" y="1023894"/>
+                    <a:pt x="176645" y="1032164"/>
+                    <a:pt x="187036" y="1039091"/>
+                  </a:cubicBezTo>
+                  <a:cubicBezTo>
+                    <a:pt x="207818" y="1035627"/>
+                    <a:pt x="229820" y="1036525"/>
+                    <a:pt x="249382" y="1028700"/>
+                  </a:cubicBezTo>
+                  <a:cubicBezTo>
+                    <a:pt x="321768" y="999745"/>
+                    <a:pt x="262522" y="1000410"/>
+                    <a:pt x="322118" y="966355"/>
+                  </a:cubicBezTo>
+                  <a:cubicBezTo>
+                    <a:pt x="334517" y="959270"/>
+                    <a:pt x="349827" y="959428"/>
+                    <a:pt x="363682" y="955964"/>
+                  </a:cubicBezTo>
+                  <a:cubicBezTo>
+                    <a:pt x="422559" y="867648"/>
+                    <a:pt x="325592" y="1004440"/>
+                    <a:pt x="446809" y="883227"/>
+                  </a:cubicBezTo>
+                  <a:cubicBezTo>
+                    <a:pt x="485727" y="844310"/>
+                    <a:pt x="464041" y="856702"/>
+                    <a:pt x="509155" y="841664"/>
+                  </a:cubicBezTo>
+                  <a:cubicBezTo>
+                    <a:pt x="528557" y="828729"/>
+                    <a:pt x="559735" y="810886"/>
+                    <a:pt x="571500" y="789709"/>
+                  </a:cubicBezTo>
+                  <a:cubicBezTo>
+                    <a:pt x="582139" y="770560"/>
+                    <a:pt x="592282" y="727364"/>
+                    <a:pt x="592282" y="727364"/>
+                  </a:cubicBezTo>
+                  <a:cubicBezTo>
+                    <a:pt x="588818" y="554182"/>
+                    <a:pt x="588423" y="380911"/>
+                    <a:pt x="581891" y="207818"/>
+                  </a:cubicBezTo>
+                  <a:cubicBezTo>
+                    <a:pt x="581478" y="196873"/>
+                    <a:pt x="574509" y="187177"/>
+                    <a:pt x="571500" y="176646"/>
+                  </a:cubicBezTo>
+                  <a:cubicBezTo>
+                    <a:pt x="567577" y="162914"/>
+                    <a:pt x="563457" y="149169"/>
+                    <a:pt x="561109" y="135082"/>
+                  </a:cubicBezTo>
+                  <a:cubicBezTo>
+                    <a:pt x="556518" y="107537"/>
+                    <a:pt x="559549" y="78447"/>
+                    <a:pt x="550718" y="51955"/>
+                  </a:cubicBezTo>
+                  <a:cubicBezTo>
+                    <a:pt x="548269" y="44607"/>
+                    <a:pt x="548986" y="27709"/>
+                    <a:pt x="529936" y="20782"/>
+                  </a:cubicBezTo>
+                  <a:close/>
+                </a:path>
+              </a:pathLst>
+            </a:custGeom>
+            <a:solidFill>
+              <a:schemeClr val="bg1"/>
+            </a:solidFill>
+            <a:ln>
+              <a:solidFill>
+                <a:schemeClr val="bg1"/>
+              </a:solidFill>
+            </a:ln>
+          </p:spPr>
+          <p:style>
+            <a:lnRef idx="1">
+              <a:schemeClr val="accent2"/>
+            </a:lnRef>
+            <a:fillRef idx="2">
+              <a:schemeClr val="accent2"/>
+            </a:fillRef>
+            <a:effectRef idx="1">
+              <a:schemeClr val="accent2"/>
+            </a:effectRef>
+            <a:fontRef idx="minor">
+              <a:schemeClr val="dk1"/>
+            </a:fontRef>
+          </p:style>
+          <p:txBody>
+            <a:bodyPr rtlCol="0" anchor="ctr"/>
+            <a:lstStyle/>
+            <a:p>
+              <a:pPr algn="ctr"/>
+              <a:endParaRPr lang="en-ZA" dirty="0"/>
+            </a:p>
+          </p:txBody>
+        </p:sp>
+        <p:cxnSp>
+          <p:nvCxnSpPr>
+            <p:cNvPr id="10" name="Straight Arrow Connector 9"/>
+            <p:cNvCxnSpPr/>
+            <p:nvPr/>
+          </p:nvCxnSpPr>
+          <p:spPr>
+            <a:xfrm flipH="1">
+              <a:off x="5076057" y="4322618"/>
+              <a:ext cx="792087" cy="519545"/>
+            </a:xfrm>
+            <a:prstGeom prst="straightConnector1">
+              <a:avLst/>
+            </a:prstGeom>
+            <a:ln w="15875">
+              <a:solidFill>
+                <a:schemeClr val="tx1">
+                  <a:lumMod val="50000"/>
+                  <a:lumOff val="50000"/>
+                </a:schemeClr>
+              </a:solidFill>
+              <a:prstDash val="dash"/>
+              <a:tailEnd type="arrow"/>
+            </a:ln>
+          </p:spPr>
+          <p:style>
+            <a:lnRef idx="1">
+              <a:schemeClr val="accent1"/>
+            </a:lnRef>
+            <a:fillRef idx="0">
+              <a:schemeClr val="accent1"/>
+            </a:fillRef>
+            <a:effectRef idx="0">
+              <a:schemeClr val="accent1"/>
+            </a:effectRef>
+            <a:fontRef idx="minor">
+              <a:schemeClr val="tx1"/>
+            </a:fontRef>
+          </p:style>
+        </p:cxnSp>
+      </p:grpSp>
     </p:spTree>
   </p:cSld>
   <p:clrMapOvr>
@@ -11521,7 +12006,7 @@
   <a:extraClrSchemeLst/>
   <a:extLst>
     <a:ext uri="{05A4C25C-085E-4340-85A3-A5531E510DB2}">
-      <thm15:themeFamily xmlns:thm15="http://schemas.microsoft.com/office/thememl/2012/main" name="Business strategy presentation" id="{8652783A-F43B-4C47-8F3C-48F967BE0382}" vid="{232EED29-0899-40B2-8969-E379F11A5395}"/>
+      <thm15:themeFamily xmlns:thm15="http://schemas.microsoft.com/office/thememl/2012/main" xmlns="" name="Business strategy presentation" id="{8652783A-F43B-4C47-8F3C-48F967BE0382}" vid="{232EED29-0899-40B2-8969-E379F11A5395}"/>
     </a:ext>
   </a:extLst>
 </a:theme>
